--- a/Slides/Principle/8 场景管理/8 场景管理.pptx
+++ b/Slides/Principle/8 场景管理/8 场景管理.pptx
@@ -5,7 +5,7 @@
     <p:sldMasterId id="2147483660" r:id="rId1"/>
   </p:sldMasterIdLst>
   <p:notesMasterIdLst>
-    <p:notesMasterId r:id="rId66"/>
+    <p:notesMasterId r:id="rId69"/>
   </p:notesMasterIdLst>
   <p:sldIdLst>
     <p:sldId id="256" r:id="rId2"/>
@@ -24,54 +24,57 @@
     <p:sldId id="269" r:id="rId15"/>
     <p:sldId id="270" r:id="rId16"/>
     <p:sldId id="271" r:id="rId17"/>
-    <p:sldId id="272" r:id="rId18"/>
-    <p:sldId id="273" r:id="rId19"/>
-    <p:sldId id="274" r:id="rId20"/>
-    <p:sldId id="275" r:id="rId21"/>
-    <p:sldId id="276" r:id="rId22"/>
-    <p:sldId id="277" r:id="rId23"/>
-    <p:sldId id="278" r:id="rId24"/>
-    <p:sldId id="279" r:id="rId25"/>
-    <p:sldId id="280" r:id="rId26"/>
-    <p:sldId id="281" r:id="rId27"/>
-    <p:sldId id="282" r:id="rId28"/>
-    <p:sldId id="283" r:id="rId29"/>
-    <p:sldId id="284" r:id="rId30"/>
-    <p:sldId id="285" r:id="rId31"/>
-    <p:sldId id="286" r:id="rId32"/>
-    <p:sldId id="287" r:id="rId33"/>
-    <p:sldId id="288" r:id="rId34"/>
-    <p:sldId id="289" r:id="rId35"/>
-    <p:sldId id="290" r:id="rId36"/>
-    <p:sldId id="291" r:id="rId37"/>
-    <p:sldId id="292" r:id="rId38"/>
-    <p:sldId id="293" r:id="rId39"/>
-    <p:sldId id="294" r:id="rId40"/>
-    <p:sldId id="295" r:id="rId41"/>
-    <p:sldId id="296" r:id="rId42"/>
-    <p:sldId id="322" r:id="rId43"/>
-    <p:sldId id="297" r:id="rId44"/>
-    <p:sldId id="298" r:id="rId45"/>
-    <p:sldId id="299" r:id="rId46"/>
-    <p:sldId id="300" r:id="rId47"/>
-    <p:sldId id="301" r:id="rId48"/>
-    <p:sldId id="302" r:id="rId49"/>
-    <p:sldId id="303" r:id="rId50"/>
-    <p:sldId id="304" r:id="rId51"/>
-    <p:sldId id="305" r:id="rId52"/>
-    <p:sldId id="306" r:id="rId53"/>
-    <p:sldId id="307" r:id="rId54"/>
-    <p:sldId id="308" r:id="rId55"/>
-    <p:sldId id="309" r:id="rId56"/>
-    <p:sldId id="310" r:id="rId57"/>
-    <p:sldId id="311" r:id="rId58"/>
-    <p:sldId id="312" r:id="rId59"/>
-    <p:sldId id="313" r:id="rId60"/>
-    <p:sldId id="317" r:id="rId61"/>
-    <p:sldId id="318" r:id="rId62"/>
-    <p:sldId id="319" r:id="rId63"/>
-    <p:sldId id="320" r:id="rId64"/>
-    <p:sldId id="321" r:id="rId65"/>
+    <p:sldId id="324" r:id="rId18"/>
+    <p:sldId id="272" r:id="rId19"/>
+    <p:sldId id="273" r:id="rId20"/>
+    <p:sldId id="274" r:id="rId21"/>
+    <p:sldId id="325" r:id="rId22"/>
+    <p:sldId id="275" r:id="rId23"/>
+    <p:sldId id="276" r:id="rId24"/>
+    <p:sldId id="277" r:id="rId25"/>
+    <p:sldId id="278" r:id="rId26"/>
+    <p:sldId id="279" r:id="rId27"/>
+    <p:sldId id="280" r:id="rId28"/>
+    <p:sldId id="281" r:id="rId29"/>
+    <p:sldId id="282" r:id="rId30"/>
+    <p:sldId id="283" r:id="rId31"/>
+    <p:sldId id="284" r:id="rId32"/>
+    <p:sldId id="285" r:id="rId33"/>
+    <p:sldId id="286" r:id="rId34"/>
+    <p:sldId id="287" r:id="rId35"/>
+    <p:sldId id="288" r:id="rId36"/>
+    <p:sldId id="289" r:id="rId37"/>
+    <p:sldId id="290" r:id="rId38"/>
+    <p:sldId id="291" r:id="rId39"/>
+    <p:sldId id="292" r:id="rId40"/>
+    <p:sldId id="293" r:id="rId41"/>
+    <p:sldId id="294" r:id="rId42"/>
+    <p:sldId id="295" r:id="rId43"/>
+    <p:sldId id="296" r:id="rId44"/>
+    <p:sldId id="322" r:id="rId45"/>
+    <p:sldId id="297" r:id="rId46"/>
+    <p:sldId id="298" r:id="rId47"/>
+    <p:sldId id="299" r:id="rId48"/>
+    <p:sldId id="300" r:id="rId49"/>
+    <p:sldId id="301" r:id="rId50"/>
+    <p:sldId id="302" r:id="rId51"/>
+    <p:sldId id="303" r:id="rId52"/>
+    <p:sldId id="304" r:id="rId53"/>
+    <p:sldId id="305" r:id="rId54"/>
+    <p:sldId id="306" r:id="rId55"/>
+    <p:sldId id="307" r:id="rId56"/>
+    <p:sldId id="308" r:id="rId57"/>
+    <p:sldId id="309" r:id="rId58"/>
+    <p:sldId id="310" r:id="rId59"/>
+    <p:sldId id="311" r:id="rId60"/>
+    <p:sldId id="312" r:id="rId61"/>
+    <p:sldId id="313" r:id="rId62"/>
+    <p:sldId id="317" r:id="rId63"/>
+    <p:sldId id="318" r:id="rId64"/>
+    <p:sldId id="319" r:id="rId65"/>
+    <p:sldId id="320" r:id="rId66"/>
+    <p:sldId id="321" r:id="rId67"/>
+    <p:sldId id="323" r:id="rId68"/>
   </p:sldIdLst>
   <p:sldSz cx="9144000" cy="5143500" type="screen16x9"/>
   <p:notesSz cx="6858000" cy="9144000"/>
@@ -255,7 +258,7 @@
           <a:p>
             <a:fld id="{8B783F70-EA6F-494A-97F4-DDE54DD62067}" type="datetimeFigureOut">
               <a:rPr lang="zh-CN" altLang="en-US" smtClean="0"/>
-              <a:t>2018/3/29</a:t>
+              <a:t>2019/4/9</a:t>
             </a:fld>
             <a:endParaRPr lang="zh-CN" altLang="en-US"/>
           </a:p>
@@ -619,7 +622,7 @@
           <a:p>
             <a:fld id="{ABB52C44-4BA9-4999-A6E9-FD42536F0512}" type="slidenum">
               <a:rPr lang="zh-CN" altLang="en-US" smtClean="0"/>
-              <a:t>36</a:t>
+              <a:t>38</a:t>
             </a:fld>
             <a:endParaRPr lang="zh-CN" altLang="en-US"/>
           </a:p>
@@ -726,7 +729,7 @@
           <a:p>
             <a:fld id="{ABB52C44-4BA9-4999-A6E9-FD42536F0512}" type="slidenum">
               <a:rPr lang="zh-CN" altLang="en-US" smtClean="0"/>
-              <a:t>43</a:t>
+              <a:t>45</a:t>
             </a:fld>
             <a:endParaRPr lang="zh-CN" altLang="en-US"/>
           </a:p>
@@ -965,7 +968,7 @@
           <a:p>
             <a:fld id="{530820CF-B880-4189-942D-D702A7CBA730}" type="datetimeFigureOut">
               <a:rPr lang="zh-CN" altLang="en-US" smtClean="0"/>
-              <a:t>2018/3/29</a:t>
+              <a:t>2019/4/9</a:t>
             </a:fld>
             <a:endParaRPr lang="zh-CN" altLang="en-US"/>
           </a:p>
@@ -1187,7 +1190,7 @@
           <a:p>
             <a:fld id="{530820CF-B880-4189-942D-D702A7CBA730}" type="datetimeFigureOut">
               <a:rPr lang="zh-CN" altLang="en-US" smtClean="0"/>
-              <a:t>2018/3/29</a:t>
+              <a:t>2019/4/9</a:t>
             </a:fld>
             <a:endParaRPr lang="zh-CN" altLang="en-US"/>
           </a:p>
@@ -1455,7 +1458,7 @@
           <a:p>
             <a:fld id="{530820CF-B880-4189-942D-D702A7CBA730}" type="datetimeFigureOut">
               <a:rPr lang="zh-CN" altLang="en-US" smtClean="0"/>
-              <a:t>2018/3/29</a:t>
+              <a:t>2019/4/9</a:t>
             </a:fld>
             <a:endParaRPr lang="zh-CN" altLang="en-US"/>
           </a:p>
@@ -1705,7 +1708,7 @@
           <a:p>
             <a:fld id="{530820CF-B880-4189-942D-D702A7CBA730}" type="datetimeFigureOut">
               <a:rPr lang="zh-CN" altLang="en-US" smtClean="0"/>
-              <a:t>2018/3/29</a:t>
+              <a:t>2019/4/9</a:t>
             </a:fld>
             <a:endParaRPr lang="zh-CN" altLang="en-US"/>
           </a:p>
@@ -1964,7 +1967,7 @@
           <a:p>
             <a:fld id="{530820CF-B880-4189-942D-D702A7CBA730}" type="datetimeFigureOut">
               <a:rPr lang="zh-CN" altLang="en-US" smtClean="0"/>
-              <a:t>2018/3/29</a:t>
+              <a:t>2019/4/9</a:t>
             </a:fld>
             <a:endParaRPr lang="zh-CN" altLang="en-US"/>
           </a:p>
@@ -2329,7 +2332,7 @@
           <a:p>
             <a:fld id="{530820CF-B880-4189-942D-D702A7CBA730}" type="datetimeFigureOut">
               <a:rPr lang="zh-CN" altLang="en-US" smtClean="0"/>
-              <a:t>2018/3/29</a:t>
+              <a:t>2019/4/9</a:t>
             </a:fld>
             <a:endParaRPr lang="zh-CN" altLang="en-US"/>
           </a:p>
@@ -2827,7 +2830,7 @@
           <a:p>
             <a:fld id="{530820CF-B880-4189-942D-D702A7CBA730}" type="datetimeFigureOut">
               <a:rPr lang="zh-CN" altLang="en-US" smtClean="0"/>
-              <a:t>2018/3/29</a:t>
+              <a:t>2019/4/9</a:t>
             </a:fld>
             <a:endParaRPr lang="zh-CN" altLang="en-US"/>
           </a:p>
@@ -3021,7 +3024,7 @@
           <a:p>
             <a:fld id="{530820CF-B880-4189-942D-D702A7CBA730}" type="datetimeFigureOut">
               <a:rPr lang="zh-CN" altLang="en-US" smtClean="0"/>
-              <a:t>2018/3/29</a:t>
+              <a:t>2019/4/9</a:t>
             </a:fld>
             <a:endParaRPr lang="zh-CN" altLang="en-US"/>
           </a:p>
@@ -3192,7 +3195,7 @@
           <a:p>
             <a:fld id="{530820CF-B880-4189-942D-D702A7CBA730}" type="datetimeFigureOut">
               <a:rPr lang="zh-CN" altLang="en-US" smtClean="0"/>
-              <a:t>2018/3/29</a:t>
+              <a:t>2019/4/9</a:t>
             </a:fld>
             <a:endParaRPr lang="zh-CN" altLang="en-US"/>
           </a:p>
@@ -3592,7 +3595,7 @@
           <a:p>
             <a:fld id="{530820CF-B880-4189-942D-D702A7CBA730}" type="datetimeFigureOut">
               <a:rPr lang="zh-CN" altLang="en-US" smtClean="0"/>
-              <a:t>2018/3/29</a:t>
+              <a:t>2019/4/9</a:t>
             </a:fld>
             <a:endParaRPr lang="zh-CN" altLang="en-US"/>
           </a:p>
@@ -3972,7 +3975,7 @@
           <a:p>
             <a:fld id="{530820CF-B880-4189-942D-D702A7CBA730}" type="datetimeFigureOut">
               <a:rPr lang="zh-CN" altLang="en-US" smtClean="0"/>
-              <a:t>2018/3/29</a:t>
+              <a:t>2019/4/9</a:t>
             </a:fld>
             <a:endParaRPr lang="zh-CN" altLang="en-US"/>
           </a:p>
@@ -4246,7 +4249,7 @@
           <a:p>
             <a:fld id="{530820CF-B880-4189-942D-D702A7CBA730}" type="datetimeFigureOut">
               <a:rPr lang="zh-CN" altLang="en-US" smtClean="0"/>
-              <a:t>2018/3/29</a:t>
+              <a:t>2019/4/9</a:t>
             </a:fld>
             <a:endParaRPr lang="zh-CN" altLang="en-US"/>
           </a:p>
@@ -4766,6 +4769,21 @@
   <p:clrMapOvr>
     <a:masterClrMapping/>
   </p:clrMapOvr>
+  <mc:AlternateContent xmlns:mc="http://schemas.openxmlformats.org/markup-compatibility/2006">
+    <mc:Choice xmlns:p14="http://schemas.microsoft.com/office/powerpoint/2010/main" Requires="p14">
+      <p:transition spd="slow" p14:dur="999"/>
+    </mc:Choice>
+    <mc:Fallback>
+      <p:transition spd="slow"/>
+    </mc:Fallback>
+  </mc:AlternateContent>
+  <p:timing>
+    <p:tnLst>
+      <p:par>
+        <p:cTn id="1" dur="indefinite" restart="never" nodeType="tmRoot"/>
+      </p:par>
+    </p:tnLst>
+  </p:timing>
 </p:sld>
 </file>
 
@@ -4864,6 +4882,13 @@
   <p:clrMapOvr>
     <a:masterClrMapping/>
   </p:clrMapOvr>
+  <p:timing>
+    <p:tnLst>
+      <p:par>
+        <p:cTn id="1" dur="indefinite" restart="never" nodeType="tmRoot"/>
+      </p:par>
+    </p:tnLst>
+  </p:timing>
 </p:sld>
 </file>
 
@@ -4952,6 +4977,13 @@
   <p:clrMapOvr>
     <a:masterClrMapping/>
   </p:clrMapOvr>
+  <p:timing>
+    <p:tnLst>
+      <p:par>
+        <p:cTn id="1" dur="indefinite" restart="never" nodeType="tmRoot"/>
+      </p:par>
+    </p:tnLst>
+  </p:timing>
 </p:sld>
 </file>
 
@@ -5072,6 +5104,13 @@
   <p:clrMapOvr>
     <a:masterClrMapping/>
   </p:clrMapOvr>
+  <p:timing>
+    <p:tnLst>
+      <p:par>
+        <p:cTn id="1" dur="indefinite" restart="never" nodeType="tmRoot"/>
+      </p:par>
+    </p:tnLst>
+  </p:timing>
 </p:sld>
 </file>
 
@@ -5213,6 +5252,13 @@
   <p:clrMapOvr>
     <a:masterClrMapping/>
   </p:clrMapOvr>
+  <p:timing>
+    <p:tnLst>
+      <p:par>
+        <p:cTn id="1" dur="indefinite" restart="never" nodeType="tmRoot"/>
+      </p:par>
+    </p:tnLst>
+  </p:timing>
 </p:sld>
 </file>
 
@@ -5345,6 +5391,13 @@
   <p:clrMapOvr>
     <a:masterClrMapping/>
   </p:clrMapOvr>
+  <p:timing>
+    <p:tnLst>
+      <p:par>
+        <p:cTn id="1" dur="indefinite" restart="never" nodeType="tmRoot"/>
+      </p:par>
+    </p:tnLst>
+  </p:timing>
 </p:sld>
 </file>
 
@@ -5572,6 +5625,13 @@
   <p:clrMapOvr>
     <a:masterClrMapping/>
   </p:clrMapOvr>
+  <p:timing>
+    <p:tnLst>
+      <p:par>
+        <p:cTn id="1" dur="indefinite" restart="never" nodeType="tmRoot"/>
+      </p:par>
+    </p:tnLst>
+  </p:timing>
 </p:sld>
 </file>
 
@@ -5718,6 +5778,13 @@
   <p:clrMapOvr>
     <a:masterClrMapping/>
   </p:clrMapOvr>
+  <p:timing>
+    <p:tnLst>
+      <p:par>
+        <p:cTn id="1" dur="indefinite" restart="never" nodeType="tmRoot"/>
+      </p:par>
+    </p:tnLst>
+  </p:timing>
 </p:sld>
 </file>
 
@@ -5740,6 +5807,946 @@
       </p:grpSpPr>
       <p:sp>
         <p:nvSpPr>
+          <p:cNvPr id="5" name="TextBox 4"/>
+          <p:cNvSpPr txBox="1"/>
+          <p:nvPr>
+            <p:custDataLst>
+              <p:tags r:id="rId2"/>
+            </p:custDataLst>
+          </p:nvPr>
+        </p:nvSpPr>
+        <p:spPr>
+          <a:xfrm>
+            <a:off x="914400" y="635000"/>
+            <a:ext cx="7315200" cy="1607344"/>
+          </a:xfrm>
+          <a:prstGeom prst="rect">
+            <a:avLst/>
+          </a:prstGeom>
+          <a:noFill/>
+        </p:spPr>
+        <p:txBody>
+          <a:bodyPr vert="horz" wrap="square" rtlCol="0" anchor="ctr" anchorCtr="0">
+            <a:noAutofit/>
+          </a:bodyPr>
+          <a:lstStyle/>
+          <a:p>
+            <a:r>
+              <a:rPr lang="zh-CN" altLang="en-US" sz="2600" dirty="0">
+                <a:solidFill>
+                  <a:srgbClr val="000000"/>
+                </a:solidFill>
+                <a:latin typeface="Microsoft Yahei"/>
+                <a:ea typeface="Microsoft Yahei"/>
+                <a:sym typeface="Microsoft Yahei"/>
+              </a:rPr>
+              <a:t>层次结构是一种将场景元素以图的形式组织在一起的管理方式</a:t>
+            </a:r>
+            <a:r>
+              <a:rPr lang="zh-CN" altLang="en-US" sz="2600" dirty="0" smtClean="0">
+                <a:solidFill>
+                  <a:srgbClr val="000000"/>
+                </a:solidFill>
+                <a:latin typeface="Microsoft Yahei"/>
+                <a:ea typeface="Microsoft Yahei"/>
+                <a:sym typeface="Microsoft Yahei"/>
+              </a:rPr>
+              <a:t>，每个</a:t>
+            </a:r>
+            <a:r>
+              <a:rPr lang="zh-CN" altLang="en-US" sz="2600" dirty="0">
+                <a:solidFill>
+                  <a:srgbClr val="000000"/>
+                </a:solidFill>
+                <a:latin typeface="Microsoft Yahei"/>
+                <a:ea typeface="Microsoft Yahei"/>
+                <a:sym typeface="Microsoft Yahei"/>
+              </a:rPr>
+              <a:t>节点存储场景中各类数据结构</a:t>
+            </a:r>
+            <a:r>
+              <a:rPr lang="zh-CN" altLang="en-US" sz="2600" dirty="0" smtClean="0">
+                <a:solidFill>
+                  <a:srgbClr val="000000"/>
+                </a:solidFill>
+                <a:latin typeface="Microsoft Yahei"/>
+                <a:ea typeface="Microsoft Yahei"/>
+                <a:sym typeface="Microsoft Yahei"/>
+              </a:rPr>
+              <a:t>，可以包括包括</a:t>
+            </a:r>
+            <a:endParaRPr lang="zh-CN" altLang="en-US" sz="2600" dirty="0">
+              <a:solidFill>
+                <a:srgbClr val="000000"/>
+              </a:solidFill>
+              <a:latin typeface="Microsoft Yahei"/>
+              <a:ea typeface="Microsoft Yahei"/>
+              <a:sym typeface="Microsoft Yahei"/>
+            </a:endParaRPr>
+          </a:p>
+        </p:txBody>
+      </p:sp>
+      <p:sp>
+        <p:nvSpPr>
+          <p:cNvPr id="6" name="TextBox 5"/>
+          <p:cNvSpPr txBox="1"/>
+          <p:nvPr>
+            <p:custDataLst>
+              <p:tags r:id="rId3"/>
+            </p:custDataLst>
+          </p:nvPr>
+        </p:nvSpPr>
+        <p:spPr>
+          <a:xfrm>
+            <a:off x="1828800" y="2089547"/>
+            <a:ext cx="6400800" cy="482203"/>
+          </a:xfrm>
+          <a:prstGeom prst="rect">
+            <a:avLst/>
+          </a:prstGeom>
+          <a:noFill/>
+        </p:spPr>
+        <p:txBody>
+          <a:bodyPr vert="horz" rtlCol="0" anchor="ctr" anchorCtr="0">
+            <a:noAutofit/>
+          </a:bodyPr>
+          <a:lstStyle/>
+          <a:p>
+            <a:r>
+              <a:rPr lang="zh-CN" altLang="en-US" sz="2600" dirty="0">
+                <a:solidFill>
+                  <a:srgbClr val="000000"/>
+                </a:solidFill>
+                <a:latin typeface="Microsoft Yahei"/>
+                <a:ea typeface="Microsoft Yahei"/>
+                <a:sym typeface="Microsoft Yahei"/>
+              </a:rPr>
+              <a:t>几何物体</a:t>
+            </a:r>
+          </a:p>
+        </p:txBody>
+      </p:sp>
+      <p:sp>
+        <p:nvSpPr>
+          <p:cNvPr id="7" name="TextBox 6"/>
+          <p:cNvSpPr txBox="1"/>
+          <p:nvPr>
+            <p:custDataLst>
+              <p:tags r:id="rId4"/>
+            </p:custDataLst>
+          </p:nvPr>
+        </p:nvSpPr>
+        <p:spPr>
+          <a:xfrm>
+            <a:off x="1828800" y="2732484"/>
+            <a:ext cx="6400800" cy="482203"/>
+          </a:xfrm>
+          <a:prstGeom prst="rect">
+            <a:avLst/>
+          </a:prstGeom>
+          <a:noFill/>
+        </p:spPr>
+        <p:txBody>
+          <a:bodyPr vert="horz" rtlCol="0" anchor="ctr" anchorCtr="0">
+            <a:noAutofit/>
+          </a:bodyPr>
+          <a:lstStyle/>
+          <a:p>
+            <a:r>
+              <a:rPr lang="zh-CN" altLang="en-US" sz="2600" dirty="0">
+                <a:solidFill>
+                  <a:srgbClr val="000000"/>
+                </a:solidFill>
+                <a:latin typeface="Microsoft Yahei"/>
+                <a:ea typeface="Microsoft Yahei"/>
+                <a:sym typeface="Microsoft Yahei"/>
+              </a:rPr>
+              <a:t>光源</a:t>
+            </a:r>
+          </a:p>
+        </p:txBody>
+      </p:sp>
+      <p:sp>
+        <p:nvSpPr>
+          <p:cNvPr id="8" name="TextBox 7"/>
+          <p:cNvSpPr txBox="1"/>
+          <p:nvPr>
+            <p:custDataLst>
+              <p:tags r:id="rId5"/>
+            </p:custDataLst>
+          </p:nvPr>
+        </p:nvSpPr>
+        <p:spPr>
+          <a:xfrm>
+            <a:off x="1828800" y="3375422"/>
+            <a:ext cx="6400800" cy="482203"/>
+          </a:xfrm>
+          <a:prstGeom prst="rect">
+            <a:avLst/>
+          </a:prstGeom>
+          <a:noFill/>
+        </p:spPr>
+        <p:txBody>
+          <a:bodyPr vert="horz" rtlCol="0" anchor="ctr" anchorCtr="0">
+            <a:noAutofit/>
+          </a:bodyPr>
+          <a:lstStyle/>
+          <a:p>
+            <a:r>
+              <a:rPr lang="zh-CN" altLang="en-US" sz="2600" dirty="0">
+                <a:solidFill>
+                  <a:srgbClr val="000000"/>
+                </a:solidFill>
+                <a:latin typeface="Microsoft Yahei"/>
+                <a:ea typeface="Microsoft Yahei"/>
+                <a:sym typeface="Microsoft Yahei"/>
+              </a:rPr>
+              <a:t>相机</a:t>
+            </a:r>
+          </a:p>
+        </p:txBody>
+      </p:sp>
+      <p:sp>
+        <p:nvSpPr>
+          <p:cNvPr id="9" name="TextBox 8"/>
+          <p:cNvSpPr txBox="1"/>
+          <p:nvPr>
+            <p:custDataLst>
+              <p:tags r:id="rId6"/>
+            </p:custDataLst>
+          </p:nvPr>
+        </p:nvSpPr>
+        <p:spPr>
+          <a:xfrm>
+            <a:off x="1828800" y="4018359"/>
+            <a:ext cx="6400800" cy="482203"/>
+          </a:xfrm>
+          <a:prstGeom prst="rect">
+            <a:avLst/>
+          </a:prstGeom>
+          <a:noFill/>
+        </p:spPr>
+        <p:txBody>
+          <a:bodyPr vert="horz" rtlCol="0" anchor="ctr" anchorCtr="0">
+            <a:noAutofit/>
+          </a:bodyPr>
+          <a:lstStyle/>
+          <a:p>
+            <a:r>
+              <a:rPr lang="zh-CN" altLang="en-US" sz="2600" dirty="0">
+                <a:solidFill>
+                  <a:srgbClr val="000000"/>
+                </a:solidFill>
+                <a:latin typeface="Microsoft Yahei"/>
+                <a:ea typeface="Microsoft Yahei"/>
+                <a:sym typeface="Microsoft Yahei"/>
+              </a:rPr>
+              <a:t>变换和其他属性</a:t>
+            </a:r>
+            <a:endParaRPr lang="zh-CN" altLang="en-US" sz="2600" dirty="0">
+              <a:solidFill>
+                <a:srgbClr val="000000"/>
+              </a:solidFill>
+              <a:latin typeface="Microsoft Yahei"/>
+              <a:ea typeface="Microsoft Yahei"/>
+              <a:sym typeface="Microsoft Yahei"/>
+            </a:endParaRPr>
+          </a:p>
+        </p:txBody>
+      </p:sp>
+      <p:sp>
+        <p:nvSpPr>
+          <p:cNvPr id="10" name="矩形 9"/>
+          <p:cNvSpPr>
+            <a:spLocks noChangeAspect="1"/>
+          </p:cNvSpPr>
+          <p:nvPr>
+            <p:custDataLst>
+              <p:tags r:id="rId7"/>
+            </p:custDataLst>
+          </p:nvPr>
+        </p:nvSpPr>
+        <p:spPr>
+          <a:xfrm>
+            <a:off x="1178719" y="2137767"/>
+            <a:ext cx="385762" cy="385763"/>
+          </a:xfrm>
+          <a:prstGeom prst="rect">
+            <a:avLst/>
+          </a:prstGeom>
+          <a:solidFill>
+            <a:srgbClr val="00FF00"/>
+          </a:solidFill>
+          <a:ln w="25400" cmpd="sng">
+            <a:solidFill>
+              <a:srgbClr val="000000"/>
+            </a:solidFill>
+            <a:prstDash val="solid"/>
+          </a:ln>
+        </p:spPr>
+        <p:style>
+          <a:lnRef idx="2">
+            <a:schemeClr val="accent1">
+              <a:shade val="50000"/>
+            </a:schemeClr>
+          </a:lnRef>
+          <a:fillRef idx="1">
+            <a:schemeClr val="accent1"/>
+          </a:fillRef>
+          <a:effectRef idx="0">
+            <a:schemeClr val="accent1"/>
+          </a:effectRef>
+          <a:fontRef idx="minor">
+            <a:schemeClr val="lt1"/>
+          </a:fontRef>
+        </p:style>
+        <p:txBody>
+          <a:bodyPr rtlCol="0" anchor="ctr" anchorCtr="1"/>
+          <a:lstStyle/>
+          <a:p>
+            <a:pPr algn="ctr"/>
+            <a:r>
+              <a:rPr lang="en-US" altLang="zh-CN" sz="1600" smtClean="0">
+                <a:solidFill>
+                  <a:srgbClr val="FFFFFF"/>
+                </a:solidFill>
+                <a:latin typeface="Microsoft Yahei"/>
+                <a:ea typeface="Microsoft Yahei"/>
+                <a:sym typeface="Microsoft Yahei"/>
+              </a:rPr>
+              <a:t>A</a:t>
+            </a:r>
+            <a:endParaRPr lang="zh-CN" altLang="en-US" sz="1600">
+              <a:solidFill>
+                <a:srgbClr val="FFFFFF"/>
+              </a:solidFill>
+              <a:latin typeface="Microsoft Yahei"/>
+              <a:ea typeface="Microsoft Yahei"/>
+              <a:sym typeface="Microsoft Yahei"/>
+            </a:endParaRPr>
+          </a:p>
+        </p:txBody>
+      </p:sp>
+      <p:sp>
+        <p:nvSpPr>
+          <p:cNvPr id="11" name="矩形 10"/>
+          <p:cNvSpPr>
+            <a:spLocks noChangeAspect="1"/>
+          </p:cNvSpPr>
+          <p:nvPr>
+            <p:custDataLst>
+              <p:tags r:id="rId8"/>
+            </p:custDataLst>
+          </p:nvPr>
+        </p:nvSpPr>
+        <p:spPr>
+          <a:xfrm>
+            <a:off x="1178719" y="2780705"/>
+            <a:ext cx="385762" cy="385762"/>
+          </a:xfrm>
+          <a:prstGeom prst="rect">
+            <a:avLst/>
+          </a:prstGeom>
+          <a:solidFill>
+            <a:srgbClr val="00FF00"/>
+          </a:solidFill>
+          <a:ln w="25400" cmpd="sng">
+            <a:solidFill>
+              <a:srgbClr val="000000"/>
+            </a:solidFill>
+            <a:prstDash val="solid"/>
+          </a:ln>
+        </p:spPr>
+        <p:style>
+          <a:lnRef idx="2">
+            <a:schemeClr val="accent1">
+              <a:shade val="50000"/>
+            </a:schemeClr>
+          </a:lnRef>
+          <a:fillRef idx="1">
+            <a:schemeClr val="accent1"/>
+          </a:fillRef>
+          <a:effectRef idx="0">
+            <a:schemeClr val="accent1"/>
+          </a:effectRef>
+          <a:fontRef idx="minor">
+            <a:schemeClr val="lt1"/>
+          </a:fontRef>
+        </p:style>
+        <p:txBody>
+          <a:bodyPr rtlCol="0" anchor="ctr" anchorCtr="1"/>
+          <a:lstStyle/>
+          <a:p>
+            <a:pPr algn="ctr"/>
+            <a:r>
+              <a:rPr lang="en-US" altLang="zh-CN" sz="1600" smtClean="0">
+                <a:solidFill>
+                  <a:srgbClr val="FFFFFF"/>
+                </a:solidFill>
+                <a:latin typeface="Microsoft Yahei"/>
+                <a:ea typeface="Microsoft Yahei"/>
+                <a:sym typeface="Microsoft Yahei"/>
+              </a:rPr>
+              <a:t>B</a:t>
+            </a:r>
+            <a:endParaRPr lang="zh-CN" altLang="en-US" sz="1600">
+              <a:solidFill>
+                <a:srgbClr val="FFFFFF"/>
+              </a:solidFill>
+              <a:latin typeface="Microsoft Yahei"/>
+              <a:ea typeface="Microsoft Yahei"/>
+              <a:sym typeface="Microsoft Yahei"/>
+            </a:endParaRPr>
+          </a:p>
+        </p:txBody>
+      </p:sp>
+      <p:sp>
+        <p:nvSpPr>
+          <p:cNvPr id="12" name="矩形 11"/>
+          <p:cNvSpPr>
+            <a:spLocks noChangeAspect="1"/>
+          </p:cNvSpPr>
+          <p:nvPr>
+            <p:custDataLst>
+              <p:tags r:id="rId9"/>
+            </p:custDataLst>
+          </p:nvPr>
+        </p:nvSpPr>
+        <p:spPr>
+          <a:xfrm>
+            <a:off x="1178719" y="3423642"/>
+            <a:ext cx="385762" cy="385763"/>
+          </a:xfrm>
+          <a:prstGeom prst="rect">
+            <a:avLst/>
+          </a:prstGeom>
+          <a:solidFill>
+            <a:srgbClr val="00FF00"/>
+          </a:solidFill>
+          <a:ln w="25400" cmpd="sng">
+            <a:solidFill>
+              <a:srgbClr val="000000"/>
+            </a:solidFill>
+            <a:prstDash val="solid"/>
+          </a:ln>
+        </p:spPr>
+        <p:style>
+          <a:lnRef idx="2">
+            <a:schemeClr val="accent1">
+              <a:shade val="50000"/>
+            </a:schemeClr>
+          </a:lnRef>
+          <a:fillRef idx="1">
+            <a:schemeClr val="accent1"/>
+          </a:fillRef>
+          <a:effectRef idx="0">
+            <a:schemeClr val="accent1"/>
+          </a:effectRef>
+          <a:fontRef idx="minor">
+            <a:schemeClr val="lt1"/>
+          </a:fontRef>
+        </p:style>
+        <p:txBody>
+          <a:bodyPr rtlCol="0" anchor="ctr" anchorCtr="1"/>
+          <a:lstStyle/>
+          <a:p>
+            <a:pPr algn="ctr"/>
+            <a:r>
+              <a:rPr lang="en-US" altLang="zh-CN" sz="1600" smtClean="0">
+                <a:solidFill>
+                  <a:srgbClr val="FFFFFF"/>
+                </a:solidFill>
+                <a:latin typeface="Microsoft Yahei"/>
+                <a:ea typeface="Microsoft Yahei"/>
+                <a:sym typeface="Microsoft Yahei"/>
+              </a:rPr>
+              <a:t>C</a:t>
+            </a:r>
+            <a:endParaRPr lang="zh-CN" altLang="en-US" sz="1600">
+              <a:solidFill>
+                <a:srgbClr val="FFFFFF"/>
+              </a:solidFill>
+              <a:latin typeface="Microsoft Yahei"/>
+              <a:ea typeface="Microsoft Yahei"/>
+              <a:sym typeface="Microsoft Yahei"/>
+            </a:endParaRPr>
+          </a:p>
+        </p:txBody>
+      </p:sp>
+      <p:sp>
+        <p:nvSpPr>
+          <p:cNvPr id="13" name="矩形 12"/>
+          <p:cNvSpPr>
+            <a:spLocks noChangeAspect="1"/>
+          </p:cNvSpPr>
+          <p:nvPr>
+            <p:custDataLst>
+              <p:tags r:id="rId10"/>
+            </p:custDataLst>
+          </p:nvPr>
+        </p:nvSpPr>
+        <p:spPr>
+          <a:xfrm>
+            <a:off x="1178719" y="4066580"/>
+            <a:ext cx="385762" cy="385762"/>
+          </a:xfrm>
+          <a:prstGeom prst="rect">
+            <a:avLst/>
+          </a:prstGeom>
+          <a:solidFill>
+            <a:srgbClr val="00FF00"/>
+          </a:solidFill>
+          <a:ln w="25400" cmpd="sng">
+            <a:solidFill>
+              <a:srgbClr val="000000"/>
+            </a:solidFill>
+            <a:prstDash val="solid"/>
+          </a:ln>
+        </p:spPr>
+        <p:style>
+          <a:lnRef idx="2">
+            <a:schemeClr val="accent1">
+              <a:shade val="50000"/>
+            </a:schemeClr>
+          </a:lnRef>
+          <a:fillRef idx="1">
+            <a:schemeClr val="accent1"/>
+          </a:fillRef>
+          <a:effectRef idx="0">
+            <a:schemeClr val="accent1"/>
+          </a:effectRef>
+          <a:fontRef idx="minor">
+            <a:schemeClr val="lt1"/>
+          </a:fontRef>
+        </p:style>
+        <p:txBody>
+          <a:bodyPr rtlCol="0" anchor="ctr" anchorCtr="1"/>
+          <a:lstStyle/>
+          <a:p>
+            <a:pPr algn="ctr"/>
+            <a:r>
+              <a:rPr lang="en-US" altLang="zh-CN" sz="1600" smtClean="0">
+                <a:solidFill>
+                  <a:srgbClr val="FFFFFF"/>
+                </a:solidFill>
+                <a:latin typeface="Microsoft Yahei"/>
+                <a:ea typeface="Microsoft Yahei"/>
+                <a:sym typeface="Microsoft Yahei"/>
+              </a:rPr>
+              <a:t>D</a:t>
+            </a:r>
+            <a:endParaRPr lang="zh-CN" altLang="en-US" sz="1600">
+              <a:solidFill>
+                <a:srgbClr val="FFFFFF"/>
+              </a:solidFill>
+              <a:latin typeface="Microsoft Yahei"/>
+              <a:ea typeface="Microsoft Yahei"/>
+              <a:sym typeface="Microsoft Yahei"/>
+            </a:endParaRPr>
+          </a:p>
+        </p:txBody>
+      </p:sp>
+      <p:sp>
+        <p:nvSpPr>
+          <p:cNvPr id="14" name="圆角矩形 13"/>
+          <p:cNvSpPr/>
+          <p:nvPr>
+            <p:custDataLst>
+              <p:tags r:id="rId11"/>
+            </p:custDataLst>
+          </p:nvPr>
+        </p:nvSpPr>
+        <p:spPr>
+          <a:xfrm>
+            <a:off x="6686550" y="4661297"/>
+            <a:ext cx="1157288" cy="308610"/>
+          </a:xfrm>
+          <a:prstGeom prst="roundRect">
+            <a:avLst/>
+          </a:prstGeom>
+          <a:solidFill>
+            <a:srgbClr val="808080"/>
+          </a:solidFill>
+          <a:ln w="38100" cmpd="sng">
+            <a:solidFill>
+              <a:srgbClr val="000000"/>
+            </a:solidFill>
+            <a:prstDash val="solid"/>
+          </a:ln>
+        </p:spPr>
+        <p:style>
+          <a:lnRef idx="2">
+            <a:schemeClr val="accent1">
+              <a:shade val="50000"/>
+            </a:schemeClr>
+          </a:lnRef>
+          <a:fillRef idx="1">
+            <a:schemeClr val="accent1"/>
+          </a:fillRef>
+          <a:effectRef idx="0">
+            <a:schemeClr val="accent1"/>
+          </a:effectRef>
+          <a:fontRef idx="minor">
+            <a:schemeClr val="lt1"/>
+          </a:fontRef>
+        </p:style>
+        <p:txBody>
+          <a:bodyPr rtlCol="0" anchor="ctr" anchorCtr="1"/>
+          <a:lstStyle/>
+          <a:p>
+            <a:pPr algn="ctr"/>
+            <a:r>
+              <a:rPr lang="zh-CN" altLang="en-US" sz="1600" smtClean="0">
+                <a:solidFill>
+                  <a:srgbClr val="FFFFFF"/>
+                </a:solidFill>
+                <a:latin typeface="Microsoft Yahei"/>
+                <a:ea typeface="Microsoft Yahei"/>
+                <a:sym typeface="Microsoft Yahei"/>
+              </a:rPr>
+              <a:t>提交</a:t>
+            </a:r>
+            <a:endParaRPr lang="zh-CN" altLang="en-US" sz="1600">
+              <a:solidFill>
+                <a:srgbClr val="FFFFFF"/>
+              </a:solidFill>
+              <a:latin typeface="Microsoft Yahei"/>
+              <a:ea typeface="Microsoft Yahei"/>
+              <a:sym typeface="Microsoft Yahei"/>
+            </a:endParaRPr>
+          </a:p>
+        </p:txBody>
+      </p:sp>
+      <p:grpSp>
+        <p:nvGrpSpPr>
+          <p:cNvPr id="26" name="组合 25"/>
+          <p:cNvGrpSpPr/>
+          <p:nvPr>
+            <p:custDataLst>
+              <p:tags r:id="rId12"/>
+            </p:custDataLst>
+          </p:nvPr>
+        </p:nvGrpSpPr>
+        <p:grpSpPr>
+          <a:xfrm>
+            <a:off x="0" y="0"/>
+            <a:ext cx="9144000" cy="635000"/>
+            <a:chOff x="0" y="0"/>
+            <a:chExt cx="9144000" cy="635000"/>
+          </a:xfrm>
+        </p:grpSpPr>
+        <p:sp>
+          <p:nvSpPr>
+            <p:cNvPr id="23" name="TitleBackground"/>
+            <p:cNvSpPr/>
+            <p:nvPr>
+              <p:custDataLst>
+                <p:tags r:id="rId14"/>
+              </p:custDataLst>
+            </p:nvPr>
+          </p:nvSpPr>
+          <p:spPr>
+            <a:xfrm>
+              <a:off x="0" y="0"/>
+              <a:ext cx="9144000" cy="635000"/>
+            </a:xfrm>
+            <a:prstGeom prst="rect">
+              <a:avLst/>
+            </a:prstGeom>
+            <a:solidFill>
+              <a:srgbClr val="F6F7F8"/>
+            </a:solidFill>
+            <a:ln w="25400" cap="flat" cmpd="sng" algn="ctr">
+              <a:noFill/>
+              <a:prstDash val="solid"/>
+            </a:ln>
+            <a:effectLst/>
+            <a:extLst>
+              <a:ext uri="{91240B29-F687-4F45-9708-019B960494DF}">
+                <a14:hiddenLine xmlns:a14="http://schemas.microsoft.com/office/drawing/2010/main" w="25400" cap="flat" cmpd="sng" algn="ctr">
+                  <a:solidFill>
+                    <a:schemeClr val="accent1">
+                      <a:shade val="50000"/>
+                    </a:schemeClr>
+                  </a:solidFill>
+                  <a:prstDash val="solid"/>
+                </a14:hiddenLine>
+              </a:ext>
+            </a:extLst>
+          </p:spPr>
+          <p:style>
+            <a:lnRef idx="2">
+              <a:schemeClr val="accent1">
+                <a:shade val="50000"/>
+              </a:schemeClr>
+            </a:lnRef>
+            <a:fillRef idx="1">
+              <a:schemeClr val="accent1"/>
+            </a:fillRef>
+            <a:effectRef idx="0">
+              <a:schemeClr val="accent1"/>
+            </a:effectRef>
+            <a:fontRef idx="minor">
+              <a:schemeClr val="lt1"/>
+            </a:fontRef>
+          </p:style>
+          <p:txBody>
+            <a:bodyPr rtlCol="0" anchor="ctr"/>
+            <a:lstStyle/>
+            <a:p>
+              <a:pPr algn="ctr"/>
+              <a:endParaRPr lang="zh-CN" altLang="en-US"/>
+            </a:p>
+          </p:txBody>
+        </p:sp>
+        <p:sp>
+          <p:nvSpPr>
+            <p:cNvPr id="24" name="ColorBlock"/>
+            <p:cNvSpPr/>
+            <p:nvPr>
+              <p:custDataLst>
+                <p:tags r:id="rId15"/>
+              </p:custDataLst>
+            </p:nvPr>
+          </p:nvSpPr>
+          <p:spPr>
+            <a:xfrm>
+              <a:off x="0" y="0"/>
+              <a:ext cx="190500" cy="635000"/>
+            </a:xfrm>
+            <a:prstGeom prst="rect">
+              <a:avLst/>
+            </a:prstGeom>
+            <a:solidFill>
+              <a:srgbClr val="639EF4"/>
+            </a:solidFill>
+            <a:ln w="25400" cap="flat" cmpd="sng" algn="ctr">
+              <a:noFill/>
+              <a:prstDash val="solid"/>
+            </a:ln>
+            <a:effectLst/>
+            <a:extLst>
+              <a:ext uri="{91240B29-F687-4F45-9708-019B960494DF}">
+                <a14:hiddenLine xmlns:a14="http://schemas.microsoft.com/office/drawing/2010/main" w="25400" cap="flat" cmpd="sng" algn="ctr">
+                  <a:solidFill>
+                    <a:schemeClr val="accent1">
+                      <a:shade val="50000"/>
+                    </a:schemeClr>
+                  </a:solidFill>
+                  <a:prstDash val="solid"/>
+                </a14:hiddenLine>
+              </a:ext>
+            </a:extLst>
+          </p:spPr>
+          <p:style>
+            <a:lnRef idx="2">
+              <a:schemeClr val="accent1">
+                <a:shade val="50000"/>
+              </a:schemeClr>
+            </a:lnRef>
+            <a:fillRef idx="1">
+              <a:schemeClr val="accent1"/>
+            </a:fillRef>
+            <a:effectRef idx="0">
+              <a:schemeClr val="accent1"/>
+            </a:effectRef>
+            <a:fontRef idx="minor">
+              <a:schemeClr val="lt1"/>
+            </a:fontRef>
+          </p:style>
+          <p:txBody>
+            <a:bodyPr rtlCol="0" anchor="ctr"/>
+            <a:lstStyle/>
+            <a:p>
+              <a:pPr algn="ctr"/>
+              <a:endParaRPr lang="zh-CN" altLang="en-US"/>
+            </a:p>
+          </p:txBody>
+        </p:sp>
+        <p:sp>
+          <p:nvSpPr>
+            <p:cNvPr id="25" name="TypeText"/>
+            <p:cNvSpPr txBox="1"/>
+            <p:nvPr>
+              <p:custDataLst>
+                <p:tags r:id="rId16"/>
+              </p:custDataLst>
+            </p:nvPr>
+          </p:nvSpPr>
+          <p:spPr>
+            <a:xfrm>
+              <a:off x="254000" y="0"/>
+              <a:ext cx="1905000" cy="635000"/>
+            </a:xfrm>
+            <a:prstGeom prst="rect">
+              <a:avLst/>
+            </a:prstGeom>
+            <a:noFill/>
+          </p:spPr>
+          <p:txBody>
+            <a:bodyPr vert="horz" wrap="none" rtlCol="0" anchor="ctr" anchorCtr="0">
+              <a:noAutofit/>
+            </a:bodyPr>
+            <a:lstStyle/>
+            <a:p>
+              <a:r>
+                <a:rPr lang="zh-CN" altLang="en-US" sz="2600" smtClean="0">
+                  <a:solidFill>
+                    <a:srgbClr val="000000"/>
+                  </a:solidFill>
+                  <a:latin typeface="Microsoft Yahei"/>
+                  <a:ea typeface="Microsoft Yahei"/>
+                  <a:sym typeface="Microsoft Yahei"/>
+                </a:rPr>
+                <a:t>多选题</a:t>
+              </a:r>
+              <a:endParaRPr lang="zh-CN" altLang="en-US" sz="2600">
+                <a:solidFill>
+                  <a:srgbClr val="000000"/>
+                </a:solidFill>
+                <a:latin typeface="Microsoft Yahei"/>
+                <a:ea typeface="Microsoft Yahei"/>
+                <a:sym typeface="Microsoft Yahei"/>
+              </a:endParaRPr>
+            </a:p>
+          </p:txBody>
+        </p:sp>
+        <p:sp>
+          <p:nvSpPr>
+            <p:cNvPr id="22" name="TipText"/>
+            <p:cNvSpPr txBox="1"/>
+            <p:nvPr>
+              <p:custDataLst>
+                <p:tags r:id="rId17"/>
+              </p:custDataLst>
+            </p:nvPr>
+          </p:nvSpPr>
+          <p:spPr>
+            <a:xfrm>
+              <a:off x="1525905" y="109220"/>
+              <a:ext cx="2286000" cy="508000"/>
+            </a:xfrm>
+            <a:prstGeom prst="rect">
+              <a:avLst/>
+            </a:prstGeom>
+            <a:noFill/>
+          </p:spPr>
+          <p:txBody>
+            <a:bodyPr vert="horz" wrap="none" rtlCol="0" anchor="ctr" anchorCtr="0">
+              <a:noAutofit/>
+            </a:bodyPr>
+            <a:lstStyle/>
+            <a:p>
+              <a:r>
+                <a:rPr lang="en-US" altLang="zh-CN" sz="2000" smtClean="0">
+                  <a:solidFill>
+                    <a:srgbClr val="808080"/>
+                  </a:solidFill>
+                  <a:latin typeface="Microsoft Yahei"/>
+                  <a:ea typeface="Microsoft Yahei"/>
+                  <a:sym typeface="Microsoft Yahei"/>
+                </a:rPr>
+                <a:t>1</a:t>
+              </a:r>
+              <a:r>
+                <a:rPr lang="zh-CN" altLang="en-US" sz="2000" smtClean="0">
+                  <a:solidFill>
+                    <a:srgbClr val="808080"/>
+                  </a:solidFill>
+                  <a:latin typeface="Microsoft Yahei"/>
+                  <a:ea typeface="Microsoft Yahei"/>
+                  <a:sym typeface="Microsoft Yahei"/>
+                </a:rPr>
+                <a:t>分</a:t>
+              </a:r>
+              <a:endParaRPr lang="zh-CN" altLang="en-US" sz="2000">
+                <a:solidFill>
+                  <a:srgbClr val="808080"/>
+                </a:solidFill>
+                <a:latin typeface="Microsoft Yahei"/>
+                <a:ea typeface="Microsoft Yahei"/>
+                <a:sym typeface="Microsoft Yahei"/>
+              </a:endParaRPr>
+            </a:p>
+          </p:txBody>
+        </p:sp>
+      </p:grpSp>
+      <p:pic>
+        <p:nvPicPr>
+          <p:cNvPr id="4" name="图片 3"/>
+          <p:cNvPicPr>
+            <a:picLocks/>
+          </p:cNvPicPr>
+          <p:nvPr>
+            <p:custDataLst>
+              <p:tags r:id="rId13"/>
+            </p:custDataLst>
+          </p:nvPr>
+        </p:nvPicPr>
+        <p:blipFill>
+          <a:blip r:embed="rId19">
+            <a:extLst>
+              <a:ext uri="{28A0092B-C50C-407E-A947-70E740481C1C}">
+                <a14:useLocalDpi xmlns:a14="http://schemas.microsoft.com/office/drawing/2010/main" val="0"/>
+              </a:ext>
+            </a:extLst>
+          </a:blip>
+          <a:stretch>
+            <a:fillRect/>
+          </a:stretch>
+        </p:blipFill>
+        <p:spPr>
+          <a:xfrm>
+            <a:off x="7594600" y="63500"/>
+            <a:ext cx="1422400" cy="508000"/>
+          </a:xfrm>
+          <a:prstGeom prst="rect">
+            <a:avLst/>
+          </a:prstGeom>
+        </p:spPr>
+      </p:pic>
+    </p:spTree>
+    <p:custDataLst>
+      <p:tags r:id="rId1"/>
+    </p:custDataLst>
+    <p:extLst>
+      <p:ext uri="{BB962C8B-B14F-4D97-AF65-F5344CB8AC3E}">
+        <p14:creationId xmlns:p14="http://schemas.microsoft.com/office/powerpoint/2010/main" val="769350044"/>
+      </p:ext>
+    </p:extLst>
+  </p:cSld>
+  <p:clrMapOvr>
+    <a:masterClrMapping/>
+  </p:clrMapOvr>
+  <p:timing>
+    <p:tnLst>
+      <p:par>
+        <p:cTn id="1" dur="indefinite" restart="never" nodeType="tmRoot"/>
+      </p:par>
+    </p:tnLst>
+  </p:timing>
+</p:sld>
+</file>
+
+<file path=ppt/slides/slide18.xml><?xml version="1.0" encoding="utf-8"?>
+<p:sld xmlns:a="http://schemas.openxmlformats.org/drawingml/2006/main" xmlns:r="http://schemas.openxmlformats.org/officeDocument/2006/relationships" xmlns:p="http://schemas.openxmlformats.org/presentationml/2006/main">
+  <p:cSld>
+    <p:spTree>
+      <p:nvGrpSpPr>
+        <p:cNvPr id="1" name=""/>
+        <p:cNvGrpSpPr/>
+        <p:nvPr/>
+      </p:nvGrpSpPr>
+      <p:grpSpPr>
+        <a:xfrm>
+          <a:off x="0" y="0"/>
+          <a:ext cx="0" cy="0"/>
+          <a:chOff x="0" y="0"/>
+          <a:chExt cx="0" cy="0"/>
+        </a:xfrm>
+      </p:grpSpPr>
+      <p:sp>
+        <p:nvSpPr>
           <p:cNvPr id="2" name="标题 1"/>
           <p:cNvSpPr>
             <a:spLocks noGrp="1"/>
@@ -5838,10 +6845,17 @@
   <p:clrMapOvr>
     <a:masterClrMapping/>
   </p:clrMapOvr>
+  <p:timing>
+    <p:tnLst>
+      <p:par>
+        <p:cTn id="1" dur="indefinite" restart="never" nodeType="tmRoot"/>
+      </p:par>
+    </p:tnLst>
+  </p:timing>
 </p:sld>
 </file>
 
-<file path=ppt/slides/slide18.xml><?xml version="1.0" encoding="utf-8"?>
+<file path=ppt/slides/slide19.xml><?xml version="1.0" encoding="utf-8"?>
 <p:sld xmlns:a="http://schemas.openxmlformats.org/drawingml/2006/main" xmlns:r="http://schemas.openxmlformats.org/officeDocument/2006/relationships" xmlns:p="http://schemas.openxmlformats.org/presentationml/2006/main">
   <p:cSld>
     <p:spTree>
@@ -5970,133 +6984,13 @@
   <p:clrMapOvr>
     <a:masterClrMapping/>
   </p:clrMapOvr>
-</p:sld>
-</file>
-
-<file path=ppt/slides/slide19.xml><?xml version="1.0" encoding="utf-8"?>
-<p:sld xmlns:a="http://schemas.openxmlformats.org/drawingml/2006/main" xmlns:r="http://schemas.openxmlformats.org/officeDocument/2006/relationships" xmlns:p="http://schemas.openxmlformats.org/presentationml/2006/main">
-  <p:cSld>
-    <p:spTree>
-      <p:nvGrpSpPr>
-        <p:cNvPr id="1" name=""/>
-        <p:cNvGrpSpPr/>
-        <p:nvPr/>
-      </p:nvGrpSpPr>
-      <p:grpSpPr>
-        <a:xfrm>
-          <a:off x="0" y="0"/>
-          <a:ext cx="0" cy="0"/>
-          <a:chOff x="0" y="0"/>
-          <a:chExt cx="0" cy="0"/>
-        </a:xfrm>
-      </p:grpSpPr>
-      <p:sp>
-        <p:nvSpPr>
-          <p:cNvPr id="2" name="标题 1"/>
-          <p:cNvSpPr>
-            <a:spLocks noGrp="1"/>
-          </p:cNvSpPr>
-          <p:nvPr>
-            <p:ph type="title"/>
-          </p:nvPr>
-        </p:nvSpPr>
-        <p:spPr/>
-        <p:txBody>
-          <a:bodyPr/>
-          <a:lstStyle/>
-          <a:p>
-            <a:endParaRPr lang="zh-CN" altLang="en-US"/>
-          </a:p>
-        </p:txBody>
-      </p:sp>
-      <p:sp>
-        <p:nvSpPr>
-          <p:cNvPr id="3" name="内容占位符 2"/>
-          <p:cNvSpPr>
-            <a:spLocks noGrp="1"/>
-          </p:cNvSpPr>
-          <p:nvPr>
-            <p:ph idx="1"/>
-          </p:nvPr>
-        </p:nvSpPr>
-        <p:spPr/>
-        <p:txBody>
-          <a:bodyPr>
-            <a:normAutofit lnSpcReduction="10000"/>
-          </a:bodyPr>
-          <a:lstStyle/>
-          <a:p>
-            <a:r>
-              <a:rPr lang="zh-CN" altLang="zh-CN" dirty="0" smtClean="0"/>
-              <a:t>根据</a:t>
-            </a:r>
-            <a:r>
-              <a:rPr lang="zh-CN" altLang="zh-CN" dirty="0"/>
-              <a:t>包围体的类别，可以分成层次包围球，层次包围盒两大类。作为层次包围盒来说，又可以分成</a:t>
-            </a:r>
-            <a:r>
-              <a:rPr lang="en-US" altLang="zh-CN" dirty="0"/>
-              <a:t>OBB</a:t>
-            </a:r>
-            <a:r>
-              <a:rPr lang="zh-CN" altLang="zh-CN" dirty="0"/>
-              <a:t>层次包围盒，</a:t>
-            </a:r>
-            <a:r>
-              <a:rPr lang="en-US" altLang="zh-CN" dirty="0"/>
-              <a:t>AABB</a:t>
-            </a:r>
-            <a:r>
-              <a:rPr lang="zh-CN" altLang="zh-CN" dirty="0"/>
-              <a:t>层次包围</a:t>
-            </a:r>
-            <a:r>
-              <a:rPr lang="zh-CN" altLang="zh-CN" dirty="0" smtClean="0"/>
-              <a:t>盒</a:t>
-            </a:r>
-            <a:endParaRPr lang="en-US" altLang="zh-CN" dirty="0" smtClean="0"/>
-          </a:p>
-          <a:p>
-            <a:r>
-              <a:rPr lang="zh-CN" altLang="zh-CN" dirty="0" smtClean="0"/>
-              <a:t>父</a:t>
-            </a:r>
-            <a:r>
-              <a:rPr lang="zh-CN" altLang="zh-CN" dirty="0"/>
-              <a:t>节点的包围体总是正好囊括子节点的包围</a:t>
-            </a:r>
-            <a:r>
-              <a:rPr lang="zh-CN" altLang="zh-CN" dirty="0" smtClean="0"/>
-              <a:t>体</a:t>
-            </a:r>
-            <a:endParaRPr lang="zh-CN" altLang="zh-CN" dirty="0"/>
-          </a:p>
-          <a:p>
-            <a:r>
-              <a:rPr lang="zh-CN" altLang="zh-CN" dirty="0"/>
-              <a:t>相关内容将在碰撞检测章节中详细</a:t>
-            </a:r>
-            <a:r>
-              <a:rPr lang="zh-CN" altLang="zh-CN" dirty="0" smtClean="0"/>
-              <a:t>讨论</a:t>
-            </a:r>
-            <a:endParaRPr lang="zh-CN" altLang="zh-CN" dirty="0"/>
-          </a:p>
-          <a:p>
-            <a:endParaRPr lang="zh-CN" altLang="en-US" dirty="0"/>
-          </a:p>
-        </p:txBody>
-      </p:sp>
-    </p:spTree>
-    <p:extLst>
-      <p:ext uri="{BB962C8B-B14F-4D97-AF65-F5344CB8AC3E}">
-        <p14:creationId xmlns:p14="http://schemas.microsoft.com/office/powerpoint/2010/main" val="46061925"/>
-      </p:ext>
-    </p:extLst>
-  </p:cSld>
-  <p:clrMapOvr>
-    <a:masterClrMapping/>
-  </p:clrMapOvr>
+  <p:timing>
+    <p:tnLst>
+      <p:par>
+        <p:cTn id="1" dur="indefinite" restart="never" nodeType="tmRoot"/>
+      </p:par>
+    </p:tnLst>
+  </p:timing>
 </p:sld>
 </file>
 
@@ -6273,6 +7167,13 @@
   <p:clrMapOvr>
     <a:masterClrMapping/>
   </p:clrMapOvr>
+  <p:timing>
+    <p:tnLst>
+      <p:par>
+        <p:cTn id="1" dur="indefinite" restart="never" nodeType="tmRoot"/>
+      </p:par>
+    </p:tnLst>
+  </p:timing>
 </p:sld>
 </file>
 
@@ -6305,6 +7206,866 @@
         </p:nvSpPr>
         <p:spPr/>
         <p:txBody>
+          <a:bodyPr/>
+          <a:lstStyle/>
+          <a:p>
+            <a:endParaRPr lang="zh-CN" altLang="en-US"/>
+          </a:p>
+        </p:txBody>
+      </p:sp>
+      <p:sp>
+        <p:nvSpPr>
+          <p:cNvPr id="3" name="内容占位符 2"/>
+          <p:cNvSpPr>
+            <a:spLocks noGrp="1"/>
+          </p:cNvSpPr>
+          <p:nvPr>
+            <p:ph idx="1"/>
+          </p:nvPr>
+        </p:nvSpPr>
+        <p:spPr/>
+        <p:txBody>
+          <a:bodyPr>
+            <a:normAutofit lnSpcReduction="10000"/>
+          </a:bodyPr>
+          <a:lstStyle/>
+          <a:p>
+            <a:r>
+              <a:rPr lang="zh-CN" altLang="zh-CN" dirty="0" smtClean="0"/>
+              <a:t>根据</a:t>
+            </a:r>
+            <a:r>
+              <a:rPr lang="zh-CN" altLang="zh-CN" dirty="0"/>
+              <a:t>包围体的类别，可以分成层次包围球，层次包围盒两大类。作为层次包围盒来说，又可以分成</a:t>
+            </a:r>
+            <a:r>
+              <a:rPr lang="en-US" altLang="zh-CN" dirty="0"/>
+              <a:t>OBB</a:t>
+            </a:r>
+            <a:r>
+              <a:rPr lang="zh-CN" altLang="zh-CN" dirty="0"/>
+              <a:t>层次包围盒，</a:t>
+            </a:r>
+            <a:r>
+              <a:rPr lang="en-US" altLang="zh-CN" dirty="0"/>
+              <a:t>AABB</a:t>
+            </a:r>
+            <a:r>
+              <a:rPr lang="zh-CN" altLang="zh-CN" dirty="0"/>
+              <a:t>层次包围</a:t>
+            </a:r>
+            <a:r>
+              <a:rPr lang="zh-CN" altLang="zh-CN" dirty="0" smtClean="0"/>
+              <a:t>盒</a:t>
+            </a:r>
+            <a:endParaRPr lang="en-US" altLang="zh-CN" dirty="0" smtClean="0"/>
+          </a:p>
+          <a:p>
+            <a:r>
+              <a:rPr lang="zh-CN" altLang="zh-CN" dirty="0" smtClean="0"/>
+              <a:t>父</a:t>
+            </a:r>
+            <a:r>
+              <a:rPr lang="zh-CN" altLang="zh-CN" dirty="0"/>
+              <a:t>节点的包围体总是正好囊括子节点的包围</a:t>
+            </a:r>
+            <a:r>
+              <a:rPr lang="zh-CN" altLang="zh-CN" dirty="0" smtClean="0"/>
+              <a:t>体</a:t>
+            </a:r>
+            <a:endParaRPr lang="zh-CN" altLang="zh-CN" dirty="0"/>
+          </a:p>
+          <a:p>
+            <a:r>
+              <a:rPr lang="zh-CN" altLang="zh-CN" dirty="0"/>
+              <a:t>相关内容将在碰撞检测章节中详细</a:t>
+            </a:r>
+            <a:r>
+              <a:rPr lang="zh-CN" altLang="zh-CN" dirty="0" smtClean="0"/>
+              <a:t>讨论</a:t>
+            </a:r>
+            <a:endParaRPr lang="zh-CN" altLang="zh-CN" dirty="0"/>
+          </a:p>
+          <a:p>
+            <a:endParaRPr lang="zh-CN" altLang="en-US" dirty="0"/>
+          </a:p>
+        </p:txBody>
+      </p:sp>
+    </p:spTree>
+    <p:extLst>
+      <p:ext uri="{BB962C8B-B14F-4D97-AF65-F5344CB8AC3E}">
+        <p14:creationId xmlns:p14="http://schemas.microsoft.com/office/powerpoint/2010/main" val="46061925"/>
+      </p:ext>
+    </p:extLst>
+  </p:cSld>
+  <p:clrMapOvr>
+    <a:masterClrMapping/>
+  </p:clrMapOvr>
+  <p:timing>
+    <p:tnLst>
+      <p:par>
+        <p:cTn id="1" dur="indefinite" restart="never" nodeType="tmRoot"/>
+      </p:par>
+    </p:tnLst>
+  </p:timing>
+</p:sld>
+</file>
+
+<file path=ppt/slides/slide21.xml><?xml version="1.0" encoding="utf-8"?>
+<p:sld xmlns:a="http://schemas.openxmlformats.org/drawingml/2006/main" xmlns:r="http://schemas.openxmlformats.org/officeDocument/2006/relationships" xmlns:p="http://schemas.openxmlformats.org/presentationml/2006/main">
+  <p:cSld>
+    <p:spTree>
+      <p:nvGrpSpPr>
+        <p:cNvPr id="1" name=""/>
+        <p:cNvGrpSpPr/>
+        <p:nvPr/>
+      </p:nvGrpSpPr>
+      <p:grpSpPr>
+        <a:xfrm>
+          <a:off x="0" y="0"/>
+          <a:ext cx="0" cy="0"/>
+          <a:chOff x="0" y="0"/>
+          <a:chExt cx="0" cy="0"/>
+        </a:xfrm>
+      </p:grpSpPr>
+      <p:sp>
+        <p:nvSpPr>
+          <p:cNvPr id="5" name="TextBox 4"/>
+          <p:cNvSpPr txBox="1"/>
+          <p:nvPr>
+            <p:custDataLst>
+              <p:tags r:id="rId2"/>
+            </p:custDataLst>
+          </p:nvPr>
+        </p:nvSpPr>
+        <p:spPr>
+          <a:xfrm>
+            <a:off x="914400" y="635000"/>
+            <a:ext cx="7315200" cy="1607344"/>
+          </a:xfrm>
+          <a:prstGeom prst="rect">
+            <a:avLst/>
+          </a:prstGeom>
+          <a:noFill/>
+        </p:spPr>
+        <p:txBody>
+          <a:bodyPr vert="horz" wrap="square" rtlCol="0" anchor="ctr" anchorCtr="0">
+            <a:noAutofit/>
+          </a:bodyPr>
+          <a:lstStyle/>
+          <a:p>
+            <a:r>
+              <a:rPr lang="zh-CN" altLang="en-US" sz="2600" dirty="0" smtClean="0">
+                <a:solidFill>
+                  <a:srgbClr val="000000"/>
+                </a:solidFill>
+                <a:latin typeface="Microsoft Yahei"/>
+                <a:ea typeface="Microsoft Yahei"/>
+                <a:sym typeface="Microsoft Yahei"/>
+              </a:rPr>
+              <a:t>包围体类型</a:t>
+            </a:r>
+            <a:endParaRPr lang="zh-CN" altLang="en-US" sz="2600" dirty="0">
+              <a:solidFill>
+                <a:srgbClr val="000000"/>
+              </a:solidFill>
+              <a:latin typeface="Microsoft Yahei"/>
+              <a:ea typeface="Microsoft Yahei"/>
+              <a:sym typeface="Microsoft Yahei"/>
+            </a:endParaRPr>
+          </a:p>
+        </p:txBody>
+      </p:sp>
+      <p:sp>
+        <p:nvSpPr>
+          <p:cNvPr id="6" name="TextBox 5"/>
+          <p:cNvSpPr txBox="1"/>
+          <p:nvPr>
+            <p:custDataLst>
+              <p:tags r:id="rId3"/>
+            </p:custDataLst>
+          </p:nvPr>
+        </p:nvSpPr>
+        <p:spPr>
+          <a:xfrm>
+            <a:off x="1828800" y="2089547"/>
+            <a:ext cx="6400800" cy="482203"/>
+          </a:xfrm>
+          <a:prstGeom prst="rect">
+            <a:avLst/>
+          </a:prstGeom>
+          <a:noFill/>
+        </p:spPr>
+        <p:txBody>
+          <a:bodyPr vert="horz" rtlCol="0" anchor="ctr" anchorCtr="0">
+            <a:noAutofit/>
+          </a:bodyPr>
+          <a:lstStyle/>
+          <a:p>
+            <a:r>
+              <a:rPr lang="zh-CN" altLang="en-US" sz="2600" dirty="0" smtClean="0">
+                <a:solidFill>
+                  <a:srgbClr val="000000"/>
+                </a:solidFill>
+                <a:latin typeface="Microsoft Yahei"/>
+                <a:ea typeface="Microsoft Yahei"/>
+                <a:sym typeface="Microsoft Yahei"/>
+              </a:rPr>
+              <a:t>包围球</a:t>
+            </a:r>
+            <a:endParaRPr lang="zh-CN" altLang="en-US" sz="2600" dirty="0">
+              <a:solidFill>
+                <a:srgbClr val="000000"/>
+              </a:solidFill>
+              <a:latin typeface="Microsoft Yahei"/>
+              <a:ea typeface="Microsoft Yahei"/>
+              <a:sym typeface="Microsoft Yahei"/>
+            </a:endParaRPr>
+          </a:p>
+        </p:txBody>
+      </p:sp>
+      <p:sp>
+        <p:nvSpPr>
+          <p:cNvPr id="7" name="TextBox 6"/>
+          <p:cNvSpPr txBox="1"/>
+          <p:nvPr>
+            <p:custDataLst>
+              <p:tags r:id="rId4"/>
+            </p:custDataLst>
+          </p:nvPr>
+        </p:nvSpPr>
+        <p:spPr>
+          <a:xfrm>
+            <a:off x="1828800" y="2732484"/>
+            <a:ext cx="6400800" cy="482203"/>
+          </a:xfrm>
+          <a:prstGeom prst="rect">
+            <a:avLst/>
+          </a:prstGeom>
+          <a:noFill/>
+        </p:spPr>
+        <p:txBody>
+          <a:bodyPr vert="horz" rtlCol="0" anchor="ctr" anchorCtr="0">
+            <a:noAutofit/>
+          </a:bodyPr>
+          <a:lstStyle/>
+          <a:p>
+            <a:r>
+              <a:rPr lang="zh-CN" altLang="en-US" sz="2600" dirty="0" smtClean="0">
+                <a:solidFill>
+                  <a:srgbClr val="000000"/>
+                </a:solidFill>
+                <a:latin typeface="Microsoft Yahei"/>
+                <a:ea typeface="Microsoft Yahei"/>
+                <a:sym typeface="Microsoft Yahei"/>
+              </a:rPr>
+              <a:t>包围盒</a:t>
+            </a:r>
+            <a:endParaRPr lang="zh-CN" altLang="en-US" sz="2600" dirty="0">
+              <a:solidFill>
+                <a:srgbClr val="000000"/>
+              </a:solidFill>
+              <a:latin typeface="Microsoft Yahei"/>
+              <a:ea typeface="Microsoft Yahei"/>
+              <a:sym typeface="Microsoft Yahei"/>
+            </a:endParaRPr>
+          </a:p>
+        </p:txBody>
+      </p:sp>
+      <p:sp>
+        <p:nvSpPr>
+          <p:cNvPr id="8" name="TextBox 7"/>
+          <p:cNvSpPr txBox="1"/>
+          <p:nvPr>
+            <p:custDataLst>
+              <p:tags r:id="rId5"/>
+            </p:custDataLst>
+          </p:nvPr>
+        </p:nvSpPr>
+        <p:spPr>
+          <a:xfrm>
+            <a:off x="1828800" y="3375422"/>
+            <a:ext cx="6400800" cy="482203"/>
+          </a:xfrm>
+          <a:prstGeom prst="rect">
+            <a:avLst/>
+          </a:prstGeom>
+          <a:noFill/>
+        </p:spPr>
+        <p:txBody>
+          <a:bodyPr vert="horz" rtlCol="0" anchor="ctr" anchorCtr="0">
+            <a:noAutofit/>
+          </a:bodyPr>
+          <a:lstStyle/>
+          <a:p>
+            <a:endParaRPr lang="zh-CN" altLang="en-US" sz="2600" dirty="0">
+              <a:solidFill>
+                <a:srgbClr val="000000"/>
+              </a:solidFill>
+              <a:latin typeface="Microsoft Yahei"/>
+              <a:ea typeface="Microsoft Yahei"/>
+              <a:sym typeface="Microsoft Yahei"/>
+            </a:endParaRPr>
+          </a:p>
+        </p:txBody>
+      </p:sp>
+      <p:sp>
+        <p:nvSpPr>
+          <p:cNvPr id="10" name="矩形 9"/>
+          <p:cNvSpPr>
+            <a:spLocks noChangeAspect="1"/>
+          </p:cNvSpPr>
+          <p:nvPr>
+            <p:custDataLst>
+              <p:tags r:id="rId6"/>
+            </p:custDataLst>
+          </p:nvPr>
+        </p:nvSpPr>
+        <p:spPr>
+          <a:xfrm>
+            <a:off x="1178719" y="2137767"/>
+            <a:ext cx="385762" cy="385763"/>
+          </a:xfrm>
+          <a:prstGeom prst="rect">
+            <a:avLst/>
+          </a:prstGeom>
+          <a:solidFill>
+            <a:srgbClr val="00FF00"/>
+          </a:solidFill>
+          <a:ln w="25400" cmpd="sng">
+            <a:solidFill>
+              <a:srgbClr val="000000"/>
+            </a:solidFill>
+            <a:prstDash val="solid"/>
+          </a:ln>
+        </p:spPr>
+        <p:style>
+          <a:lnRef idx="2">
+            <a:schemeClr val="accent1">
+              <a:shade val="50000"/>
+            </a:schemeClr>
+          </a:lnRef>
+          <a:fillRef idx="1">
+            <a:schemeClr val="accent1"/>
+          </a:fillRef>
+          <a:effectRef idx="0">
+            <a:schemeClr val="accent1"/>
+          </a:effectRef>
+          <a:fontRef idx="minor">
+            <a:schemeClr val="lt1"/>
+          </a:fontRef>
+        </p:style>
+        <p:txBody>
+          <a:bodyPr rtlCol="0" anchor="ctr" anchorCtr="1"/>
+          <a:lstStyle/>
+          <a:p>
+            <a:pPr algn="ctr"/>
+            <a:r>
+              <a:rPr lang="en-US" altLang="zh-CN" sz="1600" smtClean="0">
+                <a:solidFill>
+                  <a:srgbClr val="FFFFFF"/>
+                </a:solidFill>
+                <a:latin typeface="Microsoft Yahei"/>
+                <a:ea typeface="Microsoft Yahei"/>
+                <a:sym typeface="Microsoft Yahei"/>
+              </a:rPr>
+              <a:t>A</a:t>
+            </a:r>
+            <a:endParaRPr lang="zh-CN" altLang="en-US" sz="1600">
+              <a:solidFill>
+                <a:srgbClr val="FFFFFF"/>
+              </a:solidFill>
+              <a:latin typeface="Microsoft Yahei"/>
+              <a:ea typeface="Microsoft Yahei"/>
+              <a:sym typeface="Microsoft Yahei"/>
+            </a:endParaRPr>
+          </a:p>
+        </p:txBody>
+      </p:sp>
+      <p:sp>
+        <p:nvSpPr>
+          <p:cNvPr id="11" name="矩形 10"/>
+          <p:cNvSpPr>
+            <a:spLocks noChangeAspect="1"/>
+          </p:cNvSpPr>
+          <p:nvPr>
+            <p:custDataLst>
+              <p:tags r:id="rId7"/>
+            </p:custDataLst>
+          </p:nvPr>
+        </p:nvSpPr>
+        <p:spPr>
+          <a:xfrm>
+            <a:off x="1178719" y="2780705"/>
+            <a:ext cx="385762" cy="385762"/>
+          </a:xfrm>
+          <a:prstGeom prst="rect">
+            <a:avLst/>
+          </a:prstGeom>
+          <a:solidFill>
+            <a:srgbClr val="00FF00"/>
+          </a:solidFill>
+          <a:ln w="25400" cmpd="sng">
+            <a:solidFill>
+              <a:srgbClr val="000000"/>
+            </a:solidFill>
+            <a:prstDash val="solid"/>
+          </a:ln>
+        </p:spPr>
+        <p:style>
+          <a:lnRef idx="2">
+            <a:schemeClr val="accent1">
+              <a:shade val="50000"/>
+            </a:schemeClr>
+          </a:lnRef>
+          <a:fillRef idx="1">
+            <a:schemeClr val="accent1"/>
+          </a:fillRef>
+          <a:effectRef idx="0">
+            <a:schemeClr val="accent1"/>
+          </a:effectRef>
+          <a:fontRef idx="minor">
+            <a:schemeClr val="lt1"/>
+          </a:fontRef>
+        </p:style>
+        <p:txBody>
+          <a:bodyPr rtlCol="0" anchor="ctr" anchorCtr="1"/>
+          <a:lstStyle/>
+          <a:p>
+            <a:pPr algn="ctr"/>
+            <a:r>
+              <a:rPr lang="en-US" altLang="zh-CN" sz="1600" smtClean="0">
+                <a:solidFill>
+                  <a:srgbClr val="FFFFFF"/>
+                </a:solidFill>
+                <a:latin typeface="Microsoft Yahei"/>
+                <a:ea typeface="Microsoft Yahei"/>
+                <a:sym typeface="Microsoft Yahei"/>
+              </a:rPr>
+              <a:t>B</a:t>
+            </a:r>
+            <a:endParaRPr lang="zh-CN" altLang="en-US" sz="1600">
+              <a:solidFill>
+                <a:srgbClr val="FFFFFF"/>
+              </a:solidFill>
+              <a:latin typeface="Microsoft Yahei"/>
+              <a:ea typeface="Microsoft Yahei"/>
+              <a:sym typeface="Microsoft Yahei"/>
+            </a:endParaRPr>
+          </a:p>
+        </p:txBody>
+      </p:sp>
+      <p:sp>
+        <p:nvSpPr>
+          <p:cNvPr id="14" name="圆角矩形 13"/>
+          <p:cNvSpPr/>
+          <p:nvPr>
+            <p:custDataLst>
+              <p:tags r:id="rId8"/>
+            </p:custDataLst>
+          </p:nvPr>
+        </p:nvSpPr>
+        <p:spPr>
+          <a:xfrm>
+            <a:off x="6686550" y="4661297"/>
+            <a:ext cx="1157288" cy="308610"/>
+          </a:xfrm>
+          <a:prstGeom prst="roundRect">
+            <a:avLst/>
+          </a:prstGeom>
+          <a:solidFill>
+            <a:srgbClr val="808080"/>
+          </a:solidFill>
+          <a:ln w="38100" cmpd="sng">
+            <a:solidFill>
+              <a:srgbClr val="000000"/>
+            </a:solidFill>
+            <a:prstDash val="solid"/>
+          </a:ln>
+        </p:spPr>
+        <p:style>
+          <a:lnRef idx="2">
+            <a:schemeClr val="accent1">
+              <a:shade val="50000"/>
+            </a:schemeClr>
+          </a:lnRef>
+          <a:fillRef idx="1">
+            <a:schemeClr val="accent1"/>
+          </a:fillRef>
+          <a:effectRef idx="0">
+            <a:schemeClr val="accent1"/>
+          </a:effectRef>
+          <a:fontRef idx="minor">
+            <a:schemeClr val="lt1"/>
+          </a:fontRef>
+        </p:style>
+        <p:txBody>
+          <a:bodyPr rtlCol="0" anchor="ctr" anchorCtr="1"/>
+          <a:lstStyle/>
+          <a:p>
+            <a:pPr algn="ctr"/>
+            <a:r>
+              <a:rPr lang="zh-CN" altLang="en-US" sz="1600" smtClean="0">
+                <a:solidFill>
+                  <a:srgbClr val="FFFFFF"/>
+                </a:solidFill>
+                <a:latin typeface="Microsoft Yahei"/>
+                <a:ea typeface="Microsoft Yahei"/>
+                <a:sym typeface="Microsoft Yahei"/>
+              </a:rPr>
+              <a:t>提交</a:t>
+            </a:r>
+            <a:endParaRPr lang="zh-CN" altLang="en-US" sz="1600">
+              <a:solidFill>
+                <a:srgbClr val="FFFFFF"/>
+              </a:solidFill>
+              <a:latin typeface="Microsoft Yahei"/>
+              <a:ea typeface="Microsoft Yahei"/>
+              <a:sym typeface="Microsoft Yahei"/>
+            </a:endParaRPr>
+          </a:p>
+        </p:txBody>
+      </p:sp>
+      <p:grpSp>
+        <p:nvGrpSpPr>
+          <p:cNvPr id="19" name="组合 18"/>
+          <p:cNvGrpSpPr/>
+          <p:nvPr>
+            <p:custDataLst>
+              <p:tags r:id="rId9"/>
+            </p:custDataLst>
+          </p:nvPr>
+        </p:nvGrpSpPr>
+        <p:grpSpPr>
+          <a:xfrm>
+            <a:off x="0" y="0"/>
+            <a:ext cx="9144000" cy="635000"/>
+            <a:chOff x="0" y="0"/>
+            <a:chExt cx="9144000" cy="635000"/>
+          </a:xfrm>
+        </p:grpSpPr>
+        <p:sp>
+          <p:nvSpPr>
+            <p:cNvPr id="15" name="TitleBackground"/>
+            <p:cNvSpPr/>
+            <p:nvPr>
+              <p:custDataLst>
+                <p:tags r:id="rId11"/>
+              </p:custDataLst>
+            </p:nvPr>
+          </p:nvSpPr>
+          <p:spPr>
+            <a:xfrm>
+              <a:off x="0" y="0"/>
+              <a:ext cx="9144000" cy="635000"/>
+            </a:xfrm>
+            <a:prstGeom prst="rect">
+              <a:avLst/>
+            </a:prstGeom>
+            <a:solidFill>
+              <a:srgbClr val="F6F7F8"/>
+            </a:solidFill>
+            <a:ln w="25400" cap="flat" cmpd="sng" algn="ctr">
+              <a:noFill/>
+              <a:prstDash val="solid"/>
+            </a:ln>
+            <a:effectLst/>
+            <a:extLst>
+              <a:ext uri="{91240B29-F687-4F45-9708-019B960494DF}">
+                <a14:hiddenLine xmlns:a14="http://schemas.microsoft.com/office/drawing/2010/main" w="25400" cap="flat" cmpd="sng" algn="ctr">
+                  <a:solidFill>
+                    <a:schemeClr val="accent1">
+                      <a:shade val="50000"/>
+                    </a:schemeClr>
+                  </a:solidFill>
+                  <a:prstDash val="solid"/>
+                </a14:hiddenLine>
+              </a:ext>
+            </a:extLst>
+          </p:spPr>
+          <p:style>
+            <a:lnRef idx="2">
+              <a:schemeClr val="accent1">
+                <a:shade val="50000"/>
+              </a:schemeClr>
+            </a:lnRef>
+            <a:fillRef idx="1">
+              <a:schemeClr val="accent1"/>
+            </a:fillRef>
+            <a:effectRef idx="0">
+              <a:schemeClr val="accent1"/>
+            </a:effectRef>
+            <a:fontRef idx="minor">
+              <a:schemeClr val="lt1"/>
+            </a:fontRef>
+          </p:style>
+          <p:txBody>
+            <a:bodyPr rtlCol="0" anchor="ctr"/>
+            <a:lstStyle/>
+            <a:p>
+              <a:pPr algn="ctr"/>
+              <a:endParaRPr lang="zh-CN" altLang="en-US"/>
+            </a:p>
+          </p:txBody>
+        </p:sp>
+        <p:sp>
+          <p:nvSpPr>
+            <p:cNvPr id="16" name="ColorBlock"/>
+            <p:cNvSpPr/>
+            <p:nvPr>
+              <p:custDataLst>
+                <p:tags r:id="rId12"/>
+              </p:custDataLst>
+            </p:nvPr>
+          </p:nvSpPr>
+          <p:spPr>
+            <a:xfrm>
+              <a:off x="0" y="0"/>
+              <a:ext cx="190500" cy="635000"/>
+            </a:xfrm>
+            <a:prstGeom prst="rect">
+              <a:avLst/>
+            </a:prstGeom>
+            <a:solidFill>
+              <a:srgbClr val="639EF4"/>
+            </a:solidFill>
+            <a:ln w="25400" cap="flat" cmpd="sng" algn="ctr">
+              <a:noFill/>
+              <a:prstDash val="solid"/>
+            </a:ln>
+            <a:effectLst/>
+            <a:extLst>
+              <a:ext uri="{91240B29-F687-4F45-9708-019B960494DF}">
+                <a14:hiddenLine xmlns:a14="http://schemas.microsoft.com/office/drawing/2010/main" w="25400" cap="flat" cmpd="sng" algn="ctr">
+                  <a:solidFill>
+                    <a:schemeClr val="accent1">
+                      <a:shade val="50000"/>
+                    </a:schemeClr>
+                  </a:solidFill>
+                  <a:prstDash val="solid"/>
+                </a14:hiddenLine>
+              </a:ext>
+            </a:extLst>
+          </p:spPr>
+          <p:style>
+            <a:lnRef idx="2">
+              <a:schemeClr val="accent1">
+                <a:shade val="50000"/>
+              </a:schemeClr>
+            </a:lnRef>
+            <a:fillRef idx="1">
+              <a:schemeClr val="accent1"/>
+            </a:fillRef>
+            <a:effectRef idx="0">
+              <a:schemeClr val="accent1"/>
+            </a:effectRef>
+            <a:fontRef idx="minor">
+              <a:schemeClr val="lt1"/>
+            </a:fontRef>
+          </p:style>
+          <p:txBody>
+            <a:bodyPr rtlCol="0" anchor="ctr"/>
+            <a:lstStyle/>
+            <a:p>
+              <a:pPr algn="ctr"/>
+              <a:endParaRPr lang="zh-CN" altLang="en-US"/>
+            </a:p>
+          </p:txBody>
+        </p:sp>
+        <p:sp>
+          <p:nvSpPr>
+            <p:cNvPr id="17" name="TypeText"/>
+            <p:cNvSpPr txBox="1"/>
+            <p:nvPr>
+              <p:custDataLst>
+                <p:tags r:id="rId13"/>
+              </p:custDataLst>
+            </p:nvPr>
+          </p:nvSpPr>
+          <p:spPr>
+            <a:xfrm>
+              <a:off x="254000" y="0"/>
+              <a:ext cx="1905000" cy="635000"/>
+            </a:xfrm>
+            <a:prstGeom prst="rect">
+              <a:avLst/>
+            </a:prstGeom>
+            <a:noFill/>
+          </p:spPr>
+          <p:txBody>
+            <a:bodyPr vert="horz" wrap="none" rtlCol="0" anchor="ctr" anchorCtr="0">
+              <a:noAutofit/>
+            </a:bodyPr>
+            <a:lstStyle/>
+            <a:p>
+              <a:r>
+                <a:rPr lang="zh-CN" altLang="en-US" sz="2600" smtClean="0">
+                  <a:solidFill>
+                    <a:srgbClr val="000000"/>
+                  </a:solidFill>
+                  <a:latin typeface="Microsoft Yahei"/>
+                  <a:ea typeface="Microsoft Yahei"/>
+                  <a:sym typeface="Microsoft Yahei"/>
+                </a:rPr>
+                <a:t>多选题</a:t>
+              </a:r>
+              <a:endParaRPr lang="zh-CN" altLang="en-US" sz="2600">
+                <a:solidFill>
+                  <a:srgbClr val="000000"/>
+                </a:solidFill>
+                <a:latin typeface="Microsoft Yahei"/>
+                <a:ea typeface="Microsoft Yahei"/>
+                <a:sym typeface="Microsoft Yahei"/>
+              </a:endParaRPr>
+            </a:p>
+          </p:txBody>
+        </p:sp>
+        <p:sp>
+          <p:nvSpPr>
+            <p:cNvPr id="18" name="TipText"/>
+            <p:cNvSpPr txBox="1"/>
+            <p:nvPr>
+              <p:custDataLst>
+                <p:tags r:id="rId14"/>
+              </p:custDataLst>
+            </p:nvPr>
+          </p:nvSpPr>
+          <p:spPr>
+            <a:xfrm>
+              <a:off x="1525905" y="109220"/>
+              <a:ext cx="2286000" cy="508000"/>
+            </a:xfrm>
+            <a:prstGeom prst="rect">
+              <a:avLst/>
+            </a:prstGeom>
+            <a:noFill/>
+          </p:spPr>
+          <p:txBody>
+            <a:bodyPr vert="horz" wrap="none" rtlCol="0" anchor="ctr" anchorCtr="0">
+              <a:noAutofit/>
+            </a:bodyPr>
+            <a:lstStyle/>
+            <a:p>
+              <a:r>
+                <a:rPr lang="en-US" altLang="zh-CN" sz="2000" smtClean="0">
+                  <a:solidFill>
+                    <a:srgbClr val="808080"/>
+                  </a:solidFill>
+                  <a:latin typeface="Microsoft Yahei"/>
+                  <a:ea typeface="Microsoft Yahei"/>
+                  <a:sym typeface="Microsoft Yahei"/>
+                </a:rPr>
+                <a:t>1</a:t>
+              </a:r>
+              <a:r>
+                <a:rPr lang="zh-CN" altLang="en-US" sz="2000" smtClean="0">
+                  <a:solidFill>
+                    <a:srgbClr val="808080"/>
+                  </a:solidFill>
+                  <a:latin typeface="Microsoft Yahei"/>
+                  <a:ea typeface="Microsoft Yahei"/>
+                  <a:sym typeface="Microsoft Yahei"/>
+                </a:rPr>
+                <a:t>分</a:t>
+              </a:r>
+              <a:endParaRPr lang="zh-CN" altLang="en-US" sz="2000">
+                <a:solidFill>
+                  <a:srgbClr val="808080"/>
+                </a:solidFill>
+                <a:latin typeface="Microsoft Yahei"/>
+                <a:ea typeface="Microsoft Yahei"/>
+                <a:sym typeface="Microsoft Yahei"/>
+              </a:endParaRPr>
+            </a:p>
+          </p:txBody>
+        </p:sp>
+      </p:grpSp>
+      <p:pic>
+        <p:nvPicPr>
+          <p:cNvPr id="4" name="图片 3"/>
+          <p:cNvPicPr>
+            <a:picLocks/>
+          </p:cNvPicPr>
+          <p:nvPr>
+            <p:custDataLst>
+              <p:tags r:id="rId10"/>
+            </p:custDataLst>
+          </p:nvPr>
+        </p:nvPicPr>
+        <p:blipFill>
+          <a:blip r:embed="rId16">
+            <a:extLst>
+              <a:ext uri="{28A0092B-C50C-407E-A947-70E740481C1C}">
+                <a14:useLocalDpi xmlns:a14="http://schemas.microsoft.com/office/drawing/2010/main" val="0"/>
+              </a:ext>
+            </a:extLst>
+          </a:blip>
+          <a:stretch>
+            <a:fillRect/>
+          </a:stretch>
+        </p:blipFill>
+        <p:spPr>
+          <a:xfrm>
+            <a:off x="7594600" y="63500"/>
+            <a:ext cx="1422400" cy="508000"/>
+          </a:xfrm>
+          <a:prstGeom prst="rect">
+            <a:avLst/>
+          </a:prstGeom>
+        </p:spPr>
+      </p:pic>
+    </p:spTree>
+    <p:custDataLst>
+      <p:tags r:id="rId1"/>
+    </p:custDataLst>
+    <p:extLst>
+      <p:ext uri="{BB962C8B-B14F-4D97-AF65-F5344CB8AC3E}">
+        <p14:creationId xmlns:p14="http://schemas.microsoft.com/office/powerpoint/2010/main" val="3291786997"/>
+      </p:ext>
+    </p:extLst>
+  </p:cSld>
+  <p:clrMapOvr>
+    <a:masterClrMapping/>
+  </p:clrMapOvr>
+  <p:timing>
+    <p:tnLst>
+      <p:par>
+        <p:cTn id="1" dur="indefinite" restart="never" nodeType="tmRoot"/>
+      </p:par>
+    </p:tnLst>
+  </p:timing>
+</p:sld>
+</file>
+
+<file path=ppt/slides/slide22.xml><?xml version="1.0" encoding="utf-8"?>
+<p:sld xmlns:a="http://schemas.openxmlformats.org/drawingml/2006/main" xmlns:r="http://schemas.openxmlformats.org/officeDocument/2006/relationships" xmlns:p="http://schemas.openxmlformats.org/presentationml/2006/main">
+  <p:cSld>
+    <p:spTree>
+      <p:nvGrpSpPr>
+        <p:cNvPr id="1" name=""/>
+        <p:cNvGrpSpPr/>
+        <p:nvPr/>
+      </p:nvGrpSpPr>
+      <p:grpSpPr>
+        <a:xfrm>
+          <a:off x="0" y="0"/>
+          <a:ext cx="0" cy="0"/>
+          <a:chOff x="0" y="0"/>
+          <a:chExt cx="0" cy="0"/>
+        </a:xfrm>
+      </p:grpSpPr>
+      <p:sp>
+        <p:nvSpPr>
+          <p:cNvPr id="2" name="标题 1"/>
+          <p:cNvSpPr>
+            <a:spLocks noGrp="1"/>
+          </p:cNvSpPr>
+          <p:nvPr>
+            <p:ph type="title"/>
+          </p:nvPr>
+        </p:nvSpPr>
+        <p:spPr/>
+        <p:txBody>
           <a:bodyPr>
             <a:normAutofit/>
           </a:bodyPr>
@@ -6380,10 +8141,17 @@
   <p:clrMapOvr>
     <a:masterClrMapping/>
   </p:clrMapOvr>
+  <p:timing>
+    <p:tnLst>
+      <p:par>
+        <p:cTn id="1" dur="indefinite" restart="never" nodeType="tmRoot"/>
+      </p:par>
+    </p:tnLst>
+  </p:timing>
 </p:sld>
 </file>
 
-<file path=ppt/slides/slide21.xml><?xml version="1.0" encoding="utf-8"?>
+<file path=ppt/slides/slide23.xml><?xml version="1.0" encoding="utf-8"?>
 <p:sld xmlns:a="http://schemas.openxmlformats.org/drawingml/2006/main" xmlns:r="http://schemas.openxmlformats.org/officeDocument/2006/relationships" xmlns:p="http://schemas.openxmlformats.org/presentationml/2006/main">
   <p:cSld>
     <p:spTree>
@@ -6478,10 +8246,17 @@
   <p:clrMapOvr>
     <a:masterClrMapping/>
   </p:clrMapOvr>
+  <p:timing>
+    <p:tnLst>
+      <p:par>
+        <p:cTn id="1" dur="indefinite" restart="never" nodeType="tmRoot"/>
+      </p:par>
+    </p:tnLst>
+  </p:timing>
 </p:sld>
 </file>
 
-<file path=ppt/slides/slide22.xml><?xml version="1.0" encoding="utf-8"?>
+<file path=ppt/slides/slide24.xml><?xml version="1.0" encoding="utf-8"?>
 <p:sld xmlns:a="http://schemas.openxmlformats.org/drawingml/2006/main" xmlns:r="http://schemas.openxmlformats.org/officeDocument/2006/relationships" xmlns:p="http://schemas.openxmlformats.org/presentationml/2006/main">
   <p:cSld>
     <p:spTree>
@@ -6584,10 +8359,17 @@
   <p:clrMapOvr>
     <a:masterClrMapping/>
   </p:clrMapOvr>
+  <p:timing>
+    <p:tnLst>
+      <p:par>
+        <p:cTn id="1" dur="indefinite" restart="never" nodeType="tmRoot"/>
+      </p:par>
+    </p:tnLst>
+  </p:timing>
 </p:sld>
 </file>
 
-<file path=ppt/slides/slide23.xml><?xml version="1.0" encoding="utf-8"?>
+<file path=ppt/slides/slide25.xml><?xml version="1.0" encoding="utf-8"?>
 <p:sld xmlns:a="http://schemas.openxmlformats.org/drawingml/2006/main" xmlns:r="http://schemas.openxmlformats.org/officeDocument/2006/relationships" xmlns:p="http://schemas.openxmlformats.org/presentationml/2006/main">
   <p:cSld>
     <p:spTree>
@@ -6716,10 +8498,17 @@
   <p:clrMapOvr>
     <a:masterClrMapping/>
   </p:clrMapOvr>
+  <p:timing>
+    <p:tnLst>
+      <p:par>
+        <p:cTn id="1" dur="indefinite" restart="never" nodeType="tmRoot"/>
+      </p:par>
+    </p:tnLst>
+  </p:timing>
 </p:sld>
 </file>
 
-<file path=ppt/slides/slide24.xml><?xml version="1.0" encoding="utf-8"?>
+<file path=ppt/slides/slide26.xml><?xml version="1.0" encoding="utf-8"?>
 <p:sld xmlns:a="http://schemas.openxmlformats.org/drawingml/2006/main" xmlns:r="http://schemas.openxmlformats.org/officeDocument/2006/relationships" xmlns:p="http://schemas.openxmlformats.org/presentationml/2006/main">
   <p:cSld>
     <p:spTree>
@@ -6856,10 +8645,17 @@
   <p:clrMapOvr>
     <a:masterClrMapping/>
   </p:clrMapOvr>
+  <p:timing>
+    <p:tnLst>
+      <p:par>
+        <p:cTn id="1" dur="indefinite" restart="never" nodeType="tmRoot"/>
+      </p:par>
+    </p:tnLst>
+  </p:timing>
 </p:sld>
 </file>
 
-<file path=ppt/slides/slide25.xml><?xml version="1.0" encoding="utf-8"?>
+<file path=ppt/slides/slide27.xml><?xml version="1.0" encoding="utf-8"?>
 <p:sld xmlns:a="http://schemas.openxmlformats.org/drawingml/2006/main" xmlns:r="http://schemas.openxmlformats.org/officeDocument/2006/relationships" xmlns:p="http://schemas.openxmlformats.org/presentationml/2006/main">
   <p:cSld>
     <p:spTree>
@@ -6986,10 +8782,17 @@
   <p:clrMapOvr>
     <a:masterClrMapping/>
   </p:clrMapOvr>
+  <p:timing>
+    <p:tnLst>
+      <p:par>
+        <p:cTn id="1" dur="indefinite" restart="never" nodeType="tmRoot"/>
+      </p:par>
+    </p:tnLst>
+  </p:timing>
 </p:sld>
 </file>
 
-<file path=ppt/slides/slide26.xml><?xml version="1.0" encoding="utf-8"?>
+<file path=ppt/slides/slide28.xml><?xml version="1.0" encoding="utf-8"?>
 <p:sld xmlns:a="http://schemas.openxmlformats.org/drawingml/2006/main" xmlns:r="http://schemas.openxmlformats.org/officeDocument/2006/relationships" xmlns:p="http://schemas.openxmlformats.org/presentationml/2006/main">
   <p:cSld>
     <p:spTree>
@@ -7141,10 +8944,17 @@
   <p:clrMapOvr>
     <a:masterClrMapping/>
   </p:clrMapOvr>
+  <p:timing>
+    <p:tnLst>
+      <p:par>
+        <p:cTn id="1" dur="indefinite" restart="never" nodeType="tmRoot"/>
+      </p:par>
+    </p:tnLst>
+  </p:timing>
 </p:sld>
 </file>
 
-<file path=ppt/slides/slide27.xml><?xml version="1.0" encoding="utf-8"?>
+<file path=ppt/slides/slide29.xml><?xml version="1.0" encoding="utf-8"?>
 <p:sld xmlns:a="http://schemas.openxmlformats.org/drawingml/2006/main" xmlns:r="http://schemas.openxmlformats.org/officeDocument/2006/relationships" xmlns:p="http://schemas.openxmlformats.org/presentationml/2006/main">
   <p:cSld>
     <p:spTree>
@@ -7304,10 +9114,168 @@
   <p:clrMapOvr>
     <a:masterClrMapping/>
   </p:clrMapOvr>
+  <p:timing>
+    <p:tnLst>
+      <p:par>
+        <p:cTn id="1" dur="indefinite" restart="never" nodeType="tmRoot"/>
+      </p:par>
+    </p:tnLst>
+  </p:timing>
 </p:sld>
 </file>
 
-<file path=ppt/slides/slide28.xml><?xml version="1.0" encoding="utf-8"?>
+<file path=ppt/slides/slide3.xml><?xml version="1.0" encoding="utf-8"?>
+<p:sld xmlns:a="http://schemas.openxmlformats.org/drawingml/2006/main" xmlns:r="http://schemas.openxmlformats.org/officeDocument/2006/relationships" xmlns:p="http://schemas.openxmlformats.org/presentationml/2006/main">
+  <p:cSld>
+    <p:spTree>
+      <p:nvGrpSpPr>
+        <p:cNvPr id="1" name=""/>
+        <p:cNvGrpSpPr/>
+        <p:nvPr/>
+      </p:nvGrpSpPr>
+      <p:grpSpPr>
+        <a:xfrm>
+          <a:off x="0" y="0"/>
+          <a:ext cx="0" cy="0"/>
+          <a:chOff x="0" y="0"/>
+          <a:chExt cx="0" cy="0"/>
+        </a:xfrm>
+      </p:grpSpPr>
+      <p:sp>
+        <p:nvSpPr>
+          <p:cNvPr id="2" name="标题 1"/>
+          <p:cNvSpPr>
+            <a:spLocks noGrp="1"/>
+          </p:cNvSpPr>
+          <p:nvPr>
+            <p:ph type="title"/>
+          </p:nvPr>
+        </p:nvSpPr>
+        <p:spPr/>
+        <p:txBody>
+          <a:bodyPr>
+            <a:normAutofit/>
+          </a:bodyPr>
+          <a:lstStyle/>
+          <a:p>
+            <a:r>
+              <a:rPr lang="zh-CN" altLang="zh-CN" b="1" dirty="0"/>
+              <a:t>场景</a:t>
+            </a:r>
+            <a:r>
+              <a:rPr lang="zh-CN" altLang="zh-CN" b="1" dirty="0" smtClean="0"/>
+              <a:t>管理</a:t>
+            </a:r>
+            <a:endParaRPr lang="zh-CN" altLang="en-US" dirty="0"/>
+          </a:p>
+        </p:txBody>
+      </p:sp>
+      <p:sp>
+        <p:nvSpPr>
+          <p:cNvPr id="3" name="内容占位符 2"/>
+          <p:cNvSpPr>
+            <a:spLocks noGrp="1"/>
+          </p:cNvSpPr>
+          <p:nvPr>
+            <p:ph idx="1"/>
+          </p:nvPr>
+        </p:nvSpPr>
+        <p:spPr/>
+        <p:txBody>
+          <a:bodyPr>
+            <a:normAutofit fontScale="92500" lnSpcReduction="20000"/>
+          </a:bodyPr>
+          <a:lstStyle/>
+          <a:p>
+            <a:r>
+              <a:rPr lang="zh-CN" altLang="zh-CN" dirty="0" smtClean="0"/>
+              <a:t>三维</a:t>
+            </a:r>
+            <a:r>
+              <a:rPr lang="zh-CN" altLang="zh-CN" dirty="0"/>
+              <a:t>游戏中的场景</a:t>
+            </a:r>
+            <a:r>
+              <a:rPr lang="en-US" altLang="zh-CN" dirty="0"/>
+              <a:t>(Scene)</a:t>
+            </a:r>
+            <a:r>
+              <a:rPr lang="zh-CN" altLang="zh-CN" dirty="0"/>
+              <a:t>是游戏中故事发生的环境，也称为关卡（</a:t>
+            </a:r>
+            <a:r>
+              <a:rPr lang="en-US" altLang="zh-CN" dirty="0"/>
+              <a:t>level</a:t>
+            </a:r>
+            <a:r>
+              <a:rPr lang="zh-CN" altLang="zh-CN" dirty="0"/>
+              <a:t>）、地图（</a:t>
+            </a:r>
+            <a:r>
+              <a:rPr lang="en-US" altLang="zh-CN" dirty="0"/>
+              <a:t>map</a:t>
+            </a:r>
+            <a:r>
+              <a:rPr lang="zh-CN" altLang="zh-CN" dirty="0"/>
+              <a:t>），通常被分解为几个不同的文件或</a:t>
+            </a:r>
+            <a:r>
+              <a:rPr lang="zh-CN" altLang="zh-CN" dirty="0" smtClean="0"/>
+              <a:t>区域</a:t>
+            </a:r>
+            <a:endParaRPr lang="en-US" altLang="zh-CN" dirty="0" smtClean="0"/>
+          </a:p>
+          <a:p>
+            <a:r>
+              <a:rPr lang="zh-CN" altLang="zh-CN" dirty="0" smtClean="0"/>
+              <a:t>当今</a:t>
+            </a:r>
+            <a:r>
+              <a:rPr lang="zh-CN" altLang="zh-CN" dirty="0"/>
+              <a:t>三维游戏中的场景越来越复杂，这种复杂性表现在几何图形、渲染效果、静态和动态物体、光照、阴影、物理效果等多个</a:t>
+            </a:r>
+            <a:r>
+              <a:rPr lang="zh-CN" altLang="zh-CN" dirty="0" smtClean="0"/>
+              <a:t>方面</a:t>
+            </a:r>
+            <a:endParaRPr lang="en-US" altLang="zh-CN" dirty="0" smtClean="0"/>
+          </a:p>
+          <a:p>
+            <a:r>
+              <a:rPr lang="zh-CN" altLang="zh-CN" dirty="0" smtClean="0"/>
+              <a:t>如何</a:t>
+            </a:r>
+            <a:r>
+              <a:rPr lang="zh-CN" altLang="zh-CN" dirty="0"/>
+              <a:t>将这些复杂的场景元素进行高效地组织管理已经成为影响游戏运行效率的关键问题。</a:t>
+            </a:r>
+          </a:p>
+          <a:p>
+            <a:endParaRPr lang="zh-CN" altLang="en-US" dirty="0"/>
+          </a:p>
+        </p:txBody>
+      </p:sp>
+    </p:spTree>
+    <p:extLst>
+      <p:ext uri="{BB962C8B-B14F-4D97-AF65-F5344CB8AC3E}">
+        <p14:creationId xmlns:p14="http://schemas.microsoft.com/office/powerpoint/2010/main" val="3261929551"/>
+      </p:ext>
+    </p:extLst>
+  </p:cSld>
+  <p:clrMapOvr>
+    <a:masterClrMapping/>
+  </p:clrMapOvr>
+  <p:timing>
+    <p:tnLst>
+      <p:par>
+        <p:cTn id="1" dur="indefinite" restart="never" nodeType="tmRoot"/>
+      </p:par>
+    </p:tnLst>
+  </p:timing>
+</p:sld>
+</file>
+
+<file path=ppt/slides/slide30.xml><?xml version="1.0" encoding="utf-8"?>
 <p:sld xmlns:a="http://schemas.openxmlformats.org/drawingml/2006/main" xmlns:r="http://schemas.openxmlformats.org/officeDocument/2006/relationships" xmlns:p="http://schemas.openxmlformats.org/presentationml/2006/main">
   <p:cSld>
     <p:spTree>
@@ -7434,10 +9402,17 @@
   <p:clrMapOvr>
     <a:masterClrMapping/>
   </p:clrMapOvr>
+  <p:timing>
+    <p:tnLst>
+      <p:par>
+        <p:cTn id="1" dur="indefinite" restart="never" nodeType="tmRoot"/>
+      </p:par>
+    </p:tnLst>
+  </p:timing>
 </p:sld>
 </file>
 
-<file path=ppt/slides/slide29.xml><?xml version="1.0" encoding="utf-8"?>
+<file path=ppt/slides/slide31.xml><?xml version="1.0" encoding="utf-8"?>
 <p:sld xmlns:a="http://schemas.openxmlformats.org/drawingml/2006/main" xmlns:r="http://schemas.openxmlformats.org/officeDocument/2006/relationships" xmlns:p="http://schemas.openxmlformats.org/presentationml/2006/main">
   <p:cSld>
     <p:spTree>
@@ -7619,154 +9594,17 @@
   <p:clrMapOvr>
     <a:masterClrMapping/>
   </p:clrMapOvr>
+  <p:timing>
+    <p:tnLst>
+      <p:par>
+        <p:cTn id="1" dur="indefinite" restart="never" nodeType="tmRoot"/>
+      </p:par>
+    </p:tnLst>
+  </p:timing>
 </p:sld>
 </file>
 
-<file path=ppt/slides/slide3.xml><?xml version="1.0" encoding="utf-8"?>
-<p:sld xmlns:a="http://schemas.openxmlformats.org/drawingml/2006/main" xmlns:r="http://schemas.openxmlformats.org/officeDocument/2006/relationships" xmlns:p="http://schemas.openxmlformats.org/presentationml/2006/main">
-  <p:cSld>
-    <p:spTree>
-      <p:nvGrpSpPr>
-        <p:cNvPr id="1" name=""/>
-        <p:cNvGrpSpPr/>
-        <p:nvPr/>
-      </p:nvGrpSpPr>
-      <p:grpSpPr>
-        <a:xfrm>
-          <a:off x="0" y="0"/>
-          <a:ext cx="0" cy="0"/>
-          <a:chOff x="0" y="0"/>
-          <a:chExt cx="0" cy="0"/>
-        </a:xfrm>
-      </p:grpSpPr>
-      <p:sp>
-        <p:nvSpPr>
-          <p:cNvPr id="2" name="标题 1"/>
-          <p:cNvSpPr>
-            <a:spLocks noGrp="1"/>
-          </p:cNvSpPr>
-          <p:nvPr>
-            <p:ph type="title"/>
-          </p:nvPr>
-        </p:nvSpPr>
-        <p:spPr/>
-        <p:txBody>
-          <a:bodyPr>
-            <a:normAutofit/>
-          </a:bodyPr>
-          <a:lstStyle/>
-          <a:p>
-            <a:r>
-              <a:rPr lang="zh-CN" altLang="zh-CN" b="1" dirty="0"/>
-              <a:t>场景</a:t>
-            </a:r>
-            <a:r>
-              <a:rPr lang="zh-CN" altLang="zh-CN" b="1" dirty="0" smtClean="0"/>
-              <a:t>管理</a:t>
-            </a:r>
-            <a:endParaRPr lang="zh-CN" altLang="en-US" dirty="0"/>
-          </a:p>
-        </p:txBody>
-      </p:sp>
-      <p:sp>
-        <p:nvSpPr>
-          <p:cNvPr id="3" name="内容占位符 2"/>
-          <p:cNvSpPr>
-            <a:spLocks noGrp="1"/>
-          </p:cNvSpPr>
-          <p:nvPr>
-            <p:ph idx="1"/>
-          </p:nvPr>
-        </p:nvSpPr>
-        <p:spPr/>
-        <p:txBody>
-          <a:bodyPr>
-            <a:normAutofit fontScale="92500" lnSpcReduction="20000"/>
-          </a:bodyPr>
-          <a:lstStyle/>
-          <a:p>
-            <a:r>
-              <a:rPr lang="zh-CN" altLang="zh-CN" dirty="0" smtClean="0"/>
-              <a:t>三维</a:t>
-            </a:r>
-            <a:r>
-              <a:rPr lang="zh-CN" altLang="zh-CN" dirty="0"/>
-              <a:t>游戏中的场景</a:t>
-            </a:r>
-            <a:r>
-              <a:rPr lang="en-US" altLang="zh-CN" dirty="0"/>
-              <a:t>(Scene)</a:t>
-            </a:r>
-            <a:r>
-              <a:rPr lang="zh-CN" altLang="zh-CN" dirty="0"/>
-              <a:t>是游戏中故事发生的环境，也称为关卡（</a:t>
-            </a:r>
-            <a:r>
-              <a:rPr lang="en-US" altLang="zh-CN" dirty="0"/>
-              <a:t>level</a:t>
-            </a:r>
-            <a:r>
-              <a:rPr lang="zh-CN" altLang="zh-CN" dirty="0"/>
-              <a:t>）、地图（</a:t>
-            </a:r>
-            <a:r>
-              <a:rPr lang="en-US" altLang="zh-CN" dirty="0"/>
-              <a:t>map</a:t>
-            </a:r>
-            <a:r>
-              <a:rPr lang="zh-CN" altLang="zh-CN" dirty="0"/>
-              <a:t>），通常被分解为几个不同的文件或</a:t>
-            </a:r>
-            <a:r>
-              <a:rPr lang="zh-CN" altLang="zh-CN" dirty="0" smtClean="0"/>
-              <a:t>区域</a:t>
-            </a:r>
-            <a:endParaRPr lang="en-US" altLang="zh-CN" dirty="0" smtClean="0"/>
-          </a:p>
-          <a:p>
-            <a:r>
-              <a:rPr lang="zh-CN" altLang="zh-CN" dirty="0" smtClean="0"/>
-              <a:t>当今</a:t>
-            </a:r>
-            <a:r>
-              <a:rPr lang="zh-CN" altLang="zh-CN" dirty="0"/>
-              <a:t>三维游戏中的场景越来越复杂，这种复杂性表现在几何图形、渲染效果、静态和动态物体、光照、阴影、物理效果等多个</a:t>
-            </a:r>
-            <a:r>
-              <a:rPr lang="zh-CN" altLang="zh-CN" dirty="0" smtClean="0"/>
-              <a:t>方面</a:t>
-            </a:r>
-            <a:endParaRPr lang="en-US" altLang="zh-CN" dirty="0" smtClean="0"/>
-          </a:p>
-          <a:p>
-            <a:r>
-              <a:rPr lang="zh-CN" altLang="zh-CN" dirty="0" smtClean="0"/>
-              <a:t>如何</a:t>
-            </a:r>
-            <a:r>
-              <a:rPr lang="zh-CN" altLang="zh-CN" dirty="0"/>
-              <a:t>将这些复杂的场景元素进行高效地组织管理已经成为影响游戏运行效率的关键问题。</a:t>
-            </a:r>
-          </a:p>
-          <a:p>
-            <a:endParaRPr lang="zh-CN" altLang="en-US" dirty="0"/>
-          </a:p>
-        </p:txBody>
-      </p:sp>
-    </p:spTree>
-    <p:extLst>
-      <p:ext uri="{BB962C8B-B14F-4D97-AF65-F5344CB8AC3E}">
-        <p14:creationId xmlns:p14="http://schemas.microsoft.com/office/powerpoint/2010/main" val="3261929551"/>
-      </p:ext>
-    </p:extLst>
-  </p:cSld>
-  <p:clrMapOvr>
-    <a:masterClrMapping/>
-  </p:clrMapOvr>
-</p:sld>
-</file>
-
-<file path=ppt/slides/slide30.xml><?xml version="1.0" encoding="utf-8"?>
+<file path=ppt/slides/slide32.xml><?xml version="1.0" encoding="utf-8"?>
 <p:sld xmlns:a="http://schemas.openxmlformats.org/drawingml/2006/main" xmlns:r="http://schemas.openxmlformats.org/officeDocument/2006/relationships" xmlns:p="http://schemas.openxmlformats.org/presentationml/2006/main">
   <p:cSld>
     <p:spTree>
@@ -7895,10 +9733,17 @@
   <p:clrMapOvr>
     <a:masterClrMapping/>
   </p:clrMapOvr>
+  <p:timing>
+    <p:tnLst>
+      <p:par>
+        <p:cTn id="1" dur="indefinite" restart="never" nodeType="tmRoot"/>
+      </p:par>
+    </p:tnLst>
+  </p:timing>
 </p:sld>
 </file>
 
-<file path=ppt/slides/slide31.xml><?xml version="1.0" encoding="utf-8"?>
+<file path=ppt/slides/slide33.xml><?xml version="1.0" encoding="utf-8"?>
 <p:sld xmlns:a="http://schemas.openxmlformats.org/drawingml/2006/main" xmlns:r="http://schemas.openxmlformats.org/officeDocument/2006/relationships" xmlns:p="http://schemas.openxmlformats.org/presentationml/2006/main">
   <p:cSld>
     <p:spTree>
@@ -8194,10 +10039,17 @@
   <p:clrMapOvr>
     <a:masterClrMapping/>
   </p:clrMapOvr>
+  <p:timing>
+    <p:tnLst>
+      <p:par>
+        <p:cTn id="1" dur="indefinite" restart="never" nodeType="tmRoot"/>
+      </p:par>
+    </p:tnLst>
+  </p:timing>
 </p:sld>
 </file>
 
-<file path=ppt/slides/slide32.xml><?xml version="1.0" encoding="utf-8"?>
+<file path=ppt/slides/slide34.xml><?xml version="1.0" encoding="utf-8"?>
 <p:sld xmlns:a="http://schemas.openxmlformats.org/drawingml/2006/main" xmlns:r="http://schemas.openxmlformats.org/officeDocument/2006/relationships" xmlns:p="http://schemas.openxmlformats.org/presentationml/2006/main">
   <p:cSld>
     <p:spTree>
@@ -8326,10 +10178,17 @@
   <p:clrMapOvr>
     <a:masterClrMapping/>
   </p:clrMapOvr>
+  <p:timing>
+    <p:tnLst>
+      <p:par>
+        <p:cTn id="1" dur="indefinite" restart="never" nodeType="tmRoot"/>
+      </p:par>
+    </p:tnLst>
+  </p:timing>
 </p:sld>
 </file>
 
-<file path=ppt/slides/slide33.xml><?xml version="1.0" encoding="utf-8"?>
+<file path=ppt/slides/slide35.xml><?xml version="1.0" encoding="utf-8"?>
 <p:sld xmlns:a="http://schemas.openxmlformats.org/drawingml/2006/main" xmlns:r="http://schemas.openxmlformats.org/officeDocument/2006/relationships" xmlns:p="http://schemas.openxmlformats.org/presentationml/2006/main">
   <p:cSld>
     <p:spTree>
@@ -8456,336 +10315,13 @@
   <p:clrMapOvr>
     <a:masterClrMapping/>
   </p:clrMapOvr>
-</p:sld>
-</file>
-
-<file path=ppt/slides/slide34.xml><?xml version="1.0" encoding="utf-8"?>
-<p:sld xmlns:a="http://schemas.openxmlformats.org/drawingml/2006/main" xmlns:r="http://schemas.openxmlformats.org/officeDocument/2006/relationships" xmlns:p="http://schemas.openxmlformats.org/presentationml/2006/main">
-  <p:cSld>
-    <p:spTree>
-      <p:nvGrpSpPr>
-        <p:cNvPr id="1" name=""/>
-        <p:cNvGrpSpPr/>
-        <p:nvPr/>
-      </p:nvGrpSpPr>
-      <p:grpSpPr>
-        <a:xfrm>
-          <a:off x="0" y="0"/>
-          <a:ext cx="0" cy="0"/>
-          <a:chOff x="0" y="0"/>
-          <a:chExt cx="0" cy="0"/>
-        </a:xfrm>
-      </p:grpSpPr>
-      <p:sp>
-        <p:nvSpPr>
-          <p:cNvPr id="2" name="标题 1"/>
-          <p:cNvSpPr>
-            <a:spLocks noGrp="1"/>
-          </p:cNvSpPr>
-          <p:nvPr>
-            <p:ph type="title"/>
-          </p:nvPr>
-        </p:nvSpPr>
-        <p:spPr/>
-        <p:txBody>
-          <a:bodyPr/>
-          <a:lstStyle/>
-          <a:p>
-            <a:endParaRPr lang="zh-CN" altLang="en-US"/>
-          </a:p>
-        </p:txBody>
-      </p:sp>
-      <p:sp>
-        <p:nvSpPr>
-          <p:cNvPr id="3" name="内容占位符 2"/>
-          <p:cNvSpPr>
-            <a:spLocks noGrp="1"/>
-          </p:cNvSpPr>
-          <p:nvPr>
-            <p:ph idx="1"/>
-          </p:nvPr>
-        </p:nvSpPr>
-        <p:spPr/>
-        <p:txBody>
-          <a:bodyPr>
-            <a:normAutofit fontScale="55000" lnSpcReduction="20000"/>
-          </a:bodyPr>
-          <a:lstStyle/>
-          <a:p>
-            <a:r>
-              <a:rPr lang="en-US" altLang="zh-CN" dirty="0" err="1"/>
-              <a:t>BspTree</a:t>
-            </a:r>
-            <a:r>
-              <a:rPr lang="zh-CN" altLang="zh-CN" dirty="0"/>
-              <a:t>类包含一个对</a:t>
-            </a:r>
-            <a:r>
-              <a:rPr lang="en-US" altLang="zh-CN" dirty="0" err="1"/>
-              <a:t>BspTreeNode</a:t>
-            </a:r>
-            <a:r>
-              <a:rPr lang="zh-CN" altLang="zh-CN" dirty="0"/>
-              <a:t>类对象的引用，它代表</a:t>
-            </a:r>
-            <a:r>
-              <a:rPr lang="en-US" altLang="zh-CN" dirty="0"/>
-              <a:t>BSP</a:t>
-            </a:r>
-            <a:r>
-              <a:rPr lang="zh-CN" altLang="zh-CN" dirty="0"/>
-              <a:t>树的根节点。运行时通过调用</a:t>
-            </a:r>
-            <a:r>
-              <a:rPr lang="en-US" altLang="zh-CN" dirty="0" err="1"/>
-              <a:t>BspTree</a:t>
-            </a:r>
-            <a:r>
-              <a:rPr lang="zh-CN" altLang="zh-CN" dirty="0"/>
-              <a:t>类的</a:t>
-            </a:r>
-            <a:r>
-              <a:rPr lang="en-US" altLang="zh-CN" dirty="0" err="1"/>
-              <a:t>CreateBspTree</a:t>
-            </a:r>
-            <a:r>
-              <a:rPr lang="zh-CN" altLang="zh-CN" dirty="0"/>
-              <a:t>方法来构建树。</a:t>
-            </a:r>
-          </a:p>
-          <a:p>
-            <a:r>
-              <a:rPr lang="zh-CN" altLang="zh-CN" dirty="0"/>
-              <a:t>跟八叉树类似，</a:t>
-            </a:r>
-            <a:r>
-              <a:rPr lang="en-US" altLang="zh-CN" dirty="0"/>
-              <a:t>BSP</a:t>
-            </a:r>
-            <a:r>
-              <a:rPr lang="zh-CN" altLang="zh-CN" dirty="0"/>
-              <a:t>也通过递归算法创建</a:t>
-            </a:r>
-            <a:r>
-              <a:rPr lang="zh-CN" altLang="zh-CN" dirty="0" smtClean="0"/>
-              <a:t>树</a:t>
-            </a:r>
-            <a:endParaRPr lang="en-US" altLang="zh-CN" dirty="0" smtClean="0"/>
-          </a:p>
-          <a:p>
-            <a:r>
-              <a:rPr lang="zh-CN" altLang="zh-CN" dirty="0" smtClean="0"/>
-              <a:t>构造</a:t>
-            </a:r>
-            <a:r>
-              <a:rPr lang="en-US" altLang="zh-CN" dirty="0"/>
-              <a:t>BSP</a:t>
-            </a:r>
-            <a:r>
-              <a:rPr lang="zh-CN" altLang="zh-CN" dirty="0"/>
-              <a:t>的一种策略是以三角网格为基础，从根节点和场景中的所有几何图形开始着手。然后确定在几何图形中放置平面的最佳位置。之后遍历节点中的所有三角形，对根节点而言它是场景中的全部</a:t>
-            </a:r>
-            <a:r>
-              <a:rPr lang="zh-CN" altLang="zh-CN" dirty="0" smtClean="0"/>
-              <a:t>数据</a:t>
-            </a:r>
-            <a:endParaRPr lang="en-US" altLang="zh-CN" dirty="0" smtClean="0"/>
-          </a:p>
-          <a:p>
-            <a:r>
-              <a:rPr lang="zh-CN" altLang="zh-CN" dirty="0" smtClean="0"/>
-              <a:t>确定</a:t>
-            </a:r>
-            <a:r>
-              <a:rPr lang="zh-CN" altLang="zh-CN" dirty="0"/>
-              <a:t>每个三角形位于平面的哪一侧。如果三角形落在平面前面，就将三角形复制到前端多边形列表中，否则就</a:t>
-            </a:r>
-            <a:r>
-              <a:rPr lang="zh-CN" altLang="zh-CN" dirty="0" smtClean="0"/>
-              <a:t>返回</a:t>
-            </a:r>
-            <a:endParaRPr lang="en-US" altLang="zh-CN" dirty="0" smtClean="0"/>
-          </a:p>
-          <a:p>
-            <a:r>
-              <a:rPr lang="zh-CN" altLang="zh-CN" dirty="0" smtClean="0"/>
-              <a:t>如果</a:t>
-            </a:r>
-            <a:r>
-              <a:rPr lang="zh-CN" altLang="zh-CN" dirty="0"/>
-              <a:t>三角形拓展到平面，就将多边形分解为两个更小的多边形。一旦处理完该节点的所有多边形，那么创建两个节点，一个用于前端，一个用于后端。得到前端多边形链表，并对前端子节点中的数据采用相同的递归处理，对于后端节点也是如此，一直这样做，直到已经到达某个节点深度，或是直到节点中有了一定数量的多边形为止。</a:t>
-            </a:r>
-          </a:p>
-          <a:p>
-            <a:endParaRPr lang="zh-CN" altLang="en-US" dirty="0"/>
-          </a:p>
-        </p:txBody>
-      </p:sp>
-    </p:spTree>
-    <p:extLst>
-      <p:ext uri="{BB962C8B-B14F-4D97-AF65-F5344CB8AC3E}">
-        <p14:creationId xmlns:p14="http://schemas.microsoft.com/office/powerpoint/2010/main" val="1124128312"/>
-      </p:ext>
-    </p:extLst>
-  </p:cSld>
-  <p:clrMapOvr>
-    <a:masterClrMapping/>
-  </p:clrMapOvr>
-</p:sld>
-</file>
-
-<file path=ppt/slides/slide35.xml><?xml version="1.0" encoding="utf-8"?>
-<p:sld xmlns:a="http://schemas.openxmlformats.org/drawingml/2006/main" xmlns:r="http://schemas.openxmlformats.org/officeDocument/2006/relationships" xmlns:p="http://schemas.openxmlformats.org/presentationml/2006/main">
-  <p:cSld>
-    <p:spTree>
-      <p:nvGrpSpPr>
-        <p:cNvPr id="1" name=""/>
-        <p:cNvGrpSpPr/>
-        <p:nvPr/>
-      </p:nvGrpSpPr>
-      <p:grpSpPr>
-        <a:xfrm>
-          <a:off x="0" y="0"/>
-          <a:ext cx="0" cy="0"/>
-          <a:chOff x="0" y="0"/>
-          <a:chExt cx="0" cy="0"/>
-        </a:xfrm>
-      </p:grpSpPr>
-      <p:sp>
-        <p:nvSpPr>
-          <p:cNvPr id="2" name="标题 1"/>
-          <p:cNvSpPr>
-            <a:spLocks noGrp="1"/>
-          </p:cNvSpPr>
-          <p:nvPr>
-            <p:ph type="title"/>
-          </p:nvPr>
-        </p:nvSpPr>
-        <p:spPr/>
-        <p:txBody>
-          <a:bodyPr/>
-          <a:lstStyle/>
-          <a:p>
-            <a:endParaRPr lang="zh-CN" altLang="en-US"/>
-          </a:p>
-        </p:txBody>
-      </p:sp>
-      <p:sp>
-        <p:nvSpPr>
-          <p:cNvPr id="3" name="内容占位符 2"/>
-          <p:cNvSpPr>
-            <a:spLocks noGrp="1"/>
-          </p:cNvSpPr>
-          <p:nvPr>
-            <p:ph idx="1"/>
-          </p:nvPr>
-        </p:nvSpPr>
-        <p:spPr/>
-        <p:txBody>
-          <a:bodyPr>
-            <a:normAutofit fontScale="70000" lnSpcReduction="20000"/>
-          </a:bodyPr>
-          <a:lstStyle/>
-          <a:p>
-            <a:r>
-              <a:rPr lang="zh-CN" altLang="zh-CN" dirty="0"/>
-              <a:t>在构建</a:t>
-            </a:r>
-            <a:r>
-              <a:rPr lang="en-US" altLang="zh-CN" dirty="0"/>
-              <a:t>BSP</a:t>
-            </a:r>
-            <a:r>
-              <a:rPr lang="zh-CN" altLang="zh-CN" dirty="0"/>
-              <a:t>树时一个关键的问题就是分割平面的</a:t>
-            </a:r>
-            <a:r>
-              <a:rPr lang="zh-CN" altLang="zh-CN" dirty="0" smtClean="0"/>
-              <a:t>选择</a:t>
-            </a:r>
-            <a:endParaRPr lang="en-US" altLang="zh-CN" dirty="0" smtClean="0"/>
-          </a:p>
-          <a:p>
-            <a:r>
-              <a:rPr lang="zh-CN" altLang="zh-CN" dirty="0" smtClean="0"/>
-              <a:t>如何</a:t>
-            </a:r>
-            <a:r>
-              <a:rPr lang="zh-CN" altLang="zh-CN" dirty="0"/>
-              <a:t>选择分割平面取决于引擎如何使用</a:t>
-            </a:r>
-            <a:r>
-              <a:rPr lang="en-US" altLang="zh-CN" dirty="0"/>
-              <a:t>BSP</a:t>
-            </a:r>
-            <a:r>
-              <a:rPr lang="zh-CN" altLang="zh-CN" dirty="0"/>
-              <a:t>树以及引擎对</a:t>
-            </a:r>
-            <a:r>
-              <a:rPr lang="en-US" altLang="zh-CN" dirty="0"/>
-              <a:t>BSP</a:t>
-            </a:r>
-            <a:r>
-              <a:rPr lang="zh-CN" altLang="zh-CN" dirty="0"/>
-              <a:t>树构造的效率要求（比如，如果游戏引擎在载入关卡模型的时候动态创建</a:t>
-            </a:r>
-            <a:r>
-              <a:rPr lang="en-US" altLang="zh-CN" dirty="0"/>
-              <a:t>BSP</a:t>
-            </a:r>
-            <a:r>
-              <a:rPr lang="zh-CN" altLang="zh-CN" dirty="0"/>
-              <a:t>树，那么就必须有非常快速的树构造方法</a:t>
-            </a:r>
-            <a:r>
-              <a:rPr lang="zh-CN" altLang="zh-CN" dirty="0" smtClean="0"/>
-              <a:t>）</a:t>
-            </a:r>
-            <a:endParaRPr lang="en-US" altLang="zh-CN" dirty="0" smtClean="0"/>
-          </a:p>
-          <a:p>
-            <a:r>
-              <a:rPr lang="zh-CN" altLang="zh-CN" dirty="0" smtClean="0"/>
-              <a:t>一般</a:t>
-            </a:r>
-            <a:r>
-              <a:rPr lang="zh-CN" altLang="zh-CN" dirty="0"/>
-              <a:t>我们可以选择和世界坐标平面平行的面作为分</a:t>
-            </a:r>
-            <a:r>
-              <a:rPr lang="zh-CN" altLang="zh-CN" dirty="0" smtClean="0"/>
-              <a:t>割面</a:t>
-            </a:r>
-            <a:endParaRPr lang="en-US" altLang="zh-CN" dirty="0" smtClean="0"/>
-          </a:p>
-          <a:p>
-            <a:r>
-              <a:rPr lang="zh-CN" altLang="zh-CN" dirty="0" smtClean="0"/>
-              <a:t>另外</a:t>
-            </a:r>
-            <a:r>
-              <a:rPr lang="zh-CN" altLang="zh-CN" dirty="0"/>
-              <a:t>，在大多数三维游戏应用中，物体的复杂度（每个物体中的多边形数目）要远远大于场景复杂度（这里指场景中的物体个数），所以游戏引擎必须能处理物体中的若干多边形，而不仅仅是把每个物体作为一个整体考虑，这也给分割面的选取带来了额外的</a:t>
-            </a:r>
-            <a:r>
-              <a:rPr lang="zh-CN" altLang="zh-CN" dirty="0" smtClean="0"/>
-              <a:t>困难</a:t>
-            </a:r>
-            <a:endParaRPr lang="zh-CN" altLang="en-US" dirty="0"/>
-          </a:p>
-        </p:txBody>
-      </p:sp>
-    </p:spTree>
-    <p:extLst>
-      <p:ext uri="{BB962C8B-B14F-4D97-AF65-F5344CB8AC3E}">
-        <p14:creationId xmlns:p14="http://schemas.microsoft.com/office/powerpoint/2010/main" val="3272593894"/>
-      </p:ext>
-    </p:extLst>
-  </p:cSld>
-  <p:clrMapOvr>
-    <a:masterClrMapping/>
-  </p:clrMapOvr>
+  <p:timing>
+    <p:tnLst>
+      <p:par>
+        <p:cTn id="1" dur="indefinite" restart="never" nodeType="tmRoot"/>
+      </p:par>
+    </p:tnLst>
+  </p:timing>
 </p:sld>
 </file>
 
@@ -8838,17 +10374,25 @@
         <p:spPr/>
         <p:txBody>
           <a:bodyPr>
-            <a:normAutofit fontScale="77500" lnSpcReduction="20000"/>
+            <a:normAutofit fontScale="55000" lnSpcReduction="20000"/>
           </a:bodyPr>
           <a:lstStyle/>
           <a:p>
             <a:r>
-              <a:rPr lang="zh-CN" altLang="zh-CN" b="1" dirty="0"/>
-              <a:t>最小分割：</a:t>
-            </a:r>
-            <a:r>
-              <a:rPr lang="zh-CN" altLang="zh-CN" dirty="0"/>
-              <a:t>一个严格的</a:t>
+              <a:rPr lang="en-US" altLang="zh-CN" dirty="0" err="1"/>
+              <a:t>BspTree</a:t>
+            </a:r>
+            <a:r>
+              <a:rPr lang="zh-CN" altLang="zh-CN" dirty="0"/>
+              <a:t>类包含一个对</a:t>
+            </a:r>
+            <a:r>
+              <a:rPr lang="en-US" altLang="zh-CN" dirty="0" err="1"/>
+              <a:t>BspTreeNode</a:t>
+            </a:r>
+            <a:r>
+              <a:rPr lang="zh-CN" altLang="zh-CN" dirty="0"/>
+              <a:t>类对象的引用，它代表</a:t>
             </a:r>
             <a:r>
               <a:rPr lang="en-US" altLang="zh-CN" dirty="0"/>
@@ -8856,7 +10400,29 @@
             </a:r>
             <a:r>
               <a:rPr lang="zh-CN" altLang="zh-CN" dirty="0"/>
-              <a:t>树绝对不能有任何多边形与相邻</a:t>
+              <a:t>树的根节点。运行时通过调用</a:t>
+            </a:r>
+            <a:r>
+              <a:rPr lang="en-US" altLang="zh-CN" dirty="0" err="1"/>
+              <a:t>BspTree</a:t>
+            </a:r>
+            <a:r>
+              <a:rPr lang="zh-CN" altLang="zh-CN" dirty="0"/>
+              <a:t>类的</a:t>
+            </a:r>
+            <a:r>
+              <a:rPr lang="en-US" altLang="zh-CN" dirty="0" err="1"/>
+              <a:t>CreateBspTree</a:t>
+            </a:r>
+            <a:r>
+              <a:rPr lang="zh-CN" altLang="zh-CN" dirty="0"/>
+              <a:t>方法来构建树。</a:t>
+            </a:r>
+          </a:p>
+          <a:p>
+            <a:r>
+              <a:rPr lang="zh-CN" altLang="zh-CN" dirty="0"/>
+              <a:t>跟八叉树类似，</a:t>
             </a:r>
             <a:r>
               <a:rPr lang="en-US" altLang="zh-CN" dirty="0"/>
@@ -8864,22 +10430,18 @@
             </a:r>
             <a:r>
               <a:rPr lang="zh-CN" altLang="zh-CN" dirty="0"/>
-              <a:t>叶子节点</a:t>
+              <a:t>也通过递归算法创建</a:t>
             </a:r>
             <a:r>
               <a:rPr lang="zh-CN" altLang="zh-CN" dirty="0" smtClean="0"/>
-              <a:t>重叠</a:t>
+              <a:t>树</a:t>
             </a:r>
             <a:endParaRPr lang="en-US" altLang="zh-CN" dirty="0" smtClean="0"/>
           </a:p>
           <a:p>
             <a:r>
               <a:rPr lang="zh-CN" altLang="zh-CN" dirty="0" smtClean="0"/>
-              <a:t>也就是说</a:t>
-            </a:r>
-            <a:r>
-              <a:rPr lang="zh-CN" altLang="zh-CN" dirty="0"/>
-              <a:t>，</a:t>
+              <a:t>构造</a:t>
             </a:r>
             <a:r>
               <a:rPr lang="en-US" altLang="zh-CN" dirty="0"/>
@@ -8887,61 +10449,37 @@
             </a:r>
             <a:r>
               <a:rPr lang="zh-CN" altLang="zh-CN" dirty="0"/>
-              <a:t>树中的所有多边形都必须进行分割，这样每个多边形就可以归类为一个，且只能是一个叶子</a:t>
+              <a:t>的一种策略是以三角网格为基础，从根节点和场景中的所有几何图形开始着手。然后确定在几何图形中放置平面的最佳位置。之后遍历节点中的所有三角形，对根节点而言它是场景中的全部</a:t>
             </a:r>
             <a:r>
               <a:rPr lang="zh-CN" altLang="zh-CN" dirty="0" smtClean="0"/>
-              <a:t>节点</a:t>
+              <a:t>数据</a:t>
             </a:r>
             <a:endParaRPr lang="en-US" altLang="zh-CN" dirty="0" smtClean="0"/>
           </a:p>
           <a:p>
             <a:r>
               <a:rPr lang="zh-CN" altLang="zh-CN" dirty="0" smtClean="0"/>
-              <a:t>多边形</a:t>
-            </a:r>
-            <a:r>
-              <a:rPr lang="zh-CN" altLang="zh-CN" dirty="0"/>
-              <a:t>的分割工作在</a:t>
-            </a:r>
-            <a:r>
-              <a:rPr lang="en-US" altLang="zh-CN" dirty="0"/>
-              <a:t>BSP</a:t>
-            </a:r>
-            <a:r>
-              <a:rPr lang="zh-CN" altLang="zh-CN" dirty="0"/>
-              <a:t>树的时间复杂度和对内存容量的需求方面，增加了</a:t>
-            </a:r>
-            <a:r>
-              <a:rPr lang="en-US" altLang="zh-CN" dirty="0"/>
-              <a:t>BSP</a:t>
-            </a:r>
-            <a:r>
-              <a:rPr lang="zh-CN" altLang="zh-CN" dirty="0"/>
-              <a:t>算法的</a:t>
+              <a:t>确定</a:t>
+            </a:r>
+            <a:r>
+              <a:rPr lang="zh-CN" altLang="zh-CN" dirty="0"/>
+              <a:t>每个三角形位于平面的哪一侧。如果三角形落在平面前面，就将三角形复制到前端多边形列表中，否则就</a:t>
             </a:r>
             <a:r>
               <a:rPr lang="zh-CN" altLang="zh-CN" dirty="0" smtClean="0"/>
-              <a:t>开销</a:t>
+              <a:t>返回</a:t>
             </a:r>
             <a:endParaRPr lang="en-US" altLang="zh-CN" dirty="0" smtClean="0"/>
           </a:p>
           <a:p>
             <a:r>
               <a:rPr lang="zh-CN" altLang="zh-CN" dirty="0" smtClean="0"/>
-              <a:t>一</a:t>
-            </a:r>
-            <a:r>
-              <a:rPr lang="zh-CN" altLang="zh-CN" dirty="0"/>
-              <a:t>个好的</a:t>
-            </a:r>
-            <a:r>
-              <a:rPr lang="en-US" altLang="zh-CN" dirty="0"/>
-              <a:t>BSP</a:t>
-            </a:r>
-            <a:r>
-              <a:rPr lang="zh-CN" altLang="zh-CN" dirty="0"/>
-              <a:t>树必须要避免这些额外的开销，方法就是选择合适的分割平面，使多边形分割的次数最小化。</a:t>
+              <a:t>如果</a:t>
+            </a:r>
+            <a:r>
+              <a:rPr lang="zh-CN" altLang="zh-CN" dirty="0"/>
+              <a:t>三角形拓展到平面，就将多边形分解为两个更小的多边形。一旦处理完该节点的所有多边形，那么创建两个节点，一个用于前端，一个用于后端。得到前端多边形链表，并对前端子节点中的数据采用相同的递归处理，对于后端节点也是如此，一直这样做，直到已经到达某个节点深度，或是直到节点中有了一定数量的多边形为止。</a:t>
             </a:r>
           </a:p>
           <a:p>
@@ -8952,13 +10490,20 @@
     </p:spTree>
     <p:extLst>
       <p:ext uri="{BB962C8B-B14F-4D97-AF65-F5344CB8AC3E}">
-        <p14:creationId xmlns:p14="http://schemas.microsoft.com/office/powerpoint/2010/main" val="1953541524"/>
+        <p14:creationId xmlns:p14="http://schemas.microsoft.com/office/powerpoint/2010/main" val="1124128312"/>
       </p:ext>
     </p:extLst>
   </p:cSld>
   <p:clrMapOvr>
     <a:masterClrMapping/>
   </p:clrMapOvr>
+  <p:timing>
+    <p:tnLst>
+      <p:par>
+        <p:cTn id="1" dur="indefinite" restart="never" nodeType="tmRoot"/>
+      </p:par>
+    </p:tnLst>
+  </p:timing>
 </p:sld>
 </file>
 
@@ -9011,17 +10556,13 @@
         <p:spPr/>
         <p:txBody>
           <a:bodyPr>
-            <a:normAutofit fontScale="85000" lnSpcReduction="20000"/>
+            <a:normAutofit fontScale="70000" lnSpcReduction="20000"/>
           </a:bodyPr>
           <a:lstStyle/>
           <a:p>
             <a:r>
-              <a:rPr lang="zh-CN" altLang="zh-CN" b="1" dirty="0"/>
-              <a:t>平衡：</a:t>
-            </a:r>
-            <a:r>
-              <a:rPr lang="zh-CN" altLang="zh-CN" dirty="0"/>
-              <a:t>“平衡”意味着每个</a:t>
+              <a:rPr lang="zh-CN" altLang="zh-CN" dirty="0"/>
+              <a:t>在构建</a:t>
             </a:r>
             <a:r>
               <a:rPr lang="en-US" altLang="zh-CN" dirty="0"/>
@@ -9029,49 +10570,30 @@
             </a:r>
             <a:r>
               <a:rPr lang="zh-CN" altLang="zh-CN" dirty="0"/>
-              <a:t>节点的</a:t>
-            </a:r>
-            <a:r>
-              <a:rPr lang="en-US" altLang="zh-CN" dirty="0"/>
-              <a:t>2</a:t>
-            </a:r>
-            <a:r>
-              <a:rPr lang="zh-CN" altLang="zh-CN" dirty="0"/>
-              <a:t>个子节点（前部子节点和后部子节点）上的多边形数量大致</a:t>
+              <a:t>树时一个关键的问题就是分割平面的</a:t>
             </a:r>
             <a:r>
               <a:rPr lang="zh-CN" altLang="zh-CN" dirty="0" smtClean="0"/>
-              <a:t>相等</a:t>
+              <a:t>选择</a:t>
             </a:r>
             <a:endParaRPr lang="en-US" altLang="zh-CN" dirty="0" smtClean="0"/>
           </a:p>
           <a:p>
             <a:r>
               <a:rPr lang="zh-CN" altLang="zh-CN" dirty="0" smtClean="0"/>
-              <a:t>良好</a:t>
-            </a:r>
-            <a:r>
-              <a:rPr lang="zh-CN" altLang="zh-CN" dirty="0"/>
-              <a:t>的平衡性可以确保以平均相同的步数来遍历</a:t>
+              <a:t>如何</a:t>
+            </a:r>
+            <a:r>
+              <a:rPr lang="zh-CN" altLang="zh-CN" dirty="0"/>
+              <a:t>选择分割平面取决于引擎如何使用</a:t>
             </a:r>
             <a:r>
               <a:rPr lang="en-US" altLang="zh-CN" dirty="0"/>
               <a:t>BSP</a:t>
             </a:r>
             <a:r>
-              <a:rPr lang="zh-CN" altLang="zh-CN" dirty="0" smtClean="0"/>
-              <a:t>树</a:t>
-            </a:r>
-            <a:endParaRPr lang="en-US" altLang="zh-CN" dirty="0" smtClean="0"/>
-          </a:p>
-          <a:p>
-            <a:r>
-              <a:rPr lang="zh-CN" altLang="zh-CN" dirty="0" smtClean="0"/>
-              <a:t>不平衡</a:t>
-            </a:r>
-            <a:r>
-              <a:rPr lang="zh-CN" altLang="zh-CN" dirty="0"/>
-              <a:t>的</a:t>
+              <a:rPr lang="zh-CN" altLang="zh-CN" dirty="0"/>
+              <a:t>树以及引擎对</a:t>
             </a:r>
             <a:r>
               <a:rPr lang="en-US" altLang="zh-CN" dirty="0"/>
@@ -9079,22 +10601,7 @@
             </a:r>
             <a:r>
               <a:rPr lang="zh-CN" altLang="zh-CN" dirty="0"/>
-              <a:t>树是不可靠的，因为有些较长的分支会比其他较短的分支长几十或几百倍，从而使得访问时间差异性较大，从而变得极</a:t>
-            </a:r>
-            <a:r>
-              <a:rPr lang="zh-CN" altLang="zh-CN" dirty="0" smtClean="0"/>
-              <a:t>不可靠</a:t>
-            </a:r>
-            <a:endParaRPr lang="en-US" altLang="zh-CN" dirty="0" smtClean="0"/>
-          </a:p>
-          <a:p>
-            <a:r>
-              <a:rPr lang="zh-CN" altLang="zh-CN" dirty="0" smtClean="0"/>
-              <a:t>根据</a:t>
-            </a:r>
-            <a:r>
-              <a:rPr lang="zh-CN" altLang="zh-CN" dirty="0"/>
-              <a:t>应用情况不同，还有其他很多评判</a:t>
+              <a:t>树构造的效率要求（比如，如果游戏引擎在载入关卡模型的时候动态创建</a:t>
             </a:r>
             <a:r>
               <a:rPr lang="en-US" altLang="zh-CN" dirty="0"/>
@@ -9102,11 +10609,41 @@
             </a:r>
             <a:r>
               <a:rPr lang="zh-CN" altLang="zh-CN" dirty="0"/>
-              <a:t>的</a:t>
+              <a:t>树，那么就必须有非常快速的树构造方法</a:t>
             </a:r>
             <a:r>
               <a:rPr lang="zh-CN" altLang="zh-CN" dirty="0" smtClean="0"/>
-              <a:t>标准</a:t>
+              <a:t>）</a:t>
+            </a:r>
+            <a:endParaRPr lang="en-US" altLang="zh-CN" dirty="0" smtClean="0"/>
+          </a:p>
+          <a:p>
+            <a:r>
+              <a:rPr lang="zh-CN" altLang="zh-CN" dirty="0" smtClean="0"/>
+              <a:t>一般</a:t>
+            </a:r>
+            <a:r>
+              <a:rPr lang="zh-CN" altLang="zh-CN" dirty="0"/>
+              <a:t>我们可以选择和世界坐标平面平行的面作为分</a:t>
+            </a:r>
+            <a:r>
+              <a:rPr lang="zh-CN" altLang="zh-CN" dirty="0" smtClean="0"/>
+              <a:t>割面</a:t>
+            </a:r>
+            <a:endParaRPr lang="en-US" altLang="zh-CN" dirty="0" smtClean="0"/>
+          </a:p>
+          <a:p>
+            <a:r>
+              <a:rPr lang="zh-CN" altLang="zh-CN" dirty="0" smtClean="0"/>
+              <a:t>另外</a:t>
+            </a:r>
+            <a:r>
+              <a:rPr lang="zh-CN" altLang="zh-CN" dirty="0"/>
+              <a:t>，在大多数三维游戏应用中，物体的复杂度（每个物体中的多边形数目）要远远大于场景复杂度（这里指场景中的物体个数），所以游戏引擎必须能处理物体中的若干多边形，而不仅仅是把每个物体作为一个整体考虑，这也给分割面的选取带来了额外的</a:t>
+            </a:r>
+            <a:r>
+              <a:rPr lang="zh-CN" altLang="zh-CN" dirty="0" smtClean="0"/>
+              <a:t>困难</a:t>
             </a:r>
             <a:endParaRPr lang="zh-CN" altLang="en-US" dirty="0"/>
           </a:p>
@@ -9115,13 +10652,20 @@
     </p:spTree>
     <p:extLst>
       <p:ext uri="{BB962C8B-B14F-4D97-AF65-F5344CB8AC3E}">
-        <p14:creationId xmlns:p14="http://schemas.microsoft.com/office/powerpoint/2010/main" val="2366972352"/>
+        <p14:creationId xmlns:p14="http://schemas.microsoft.com/office/powerpoint/2010/main" val="3272593894"/>
       </p:ext>
     </p:extLst>
   </p:cSld>
   <p:clrMapOvr>
     <a:masterClrMapping/>
   </p:clrMapOvr>
+  <p:timing>
+    <p:tnLst>
+      <p:par>
+        <p:cTn id="1" dur="indefinite" restart="never" nodeType="tmRoot"/>
+      </p:par>
+    </p:tnLst>
+  </p:timing>
 </p:sld>
 </file>
 
@@ -9179,8 +10723,12 @@
           <a:lstStyle/>
           <a:p>
             <a:r>
-              <a:rPr lang="zh-CN" altLang="zh-CN" dirty="0"/>
-              <a:t>渲染一个三维</a:t>
+              <a:rPr lang="zh-CN" altLang="zh-CN" b="1" dirty="0"/>
+              <a:t>最小分割：</a:t>
+            </a:r>
+            <a:r>
+              <a:rPr lang="zh-CN" altLang="zh-CN" dirty="0"/>
+              <a:t>一个严格的</a:t>
             </a:r>
             <a:r>
               <a:rPr lang="en-US" altLang="zh-CN" dirty="0"/>
@@ -9188,53 +10736,92 @@
             </a:r>
             <a:r>
               <a:rPr lang="zh-CN" altLang="zh-CN" dirty="0"/>
-              <a:t>场景相对比较容易，可以采用经典画家算法。其步骤如下：</a:t>
-            </a:r>
-          </a:p>
-          <a:p>
-            <a:pPr marL="514350" lvl="0" indent="-514350">
-              <a:buFont typeface="+mj-lt"/>
-              <a:buAutoNum type="arabicPeriod"/>
-            </a:pPr>
-            <a:r>
-              <a:rPr lang="zh-CN" altLang="zh-CN" dirty="0"/>
-              <a:t>在视点坐标系中进行二叉树遍历；</a:t>
-            </a:r>
-          </a:p>
-          <a:p>
-            <a:pPr marL="514350" lvl="0" indent="-514350">
-              <a:buFont typeface="+mj-lt"/>
-              <a:buAutoNum type="arabicPeriod"/>
-            </a:pPr>
-            <a:r>
-              <a:rPr lang="zh-CN" altLang="zh-CN" dirty="0"/>
-              <a:t>在每个树节点处，确定当前视点在该节点所包含的分割面的前面还是后面（利用向量点积）；</a:t>
-            </a:r>
-          </a:p>
-          <a:p>
-            <a:pPr marL="514350" lvl="0" indent="-514350">
-              <a:buFont typeface="+mj-lt"/>
-              <a:buAutoNum type="arabicPeriod"/>
-            </a:pPr>
-            <a:r>
-              <a:rPr lang="zh-CN" altLang="zh-CN" dirty="0"/>
-              <a:t>遍历较远侧的子树，输出多边形；</a:t>
-            </a:r>
-          </a:p>
-          <a:p>
-            <a:pPr marL="514350" lvl="0" indent="-514350">
-              <a:buFont typeface="+mj-lt"/>
-              <a:buAutoNum type="arabicPeriod"/>
-            </a:pPr>
-            <a:r>
-              <a:rPr lang="zh-CN" altLang="zh-CN" dirty="0"/>
-              <a:t>遍历较近侧的子树，输出多边形；</a:t>
-            </a:r>
-          </a:p>
-          <a:p>
-            <a:r>
-              <a:rPr lang="zh-CN" altLang="zh-CN" dirty="0"/>
-              <a:t>通过这样的一个递归输出过程就能够很容易的实现隐藏面剔除。</a:t>
+              <a:t>树绝对不能有任何多边形与相邻</a:t>
+            </a:r>
+            <a:r>
+              <a:rPr lang="en-US" altLang="zh-CN" dirty="0"/>
+              <a:t>BSP</a:t>
+            </a:r>
+            <a:r>
+              <a:rPr lang="zh-CN" altLang="zh-CN" dirty="0"/>
+              <a:t>叶子节点</a:t>
+            </a:r>
+            <a:r>
+              <a:rPr lang="zh-CN" altLang="zh-CN" dirty="0" smtClean="0"/>
+              <a:t>重叠</a:t>
+            </a:r>
+            <a:endParaRPr lang="en-US" altLang="zh-CN" dirty="0" smtClean="0"/>
+          </a:p>
+          <a:p>
+            <a:r>
+              <a:rPr lang="zh-CN" altLang="zh-CN" dirty="0" smtClean="0"/>
+              <a:t>也就是说</a:t>
+            </a:r>
+            <a:r>
+              <a:rPr lang="zh-CN" altLang="zh-CN" dirty="0"/>
+              <a:t>，</a:t>
+            </a:r>
+            <a:r>
+              <a:rPr lang="en-US" altLang="zh-CN" dirty="0"/>
+              <a:t>BSP</a:t>
+            </a:r>
+            <a:r>
+              <a:rPr lang="zh-CN" altLang="zh-CN" dirty="0"/>
+              <a:t>树中的所有多边形都必须进行分割，这样每个多边形就可以归类为一个，且只能是一个叶子</a:t>
+            </a:r>
+            <a:r>
+              <a:rPr lang="zh-CN" altLang="zh-CN" dirty="0" smtClean="0"/>
+              <a:t>节点</a:t>
+            </a:r>
+            <a:endParaRPr lang="en-US" altLang="zh-CN" dirty="0" smtClean="0"/>
+          </a:p>
+          <a:p>
+            <a:r>
+              <a:rPr lang="zh-CN" altLang="zh-CN" dirty="0" smtClean="0"/>
+              <a:t>多边形</a:t>
+            </a:r>
+            <a:r>
+              <a:rPr lang="zh-CN" altLang="zh-CN" dirty="0"/>
+              <a:t>的分割工作在</a:t>
+            </a:r>
+            <a:r>
+              <a:rPr lang="en-US" altLang="zh-CN" dirty="0"/>
+              <a:t>BSP</a:t>
+            </a:r>
+            <a:r>
+              <a:rPr lang="zh-CN" altLang="zh-CN" dirty="0"/>
+              <a:t>树的时间复杂度和对内存容量的需求方面，增加了</a:t>
+            </a:r>
+            <a:r>
+              <a:rPr lang="en-US" altLang="zh-CN" dirty="0"/>
+              <a:t>BSP</a:t>
+            </a:r>
+            <a:r>
+              <a:rPr lang="zh-CN" altLang="zh-CN" dirty="0"/>
+              <a:t>算法的</a:t>
+            </a:r>
+            <a:r>
+              <a:rPr lang="zh-CN" altLang="zh-CN" dirty="0" smtClean="0"/>
+              <a:t>开销</a:t>
+            </a:r>
+            <a:endParaRPr lang="en-US" altLang="zh-CN" dirty="0" smtClean="0"/>
+          </a:p>
+          <a:p>
+            <a:r>
+              <a:rPr lang="zh-CN" altLang="zh-CN" dirty="0" smtClean="0"/>
+              <a:t>一</a:t>
+            </a:r>
+            <a:r>
+              <a:rPr lang="zh-CN" altLang="zh-CN" dirty="0"/>
+              <a:t>个好的</a:t>
+            </a:r>
+            <a:r>
+              <a:rPr lang="en-US" altLang="zh-CN" dirty="0"/>
+              <a:t>BSP</a:t>
+            </a:r>
+            <a:r>
+              <a:rPr lang="zh-CN" altLang="zh-CN" dirty="0"/>
+              <a:t>树必须要避免这些额外的开销，方法就是选择合适的分割平面，使多边形分割的次数最小化。</a:t>
             </a:r>
           </a:p>
           <a:p>
@@ -9245,13 +10832,20 @@
     </p:spTree>
     <p:extLst>
       <p:ext uri="{BB962C8B-B14F-4D97-AF65-F5344CB8AC3E}">
-        <p14:creationId xmlns:p14="http://schemas.microsoft.com/office/powerpoint/2010/main" val="77542534"/>
+        <p14:creationId xmlns:p14="http://schemas.microsoft.com/office/powerpoint/2010/main" val="1953541524"/>
       </p:ext>
     </p:extLst>
   </p:cSld>
   <p:clrMapOvr>
     <a:masterClrMapping/>
   </p:clrMapOvr>
+  <p:timing>
+    <p:tnLst>
+      <p:par>
+        <p:cTn id="1" dur="indefinite" restart="never" nodeType="tmRoot"/>
+      </p:par>
+    </p:tnLst>
+  </p:timing>
 </p:sld>
 </file>
 
@@ -9284,55 +10878,37 @@
         </p:nvSpPr>
         <p:spPr/>
         <p:txBody>
+          <a:bodyPr/>
+          <a:lstStyle/>
+          <a:p>
+            <a:endParaRPr lang="zh-CN" altLang="en-US"/>
+          </a:p>
+        </p:txBody>
+      </p:sp>
+      <p:sp>
+        <p:nvSpPr>
+          <p:cNvPr id="3" name="内容占位符 2"/>
+          <p:cNvSpPr>
+            <a:spLocks noGrp="1"/>
+          </p:cNvSpPr>
+          <p:nvPr>
+            <p:ph idx="1"/>
+          </p:nvPr>
+        </p:nvSpPr>
+        <p:spPr/>
+        <p:txBody>
           <a:bodyPr>
-            <a:normAutofit/>
+            <a:normAutofit fontScale="85000" lnSpcReduction="20000"/>
           </a:bodyPr>
           <a:lstStyle/>
           <a:p>
             <a:r>
-              <a:rPr lang="en-US" altLang="zh-CN" b="1" dirty="0"/>
-              <a:t>K-D</a:t>
-            </a:r>
-            <a:r>
-              <a:rPr lang="zh-CN" altLang="zh-CN" b="1" dirty="0" smtClean="0"/>
-              <a:t>树</a:t>
-            </a:r>
-            <a:endParaRPr lang="zh-CN" altLang="en-US" dirty="0"/>
-          </a:p>
-        </p:txBody>
-      </p:sp>
-      <p:sp>
-        <p:nvSpPr>
-          <p:cNvPr id="3" name="内容占位符 2"/>
-          <p:cNvSpPr>
-            <a:spLocks noGrp="1"/>
-          </p:cNvSpPr>
-          <p:nvPr>
-            <p:ph idx="1"/>
-          </p:nvPr>
-        </p:nvSpPr>
-        <p:spPr/>
-        <p:txBody>
-          <a:bodyPr>
-            <a:normAutofit fontScale="77500" lnSpcReduction="20000"/>
-          </a:bodyPr>
-          <a:lstStyle/>
-          <a:p>
-            <a:r>
-              <a:rPr lang="en-US" altLang="zh-CN" dirty="0" smtClean="0"/>
-              <a:t>K-D</a:t>
-            </a:r>
-            <a:r>
-              <a:rPr lang="zh-CN" altLang="zh-CN" dirty="0"/>
-              <a:t>（</a:t>
-            </a:r>
-            <a:r>
-              <a:rPr lang="en-US" altLang="zh-CN" dirty="0"/>
-              <a:t>K-Dimensional</a:t>
-            </a:r>
-            <a:r>
-              <a:rPr lang="zh-CN" altLang="zh-CN" dirty="0"/>
-              <a:t>）树是</a:t>
+              <a:rPr lang="zh-CN" altLang="zh-CN" b="1" dirty="0"/>
+              <a:t>平衡：</a:t>
+            </a:r>
+            <a:r>
+              <a:rPr lang="zh-CN" altLang="zh-CN" dirty="0"/>
+              <a:t>“平衡”意味着每个</a:t>
             </a:r>
             <a:r>
               <a:rPr lang="en-US" altLang="zh-CN" dirty="0"/>
@@ -9340,87 +10916,85 @@
             </a:r>
             <a:r>
               <a:rPr lang="zh-CN" altLang="zh-CN" dirty="0"/>
-              <a:t>树的扩展，主要用于加速光线跟踪和碰撞检测的</a:t>
+              <a:t>节点的</a:t>
+            </a:r>
+            <a:r>
+              <a:rPr lang="en-US" altLang="zh-CN" dirty="0"/>
+              <a:t>2</a:t>
+            </a:r>
+            <a:r>
+              <a:rPr lang="zh-CN" altLang="zh-CN" dirty="0"/>
+              <a:t>个子节点（前部子节点和后部子节点）上的多边形数量大致</a:t>
             </a:r>
             <a:r>
               <a:rPr lang="zh-CN" altLang="zh-CN" dirty="0" smtClean="0"/>
-              <a:t>遍历过程</a:t>
+              <a:t>相等</a:t>
             </a:r>
             <a:endParaRPr lang="en-US" altLang="zh-CN" dirty="0" smtClean="0"/>
           </a:p>
           <a:p>
             <a:r>
-              <a:rPr lang="en-US" altLang="zh-CN" dirty="0" smtClean="0"/>
-              <a:t>K-D</a:t>
-            </a:r>
-            <a:r>
-              <a:rPr lang="zh-CN" altLang="zh-CN" dirty="0"/>
-              <a:t>树是现在最常见，也是效率最高的加速结构</a:t>
-            </a:r>
-            <a:r>
               <a:rPr lang="zh-CN" altLang="zh-CN" dirty="0" smtClean="0"/>
-              <a:t>之一</a:t>
-            </a:r>
-            <a:endParaRPr lang="en-US" altLang="zh-CN" dirty="0" smtClean="0"/>
-          </a:p>
-          <a:p>
-            <a:r>
-              <a:rPr lang="zh-CN" altLang="zh-CN" dirty="0" smtClean="0"/>
-              <a:t>最</a:t>
-            </a:r>
-            <a:r>
-              <a:rPr lang="zh-CN" altLang="zh-CN" dirty="0"/>
-              <a:t>简单的</a:t>
+              <a:t>良好</a:t>
+            </a:r>
+            <a:r>
+              <a:rPr lang="zh-CN" altLang="zh-CN" dirty="0"/>
+              <a:t>的平衡性可以确保以平均相同的步数来遍历</a:t>
             </a:r>
             <a:r>
               <a:rPr lang="en-US" altLang="zh-CN" dirty="0"/>
               <a:t>BSP</a:t>
             </a:r>
             <a:r>
-              <a:rPr lang="zh-CN" altLang="zh-CN" dirty="0"/>
-              <a:t>树以各个元素的大小关系作为分割点，而</a:t>
+              <a:rPr lang="zh-CN" altLang="zh-CN" dirty="0" smtClean="0"/>
+              <a:t>树</a:t>
+            </a:r>
+            <a:endParaRPr lang="en-US" altLang="zh-CN" dirty="0" smtClean="0"/>
+          </a:p>
+          <a:p>
+            <a:r>
+              <a:rPr lang="zh-CN" altLang="zh-CN" dirty="0" smtClean="0"/>
+              <a:t>不平衡</a:t>
+            </a:r>
+            <a:r>
+              <a:rPr lang="zh-CN" altLang="zh-CN" dirty="0"/>
+              <a:t>的</a:t>
             </a:r>
             <a:r>
               <a:rPr lang="en-US" altLang="zh-CN" dirty="0"/>
-              <a:t> K-D </a:t>
-            </a:r>
-            <a:r>
-              <a:rPr lang="zh-CN" altLang="zh-CN" dirty="0"/>
-              <a:t>树则是从数据中选择一个“维度”构造一个超平面对数据集进行</a:t>
+              <a:t>BSP</a:t>
+            </a:r>
+            <a:r>
+              <a:rPr lang="zh-CN" altLang="zh-CN" dirty="0"/>
+              <a:t>树是不可靠的，因为有些较长的分支会比其他较短的分支长几十或几百倍，从而使得访问时间差异性较大，从而变得极</a:t>
             </a:r>
             <a:r>
               <a:rPr lang="zh-CN" altLang="zh-CN" dirty="0" smtClean="0"/>
-              <a:t>分割</a:t>
+              <a:t>不可靠</a:t>
             </a:r>
             <a:endParaRPr lang="en-US" altLang="zh-CN" dirty="0" smtClean="0"/>
           </a:p>
           <a:p>
             <a:r>
               <a:rPr lang="zh-CN" altLang="zh-CN" dirty="0" smtClean="0"/>
-              <a:t>一</a:t>
-            </a:r>
-            <a:r>
-              <a:rPr lang="zh-CN" altLang="zh-CN" dirty="0"/>
-              <a:t>棵好的</a:t>
+              <a:t>根据</a:t>
+            </a:r>
+            <a:r>
+              <a:rPr lang="zh-CN" altLang="zh-CN" dirty="0"/>
+              <a:t>应用情况不同，还有其他很多评判</a:t>
             </a:r>
             <a:r>
               <a:rPr lang="en-US" altLang="zh-CN" dirty="0"/>
-              <a:t>K-D</a:t>
-            </a:r>
-            <a:r>
-              <a:rPr lang="zh-CN" altLang="zh-CN" dirty="0"/>
-              <a:t>树可以有很好的优化效果，它的缺点是不适合动态场景，如果场景发生变化，一般需要重构整个</a:t>
-            </a:r>
-            <a:r>
-              <a:rPr lang="en-US" altLang="zh-CN" dirty="0"/>
-              <a:t>K-D</a:t>
-            </a:r>
-            <a:r>
-              <a:rPr lang="zh-CN" altLang="zh-CN" dirty="0"/>
-              <a:t>树。 </a:t>
-            </a:r>
-          </a:p>
-          <a:p>
+              <a:t>BSP</a:t>
+            </a:r>
+            <a:r>
+              <a:rPr lang="zh-CN" altLang="zh-CN" dirty="0"/>
+              <a:t>的</a:t>
+            </a:r>
+            <a:r>
+              <a:rPr lang="zh-CN" altLang="zh-CN" dirty="0" smtClean="0"/>
+              <a:t>标准</a:t>
+            </a:r>
             <a:endParaRPr lang="zh-CN" altLang="en-US" dirty="0"/>
           </a:p>
         </p:txBody>
@@ -9428,13 +11002,20 @@
     </p:spTree>
     <p:extLst>
       <p:ext uri="{BB962C8B-B14F-4D97-AF65-F5344CB8AC3E}">
-        <p14:creationId xmlns:p14="http://schemas.microsoft.com/office/powerpoint/2010/main" val="3990844909"/>
+        <p14:creationId xmlns:p14="http://schemas.microsoft.com/office/powerpoint/2010/main" val="2366972352"/>
       </p:ext>
     </p:extLst>
   </p:cSld>
   <p:clrMapOvr>
     <a:masterClrMapping/>
   </p:clrMapOvr>
+  <p:timing>
+    <p:tnLst>
+      <p:par>
+        <p:cTn id="1" dur="indefinite" restart="never" nodeType="tmRoot"/>
+      </p:par>
+    </p:tnLst>
+  </p:timing>
 </p:sld>
 </file>
 
@@ -9533,6 +11114,13 @@
   <p:clrMapOvr>
     <a:masterClrMapping/>
   </p:clrMapOvr>
+  <p:timing>
+    <p:tnLst>
+      <p:par>
+        <p:cTn id="1" dur="indefinite" restart="never" nodeType="tmRoot"/>
+      </p:par>
+    </p:tnLst>
+  </p:timing>
 </p:sld>
 </file>
 
@@ -9590,6 +11178,333 @@
           <a:lstStyle/>
           <a:p>
             <a:r>
+              <a:rPr lang="zh-CN" altLang="zh-CN" dirty="0"/>
+              <a:t>渲染一个三维</a:t>
+            </a:r>
+            <a:r>
+              <a:rPr lang="en-US" altLang="zh-CN" dirty="0"/>
+              <a:t>BSP</a:t>
+            </a:r>
+            <a:r>
+              <a:rPr lang="zh-CN" altLang="zh-CN" dirty="0"/>
+              <a:t>场景相对比较容易，可以采用经典画家算法。其步骤如下：</a:t>
+            </a:r>
+          </a:p>
+          <a:p>
+            <a:pPr marL="514350" lvl="0" indent="-514350">
+              <a:buFont typeface="+mj-lt"/>
+              <a:buAutoNum type="arabicPeriod"/>
+            </a:pPr>
+            <a:r>
+              <a:rPr lang="zh-CN" altLang="zh-CN" dirty="0"/>
+              <a:t>在视点坐标系中进行二叉树遍历；</a:t>
+            </a:r>
+          </a:p>
+          <a:p>
+            <a:pPr marL="514350" lvl="0" indent="-514350">
+              <a:buFont typeface="+mj-lt"/>
+              <a:buAutoNum type="arabicPeriod"/>
+            </a:pPr>
+            <a:r>
+              <a:rPr lang="zh-CN" altLang="zh-CN" dirty="0"/>
+              <a:t>在每个树节点处，确定当前视点在该节点所包含的分割面的前面还是后面（利用向量点积）；</a:t>
+            </a:r>
+          </a:p>
+          <a:p>
+            <a:pPr marL="514350" lvl="0" indent="-514350">
+              <a:buFont typeface="+mj-lt"/>
+              <a:buAutoNum type="arabicPeriod"/>
+            </a:pPr>
+            <a:r>
+              <a:rPr lang="zh-CN" altLang="zh-CN" dirty="0"/>
+              <a:t>遍历较远侧的子树，输出多边形；</a:t>
+            </a:r>
+          </a:p>
+          <a:p>
+            <a:pPr marL="514350" lvl="0" indent="-514350">
+              <a:buFont typeface="+mj-lt"/>
+              <a:buAutoNum type="arabicPeriod"/>
+            </a:pPr>
+            <a:r>
+              <a:rPr lang="zh-CN" altLang="zh-CN" dirty="0"/>
+              <a:t>遍历较近侧的子树，输出多边形；</a:t>
+            </a:r>
+          </a:p>
+          <a:p>
+            <a:r>
+              <a:rPr lang="zh-CN" altLang="zh-CN" dirty="0"/>
+              <a:t>通过这样的一个递归输出过程就能够很容易的实现隐藏面剔除。</a:t>
+            </a:r>
+          </a:p>
+          <a:p>
+            <a:endParaRPr lang="zh-CN" altLang="en-US" dirty="0"/>
+          </a:p>
+        </p:txBody>
+      </p:sp>
+    </p:spTree>
+    <p:extLst>
+      <p:ext uri="{BB962C8B-B14F-4D97-AF65-F5344CB8AC3E}">
+        <p14:creationId xmlns:p14="http://schemas.microsoft.com/office/powerpoint/2010/main" val="77542534"/>
+      </p:ext>
+    </p:extLst>
+  </p:cSld>
+  <p:clrMapOvr>
+    <a:masterClrMapping/>
+  </p:clrMapOvr>
+  <p:timing>
+    <p:tnLst>
+      <p:par>
+        <p:cTn id="1" dur="indefinite" restart="never" nodeType="tmRoot"/>
+      </p:par>
+    </p:tnLst>
+  </p:timing>
+</p:sld>
+</file>
+
+<file path=ppt/slides/slide41.xml><?xml version="1.0" encoding="utf-8"?>
+<p:sld xmlns:a="http://schemas.openxmlformats.org/drawingml/2006/main" xmlns:r="http://schemas.openxmlformats.org/officeDocument/2006/relationships" xmlns:p="http://schemas.openxmlformats.org/presentationml/2006/main">
+  <p:cSld>
+    <p:spTree>
+      <p:nvGrpSpPr>
+        <p:cNvPr id="1" name=""/>
+        <p:cNvGrpSpPr/>
+        <p:nvPr/>
+      </p:nvGrpSpPr>
+      <p:grpSpPr>
+        <a:xfrm>
+          <a:off x="0" y="0"/>
+          <a:ext cx="0" cy="0"/>
+          <a:chOff x="0" y="0"/>
+          <a:chExt cx="0" cy="0"/>
+        </a:xfrm>
+      </p:grpSpPr>
+      <p:sp>
+        <p:nvSpPr>
+          <p:cNvPr id="2" name="标题 1"/>
+          <p:cNvSpPr>
+            <a:spLocks noGrp="1"/>
+          </p:cNvSpPr>
+          <p:nvPr>
+            <p:ph type="title"/>
+          </p:nvPr>
+        </p:nvSpPr>
+        <p:spPr/>
+        <p:txBody>
+          <a:bodyPr>
+            <a:normAutofit/>
+          </a:bodyPr>
+          <a:lstStyle/>
+          <a:p>
+            <a:r>
+              <a:rPr lang="en-US" altLang="zh-CN" b="1" dirty="0"/>
+              <a:t>K-D</a:t>
+            </a:r>
+            <a:r>
+              <a:rPr lang="zh-CN" altLang="zh-CN" b="1" dirty="0" smtClean="0"/>
+              <a:t>树</a:t>
+            </a:r>
+            <a:endParaRPr lang="zh-CN" altLang="en-US" dirty="0"/>
+          </a:p>
+        </p:txBody>
+      </p:sp>
+      <p:sp>
+        <p:nvSpPr>
+          <p:cNvPr id="3" name="内容占位符 2"/>
+          <p:cNvSpPr>
+            <a:spLocks noGrp="1"/>
+          </p:cNvSpPr>
+          <p:nvPr>
+            <p:ph idx="1"/>
+          </p:nvPr>
+        </p:nvSpPr>
+        <p:spPr/>
+        <p:txBody>
+          <a:bodyPr>
+            <a:normAutofit fontScale="77500" lnSpcReduction="20000"/>
+          </a:bodyPr>
+          <a:lstStyle/>
+          <a:p>
+            <a:r>
+              <a:rPr lang="en-US" altLang="zh-CN" dirty="0" smtClean="0"/>
+              <a:t>K-D</a:t>
+            </a:r>
+            <a:r>
+              <a:rPr lang="zh-CN" altLang="zh-CN" dirty="0"/>
+              <a:t>（</a:t>
+            </a:r>
+            <a:r>
+              <a:rPr lang="en-US" altLang="zh-CN" dirty="0"/>
+              <a:t>K-Dimensional</a:t>
+            </a:r>
+            <a:r>
+              <a:rPr lang="zh-CN" altLang="zh-CN" dirty="0"/>
+              <a:t>）树是</a:t>
+            </a:r>
+            <a:r>
+              <a:rPr lang="en-US" altLang="zh-CN" dirty="0"/>
+              <a:t>BSP</a:t>
+            </a:r>
+            <a:r>
+              <a:rPr lang="zh-CN" altLang="zh-CN" dirty="0"/>
+              <a:t>树的扩展，主要用于加速光线跟踪和碰撞检测的</a:t>
+            </a:r>
+            <a:r>
+              <a:rPr lang="zh-CN" altLang="zh-CN" dirty="0" smtClean="0"/>
+              <a:t>遍历过程</a:t>
+            </a:r>
+            <a:endParaRPr lang="en-US" altLang="zh-CN" dirty="0" smtClean="0"/>
+          </a:p>
+          <a:p>
+            <a:r>
+              <a:rPr lang="en-US" altLang="zh-CN" dirty="0" smtClean="0"/>
+              <a:t>K-D</a:t>
+            </a:r>
+            <a:r>
+              <a:rPr lang="zh-CN" altLang="zh-CN" dirty="0"/>
+              <a:t>树是现在最常见，也是效率最高的加速结构</a:t>
+            </a:r>
+            <a:r>
+              <a:rPr lang="zh-CN" altLang="zh-CN" dirty="0" smtClean="0"/>
+              <a:t>之一</a:t>
+            </a:r>
+            <a:endParaRPr lang="en-US" altLang="zh-CN" dirty="0" smtClean="0"/>
+          </a:p>
+          <a:p>
+            <a:r>
+              <a:rPr lang="zh-CN" altLang="zh-CN" dirty="0" smtClean="0"/>
+              <a:t>最</a:t>
+            </a:r>
+            <a:r>
+              <a:rPr lang="zh-CN" altLang="zh-CN" dirty="0"/>
+              <a:t>简单的</a:t>
+            </a:r>
+            <a:r>
+              <a:rPr lang="en-US" altLang="zh-CN" dirty="0"/>
+              <a:t>BSP</a:t>
+            </a:r>
+            <a:r>
+              <a:rPr lang="zh-CN" altLang="zh-CN" dirty="0"/>
+              <a:t>树以各个元素的大小关系作为分割点，而</a:t>
+            </a:r>
+            <a:r>
+              <a:rPr lang="en-US" altLang="zh-CN" dirty="0"/>
+              <a:t> K-D </a:t>
+            </a:r>
+            <a:r>
+              <a:rPr lang="zh-CN" altLang="zh-CN" dirty="0"/>
+              <a:t>树则是从数据中选择一个“维度”构造一个超平面对数据集进行</a:t>
+            </a:r>
+            <a:r>
+              <a:rPr lang="zh-CN" altLang="zh-CN" dirty="0" smtClean="0"/>
+              <a:t>分割</a:t>
+            </a:r>
+            <a:endParaRPr lang="en-US" altLang="zh-CN" dirty="0" smtClean="0"/>
+          </a:p>
+          <a:p>
+            <a:r>
+              <a:rPr lang="zh-CN" altLang="zh-CN" dirty="0" smtClean="0"/>
+              <a:t>一</a:t>
+            </a:r>
+            <a:r>
+              <a:rPr lang="zh-CN" altLang="zh-CN" dirty="0"/>
+              <a:t>棵好的</a:t>
+            </a:r>
+            <a:r>
+              <a:rPr lang="en-US" altLang="zh-CN" dirty="0"/>
+              <a:t>K-D</a:t>
+            </a:r>
+            <a:r>
+              <a:rPr lang="zh-CN" altLang="zh-CN" dirty="0"/>
+              <a:t>树可以有很好的优化效果，它的缺点是不适合动态场景，如果场景发生变化，一般需要重构整个</a:t>
+            </a:r>
+            <a:r>
+              <a:rPr lang="en-US" altLang="zh-CN" dirty="0"/>
+              <a:t>K-D</a:t>
+            </a:r>
+            <a:r>
+              <a:rPr lang="zh-CN" altLang="zh-CN" dirty="0"/>
+              <a:t>树。 </a:t>
+            </a:r>
+          </a:p>
+          <a:p>
+            <a:endParaRPr lang="zh-CN" altLang="en-US" dirty="0"/>
+          </a:p>
+        </p:txBody>
+      </p:sp>
+    </p:spTree>
+    <p:extLst>
+      <p:ext uri="{BB962C8B-B14F-4D97-AF65-F5344CB8AC3E}">
+        <p14:creationId xmlns:p14="http://schemas.microsoft.com/office/powerpoint/2010/main" val="3990844909"/>
+      </p:ext>
+    </p:extLst>
+  </p:cSld>
+  <p:clrMapOvr>
+    <a:masterClrMapping/>
+  </p:clrMapOvr>
+  <p:timing>
+    <p:tnLst>
+      <p:par>
+        <p:cTn id="1" dur="indefinite" restart="never" nodeType="tmRoot"/>
+      </p:par>
+    </p:tnLst>
+  </p:timing>
+</p:sld>
+</file>
+
+<file path=ppt/slides/slide42.xml><?xml version="1.0" encoding="utf-8"?>
+<p:sld xmlns:a="http://schemas.openxmlformats.org/drawingml/2006/main" xmlns:r="http://schemas.openxmlformats.org/officeDocument/2006/relationships" xmlns:p="http://schemas.openxmlformats.org/presentationml/2006/main">
+  <p:cSld>
+    <p:spTree>
+      <p:nvGrpSpPr>
+        <p:cNvPr id="1" name=""/>
+        <p:cNvGrpSpPr/>
+        <p:nvPr/>
+      </p:nvGrpSpPr>
+      <p:grpSpPr>
+        <a:xfrm>
+          <a:off x="0" y="0"/>
+          <a:ext cx="0" cy="0"/>
+          <a:chOff x="0" y="0"/>
+          <a:chExt cx="0" cy="0"/>
+        </a:xfrm>
+      </p:grpSpPr>
+      <p:sp>
+        <p:nvSpPr>
+          <p:cNvPr id="2" name="标题 1"/>
+          <p:cNvSpPr>
+            <a:spLocks noGrp="1"/>
+          </p:cNvSpPr>
+          <p:nvPr>
+            <p:ph type="title"/>
+          </p:nvPr>
+        </p:nvSpPr>
+        <p:spPr/>
+        <p:txBody>
+          <a:bodyPr/>
+          <a:lstStyle/>
+          <a:p>
+            <a:endParaRPr lang="zh-CN" altLang="en-US"/>
+          </a:p>
+        </p:txBody>
+      </p:sp>
+      <p:sp>
+        <p:nvSpPr>
+          <p:cNvPr id="3" name="内容占位符 2"/>
+          <p:cNvSpPr>
+            <a:spLocks noGrp="1"/>
+          </p:cNvSpPr>
+          <p:nvPr>
+            <p:ph idx="1"/>
+          </p:nvPr>
+        </p:nvSpPr>
+        <p:spPr/>
+        <p:txBody>
+          <a:bodyPr>
+            <a:normAutofit fontScale="77500" lnSpcReduction="20000"/>
+          </a:bodyPr>
+          <a:lstStyle/>
+          <a:p>
+            <a:r>
               <a:rPr lang="en-US" altLang="zh-CN" dirty="0"/>
               <a:t>K-D</a:t>
             </a:r>
@@ -9711,10 +11626,17 @@
   <p:clrMapOvr>
     <a:masterClrMapping/>
   </p:clrMapOvr>
+  <p:timing>
+    <p:tnLst>
+      <p:par>
+        <p:cTn id="1" dur="indefinite" restart="never" nodeType="tmRoot"/>
+      </p:par>
+    </p:tnLst>
+  </p:timing>
 </p:sld>
 </file>
 
-<file path=ppt/slides/slide41.xml><?xml version="1.0" encoding="utf-8"?>
+<file path=ppt/slides/slide43.xml><?xml version="1.0" encoding="utf-8"?>
 <p:sld xmlns:a="http://schemas.openxmlformats.org/drawingml/2006/main" xmlns:r="http://schemas.openxmlformats.org/officeDocument/2006/relationships" xmlns:p="http://schemas.openxmlformats.org/presentationml/2006/main">
   <p:cSld>
     <p:spTree>
@@ -9841,10 +11763,17 @@
   <p:clrMapOvr>
     <a:masterClrMapping/>
   </p:clrMapOvr>
+  <p:timing>
+    <p:tnLst>
+      <p:par>
+        <p:cTn id="1" dur="indefinite" restart="never" nodeType="tmRoot"/>
+      </p:par>
+    </p:tnLst>
+  </p:timing>
 </p:sld>
 </file>
 
-<file path=ppt/slides/slide42.xml><?xml version="1.0" encoding="utf-8"?>
+<file path=ppt/slides/slide44.xml><?xml version="1.0" encoding="utf-8"?>
 <p:sld xmlns:a="http://schemas.openxmlformats.org/drawingml/2006/main" xmlns:r="http://schemas.openxmlformats.org/officeDocument/2006/relationships" xmlns:p="http://schemas.openxmlformats.org/presentationml/2006/main">
   <p:cSld>
     <p:spTree>
@@ -9950,10 +11879,17 @@
   <p:clrMapOvr>
     <a:masterClrMapping/>
   </p:clrMapOvr>
+  <p:timing>
+    <p:tnLst>
+      <p:par>
+        <p:cTn id="1" dur="indefinite" restart="never" nodeType="tmRoot"/>
+      </p:par>
+    </p:tnLst>
+  </p:timing>
 </p:sld>
 </file>
 
-<file path=ppt/slides/slide43.xml><?xml version="1.0" encoding="utf-8"?>
+<file path=ppt/slides/slide45.xml><?xml version="1.0" encoding="utf-8"?>
 <p:sld xmlns:a="http://schemas.openxmlformats.org/drawingml/2006/main" xmlns:r="http://schemas.openxmlformats.org/officeDocument/2006/relationships" xmlns:p="http://schemas.openxmlformats.org/presentationml/2006/main">
   <p:cSld>
     <p:spTree>
@@ -10088,10 +12024,17 @@
   <p:clrMapOvr>
     <a:masterClrMapping/>
   </p:clrMapOvr>
+  <p:timing>
+    <p:tnLst>
+      <p:par>
+        <p:cTn id="1" dur="indefinite" restart="never" nodeType="tmRoot"/>
+      </p:par>
+    </p:tnLst>
+  </p:timing>
 </p:sld>
 </file>
 
-<file path=ppt/slides/slide44.xml><?xml version="1.0" encoding="utf-8"?>
+<file path=ppt/slides/slide46.xml><?xml version="1.0" encoding="utf-8"?>
 <p:sld xmlns:a="http://schemas.openxmlformats.org/drawingml/2006/main" xmlns:r="http://schemas.openxmlformats.org/officeDocument/2006/relationships" xmlns:p="http://schemas.openxmlformats.org/presentationml/2006/main">
   <p:cSld>
     <p:spTree>
@@ -10220,10 +12163,17 @@
   <p:clrMapOvr>
     <a:masterClrMapping/>
   </p:clrMapOvr>
+  <p:timing>
+    <p:tnLst>
+      <p:par>
+        <p:cTn id="1" dur="indefinite" restart="never" nodeType="tmRoot"/>
+      </p:par>
+    </p:tnLst>
+  </p:timing>
 </p:sld>
 </file>
 
-<file path=ppt/slides/slide45.xml><?xml version="1.0" encoding="utf-8"?>
+<file path=ppt/slides/slide47.xml><?xml version="1.0" encoding="utf-8"?>
 <p:sld xmlns:a="http://schemas.openxmlformats.org/drawingml/2006/main" xmlns:r="http://schemas.openxmlformats.org/officeDocument/2006/relationships" xmlns:p="http://schemas.openxmlformats.org/presentationml/2006/main">
   <p:cSld>
     <p:spTree>
@@ -10349,10 +12299,17 @@
   <p:clrMapOvr>
     <a:masterClrMapping/>
   </p:clrMapOvr>
+  <p:timing>
+    <p:tnLst>
+      <p:par>
+        <p:cTn id="1" dur="indefinite" restart="never" nodeType="tmRoot"/>
+      </p:par>
+    </p:tnLst>
+  </p:timing>
 </p:sld>
 </file>
 
-<file path=ppt/slides/slide46.xml><?xml version="1.0" encoding="utf-8"?>
+<file path=ppt/slides/slide48.xml><?xml version="1.0" encoding="utf-8"?>
 <p:sld xmlns:a="http://schemas.openxmlformats.org/drawingml/2006/main" xmlns:r="http://schemas.openxmlformats.org/officeDocument/2006/relationships" xmlns:p="http://schemas.openxmlformats.org/presentationml/2006/main">
   <p:cSld>
     <p:spTree>
@@ -10481,10 +12438,17 @@
   <p:clrMapOvr>
     <a:masterClrMapping/>
   </p:clrMapOvr>
+  <p:timing>
+    <p:tnLst>
+      <p:par>
+        <p:cTn id="1" dur="indefinite" restart="never" nodeType="tmRoot"/>
+      </p:par>
+    </p:tnLst>
+  </p:timing>
 </p:sld>
 </file>
 
-<file path=ppt/slides/slide47.xml><?xml version="1.0" encoding="utf-8"?>
+<file path=ppt/slides/slide49.xml><?xml version="1.0" encoding="utf-8"?>
 <p:sld xmlns:a="http://schemas.openxmlformats.org/drawingml/2006/main" xmlns:r="http://schemas.openxmlformats.org/officeDocument/2006/relationships" xmlns:p="http://schemas.openxmlformats.org/presentationml/2006/main">
   <p:cSld>
     <p:spTree>
@@ -10601,10 +12565,17 @@
   <p:clrMapOvr>
     <a:masterClrMapping/>
   </p:clrMapOvr>
+  <p:timing>
+    <p:tnLst>
+      <p:par>
+        <p:cTn id="1" dur="indefinite" restart="never" nodeType="tmRoot"/>
+      </p:par>
+    </p:tnLst>
+  </p:timing>
 </p:sld>
 </file>
 
-<file path=ppt/slides/slide48.xml><?xml version="1.0" encoding="utf-8"?>
+<file path=ppt/slides/slide5.xml><?xml version="1.0" encoding="utf-8"?>
 <p:sld xmlns:a="http://schemas.openxmlformats.org/drawingml/2006/main" xmlns:r="http://schemas.openxmlformats.org/officeDocument/2006/relationships" xmlns:p="http://schemas.openxmlformats.org/presentationml/2006/main">
   <p:cSld>
     <p:spTree>
@@ -10653,6 +12624,104 @@
         <p:spPr/>
         <p:txBody>
           <a:bodyPr>
+            <a:normAutofit fontScale="92500" lnSpcReduction="20000"/>
+          </a:bodyPr>
+          <a:lstStyle/>
+          <a:p>
+            <a:r>
+              <a:rPr lang="zh-CN" altLang="zh-CN" dirty="0"/>
+              <a:t>在三维游戏场景的绘制中，往往追求用最少的处理器时间和内存耗费创造出最有视觉冲击力的艺术效果，能否保证实时且高质量的画面显示是游戏图形开发的关键</a:t>
+            </a:r>
+            <a:r>
+              <a:rPr lang="zh-CN" altLang="zh-CN" dirty="0" smtClean="0"/>
+              <a:t>之一</a:t>
+            </a:r>
+            <a:endParaRPr lang="en-US" altLang="zh-CN" dirty="0" smtClean="0"/>
+          </a:p>
+          <a:p>
+            <a:r>
+              <a:rPr lang="zh-CN" altLang="zh-CN" dirty="0" smtClean="0"/>
+              <a:t>对于</a:t>
+            </a:r>
+            <a:r>
+              <a:rPr lang="zh-CN" altLang="zh-CN" dirty="0"/>
+              <a:t>高度复杂的场景，简单的图形硬件加速已经不能满足游戏日益复杂场景的实时绘制的需求，因而必须设计高效的数据结构和算法来加速复杂场景的渲染。</a:t>
+            </a:r>
+          </a:p>
+          <a:p>
+            <a:endParaRPr lang="zh-CN" altLang="en-US" dirty="0"/>
+          </a:p>
+        </p:txBody>
+      </p:sp>
+    </p:spTree>
+    <p:extLst>
+      <p:ext uri="{BB962C8B-B14F-4D97-AF65-F5344CB8AC3E}">
+        <p14:creationId xmlns:p14="http://schemas.microsoft.com/office/powerpoint/2010/main" val="4068550719"/>
+      </p:ext>
+    </p:extLst>
+  </p:cSld>
+  <p:clrMapOvr>
+    <a:masterClrMapping/>
+  </p:clrMapOvr>
+  <p:timing>
+    <p:tnLst>
+      <p:par>
+        <p:cTn id="1" dur="indefinite" restart="never" nodeType="tmRoot"/>
+      </p:par>
+    </p:tnLst>
+  </p:timing>
+</p:sld>
+</file>
+
+<file path=ppt/slides/slide50.xml><?xml version="1.0" encoding="utf-8"?>
+<p:sld xmlns:a="http://schemas.openxmlformats.org/drawingml/2006/main" xmlns:r="http://schemas.openxmlformats.org/officeDocument/2006/relationships" xmlns:p="http://schemas.openxmlformats.org/presentationml/2006/main">
+  <p:cSld>
+    <p:spTree>
+      <p:nvGrpSpPr>
+        <p:cNvPr id="1" name=""/>
+        <p:cNvGrpSpPr/>
+        <p:nvPr/>
+      </p:nvGrpSpPr>
+      <p:grpSpPr>
+        <a:xfrm>
+          <a:off x="0" y="0"/>
+          <a:ext cx="0" cy="0"/>
+          <a:chOff x="0" y="0"/>
+          <a:chExt cx="0" cy="0"/>
+        </a:xfrm>
+      </p:grpSpPr>
+      <p:sp>
+        <p:nvSpPr>
+          <p:cNvPr id="2" name="标题 1"/>
+          <p:cNvSpPr>
+            <a:spLocks noGrp="1"/>
+          </p:cNvSpPr>
+          <p:nvPr>
+            <p:ph type="title"/>
+          </p:nvPr>
+        </p:nvSpPr>
+        <p:spPr/>
+        <p:txBody>
+          <a:bodyPr/>
+          <a:lstStyle/>
+          <a:p>
+            <a:endParaRPr lang="zh-CN" altLang="en-US"/>
+          </a:p>
+        </p:txBody>
+      </p:sp>
+      <p:sp>
+        <p:nvSpPr>
+          <p:cNvPr id="3" name="内容占位符 2"/>
+          <p:cNvSpPr>
+            <a:spLocks noGrp="1"/>
+          </p:cNvSpPr>
+          <p:nvPr>
+            <p:ph idx="1"/>
+          </p:nvPr>
+        </p:nvSpPr>
+        <p:spPr/>
+        <p:txBody>
+          <a:bodyPr>
             <a:normAutofit fontScale="47500" lnSpcReduction="20000"/>
           </a:bodyPr>
           <a:lstStyle/>
@@ -10709,10 +12778,17 @@
   <p:clrMapOvr>
     <a:masterClrMapping/>
   </p:clrMapOvr>
+  <p:timing>
+    <p:tnLst>
+      <p:par>
+        <p:cTn id="1" dur="indefinite" restart="never" nodeType="tmRoot"/>
+      </p:par>
+    </p:tnLst>
+  </p:timing>
 </p:sld>
 </file>
 
-<file path=ppt/slides/slide49.xml><?xml version="1.0" encoding="utf-8"?>
+<file path=ppt/slides/slide51.xml><?xml version="1.0" encoding="utf-8"?>
 <p:sld xmlns:a="http://schemas.openxmlformats.org/drawingml/2006/main" xmlns:r="http://schemas.openxmlformats.org/officeDocument/2006/relationships" xmlns:p="http://schemas.openxmlformats.org/presentationml/2006/main">
   <p:cSld>
     <p:spTree>
@@ -10951,101 +13027,17 @@
   <p:clrMapOvr>
     <a:masterClrMapping/>
   </p:clrMapOvr>
+  <p:timing>
+    <p:tnLst>
+      <p:par>
+        <p:cTn id="1" dur="indefinite" restart="never" nodeType="tmRoot"/>
+      </p:par>
+    </p:tnLst>
+  </p:timing>
 </p:sld>
 </file>
 
-<file path=ppt/slides/slide5.xml><?xml version="1.0" encoding="utf-8"?>
-<p:sld xmlns:a="http://schemas.openxmlformats.org/drawingml/2006/main" xmlns:r="http://schemas.openxmlformats.org/officeDocument/2006/relationships" xmlns:p="http://schemas.openxmlformats.org/presentationml/2006/main">
-  <p:cSld>
-    <p:spTree>
-      <p:nvGrpSpPr>
-        <p:cNvPr id="1" name=""/>
-        <p:cNvGrpSpPr/>
-        <p:nvPr/>
-      </p:nvGrpSpPr>
-      <p:grpSpPr>
-        <a:xfrm>
-          <a:off x="0" y="0"/>
-          <a:ext cx="0" cy="0"/>
-          <a:chOff x="0" y="0"/>
-          <a:chExt cx="0" cy="0"/>
-        </a:xfrm>
-      </p:grpSpPr>
-      <p:sp>
-        <p:nvSpPr>
-          <p:cNvPr id="2" name="标题 1"/>
-          <p:cNvSpPr>
-            <a:spLocks noGrp="1"/>
-          </p:cNvSpPr>
-          <p:nvPr>
-            <p:ph type="title"/>
-          </p:nvPr>
-        </p:nvSpPr>
-        <p:spPr/>
-        <p:txBody>
-          <a:bodyPr/>
-          <a:lstStyle/>
-          <a:p>
-            <a:endParaRPr lang="zh-CN" altLang="en-US"/>
-          </a:p>
-        </p:txBody>
-      </p:sp>
-      <p:sp>
-        <p:nvSpPr>
-          <p:cNvPr id="3" name="内容占位符 2"/>
-          <p:cNvSpPr>
-            <a:spLocks noGrp="1"/>
-          </p:cNvSpPr>
-          <p:nvPr>
-            <p:ph idx="1"/>
-          </p:nvPr>
-        </p:nvSpPr>
-        <p:spPr/>
-        <p:txBody>
-          <a:bodyPr>
-            <a:normAutofit fontScale="92500" lnSpcReduction="20000"/>
-          </a:bodyPr>
-          <a:lstStyle/>
-          <a:p>
-            <a:r>
-              <a:rPr lang="zh-CN" altLang="zh-CN" dirty="0"/>
-              <a:t>在三维游戏场景的绘制中，往往追求用最少的处理器时间和内存耗费创造出最有视觉冲击力的艺术效果，能否保证实时且高质量的画面显示是游戏图形开发的关键</a:t>
-            </a:r>
-            <a:r>
-              <a:rPr lang="zh-CN" altLang="zh-CN" dirty="0" smtClean="0"/>
-              <a:t>之一</a:t>
-            </a:r>
-            <a:endParaRPr lang="en-US" altLang="zh-CN" dirty="0" smtClean="0"/>
-          </a:p>
-          <a:p>
-            <a:r>
-              <a:rPr lang="zh-CN" altLang="zh-CN" dirty="0" smtClean="0"/>
-              <a:t>对于</a:t>
-            </a:r>
-            <a:r>
-              <a:rPr lang="zh-CN" altLang="zh-CN" dirty="0"/>
-              <a:t>高度复杂的场景，简单的图形硬件加速已经不能满足游戏日益复杂场景的实时绘制的需求，因而必须设计高效的数据结构和算法来加速复杂场景的渲染。</a:t>
-            </a:r>
-          </a:p>
-          <a:p>
-            <a:endParaRPr lang="zh-CN" altLang="en-US" dirty="0"/>
-          </a:p>
-        </p:txBody>
-      </p:sp>
-    </p:spTree>
-    <p:extLst>
-      <p:ext uri="{BB962C8B-B14F-4D97-AF65-F5344CB8AC3E}">
-        <p14:creationId xmlns:p14="http://schemas.microsoft.com/office/powerpoint/2010/main" val="4068550719"/>
-      </p:ext>
-    </p:extLst>
-  </p:cSld>
-  <p:clrMapOvr>
-    <a:masterClrMapping/>
-  </p:clrMapOvr>
-</p:sld>
-</file>
-
-<file path=ppt/slides/slide50.xml><?xml version="1.0" encoding="utf-8"?>
+<file path=ppt/slides/slide52.xml><?xml version="1.0" encoding="utf-8"?>
 <p:sld xmlns:a="http://schemas.openxmlformats.org/drawingml/2006/main" xmlns:r="http://schemas.openxmlformats.org/officeDocument/2006/relationships" xmlns:p="http://schemas.openxmlformats.org/presentationml/2006/main">
   <p:cSld>
     <p:spTree>
@@ -11174,10 +13166,17 @@
   <p:clrMapOvr>
     <a:masterClrMapping/>
   </p:clrMapOvr>
+  <p:timing>
+    <p:tnLst>
+      <p:par>
+        <p:cTn id="1" dur="indefinite" restart="never" nodeType="tmRoot"/>
+      </p:par>
+    </p:tnLst>
+  </p:timing>
 </p:sld>
 </file>
 
-<file path=ppt/slides/slide51.xml><?xml version="1.0" encoding="utf-8"?>
+<file path=ppt/slides/slide53.xml><?xml version="1.0" encoding="utf-8"?>
 <p:sld xmlns:a="http://schemas.openxmlformats.org/drawingml/2006/main" xmlns:r="http://schemas.openxmlformats.org/officeDocument/2006/relationships" xmlns:p="http://schemas.openxmlformats.org/presentationml/2006/main">
   <p:cSld>
     <p:spTree>
@@ -11265,10 +13264,17 @@
   <p:clrMapOvr>
     <a:masterClrMapping/>
   </p:clrMapOvr>
+  <p:timing>
+    <p:tnLst>
+      <p:par>
+        <p:cTn id="1" dur="indefinite" restart="never" nodeType="tmRoot"/>
+      </p:par>
+    </p:tnLst>
+  </p:timing>
 </p:sld>
 </file>
 
-<file path=ppt/slides/slide52.xml><?xml version="1.0" encoding="utf-8"?>
+<file path=ppt/slides/slide54.xml><?xml version="1.0" encoding="utf-8"?>
 <p:sld xmlns:a="http://schemas.openxmlformats.org/drawingml/2006/main" xmlns:r="http://schemas.openxmlformats.org/officeDocument/2006/relationships" xmlns:p="http://schemas.openxmlformats.org/presentationml/2006/main">
   <p:cSld>
     <p:spTree>
@@ -11397,243 +13403,13 @@
   <p:clrMapOvr>
     <a:masterClrMapping/>
   </p:clrMapOvr>
-</p:sld>
-</file>
-
-<file path=ppt/slides/slide53.xml><?xml version="1.0" encoding="utf-8"?>
-<p:sld xmlns:a="http://schemas.openxmlformats.org/drawingml/2006/main" xmlns:r="http://schemas.openxmlformats.org/officeDocument/2006/relationships" xmlns:p="http://schemas.openxmlformats.org/presentationml/2006/main">
-  <p:cSld>
-    <p:spTree>
-      <p:nvGrpSpPr>
-        <p:cNvPr id="1" name=""/>
-        <p:cNvGrpSpPr/>
-        <p:nvPr/>
-      </p:nvGrpSpPr>
-      <p:grpSpPr>
-        <a:xfrm>
-          <a:off x="0" y="0"/>
-          <a:ext cx="0" cy="0"/>
-          <a:chOff x="0" y="0"/>
-          <a:chExt cx="0" cy="0"/>
-        </a:xfrm>
-      </p:grpSpPr>
-      <p:sp>
-        <p:nvSpPr>
-          <p:cNvPr id="2" name="标题 1"/>
-          <p:cNvSpPr>
-            <a:spLocks noGrp="1"/>
-          </p:cNvSpPr>
-          <p:nvPr>
-            <p:ph type="title"/>
-          </p:nvPr>
-        </p:nvSpPr>
-        <p:spPr/>
-        <p:txBody>
-          <a:bodyPr>
-            <a:normAutofit/>
-          </a:bodyPr>
-          <a:lstStyle/>
-          <a:p>
-            <a:r>
-              <a:rPr lang="zh-CN" altLang="zh-CN" b="1" dirty="0"/>
-              <a:t>遮挡</a:t>
-            </a:r>
-            <a:r>
-              <a:rPr lang="zh-CN" altLang="zh-CN" b="1" dirty="0" smtClean="0"/>
-              <a:t>剔除</a:t>
-            </a:r>
-            <a:endParaRPr lang="zh-CN" altLang="en-US" dirty="0"/>
-          </a:p>
-        </p:txBody>
-      </p:sp>
-      <p:sp>
-        <p:nvSpPr>
-          <p:cNvPr id="3" name="内容占位符 2"/>
-          <p:cNvSpPr>
-            <a:spLocks noGrp="1"/>
-          </p:cNvSpPr>
-          <p:nvPr>
-            <p:ph idx="1"/>
-          </p:nvPr>
-        </p:nvSpPr>
-        <p:spPr/>
-        <p:txBody>
-          <a:bodyPr>
-            <a:normAutofit lnSpcReduction="10000"/>
-          </a:bodyPr>
-          <a:lstStyle/>
-          <a:p>
-            <a:r>
-              <a:rPr lang="zh-CN" altLang="zh-CN" dirty="0" smtClean="0"/>
-              <a:t>遮挡</a:t>
-            </a:r>
-            <a:r>
-              <a:rPr lang="zh-CN" altLang="zh-CN" dirty="0"/>
-              <a:t>剔除</a:t>
-            </a:r>
-            <a:r>
-              <a:rPr lang="en-US" altLang="zh-CN" dirty="0"/>
-              <a:t>(Occlusion Culling)</a:t>
-            </a:r>
-            <a:r>
-              <a:rPr lang="zh-CN" altLang="zh-CN" dirty="0"/>
-              <a:t>其实分成几何空间和像素空间两类，像素空间里的遮挡剔除如广为使用的深度缓冲技术</a:t>
-            </a:r>
-            <a:r>
-              <a:rPr lang="en-US" altLang="zh-CN" dirty="0"/>
-              <a:t>(Z-Buffer</a:t>
-            </a:r>
-            <a:r>
-              <a:rPr lang="en-US" altLang="zh-CN" dirty="0" smtClean="0"/>
-              <a:t>)</a:t>
-            </a:r>
-          </a:p>
-          <a:p>
-            <a:r>
-              <a:rPr lang="zh-CN" altLang="zh-CN" dirty="0" smtClean="0"/>
-              <a:t>不过</a:t>
-            </a:r>
-            <a:r>
-              <a:rPr lang="zh-CN" altLang="zh-CN" dirty="0"/>
-              <a:t>大部分情况下都是指的是几何空间里的遮挡剔除，即通过检测多个几何体或者几何面片相互之间的遮挡关系，以避免不必要的绘制耗费。</a:t>
-            </a:r>
-          </a:p>
-          <a:p>
-            <a:endParaRPr lang="zh-CN" altLang="en-US" dirty="0"/>
-          </a:p>
-        </p:txBody>
-      </p:sp>
-    </p:spTree>
-    <p:extLst>
-      <p:ext uri="{BB962C8B-B14F-4D97-AF65-F5344CB8AC3E}">
-        <p14:creationId xmlns:p14="http://schemas.microsoft.com/office/powerpoint/2010/main" val="2219235572"/>
-      </p:ext>
-    </p:extLst>
-  </p:cSld>
-  <p:clrMapOvr>
-    <a:masterClrMapping/>
-  </p:clrMapOvr>
-</p:sld>
-</file>
-
-<file path=ppt/slides/slide54.xml><?xml version="1.0" encoding="utf-8"?>
-<p:sld xmlns:a="http://schemas.openxmlformats.org/drawingml/2006/main" xmlns:r="http://schemas.openxmlformats.org/officeDocument/2006/relationships" xmlns:p="http://schemas.openxmlformats.org/presentationml/2006/main">
-  <p:cSld>
-    <p:spTree>
-      <p:nvGrpSpPr>
-        <p:cNvPr id="1" name=""/>
-        <p:cNvGrpSpPr/>
-        <p:nvPr/>
-      </p:nvGrpSpPr>
-      <p:grpSpPr>
-        <a:xfrm>
-          <a:off x="0" y="0"/>
-          <a:ext cx="0" cy="0"/>
-          <a:chOff x="0" y="0"/>
-          <a:chExt cx="0" cy="0"/>
-        </a:xfrm>
-      </p:grpSpPr>
-      <p:sp>
-        <p:nvSpPr>
-          <p:cNvPr id="2" name="标题 1"/>
-          <p:cNvSpPr>
-            <a:spLocks noGrp="1"/>
-          </p:cNvSpPr>
-          <p:nvPr>
-            <p:ph type="title"/>
-          </p:nvPr>
-        </p:nvSpPr>
-        <p:spPr/>
-        <p:txBody>
-          <a:bodyPr/>
-          <a:lstStyle/>
-          <a:p>
-            <a:endParaRPr lang="zh-CN" altLang="en-US"/>
-          </a:p>
-        </p:txBody>
-      </p:sp>
-      <p:sp>
-        <p:nvSpPr>
-          <p:cNvPr id="3" name="内容占位符 2"/>
-          <p:cNvSpPr>
-            <a:spLocks noGrp="1"/>
-          </p:cNvSpPr>
-          <p:nvPr>
-            <p:ph idx="1"/>
-          </p:nvPr>
-        </p:nvSpPr>
-        <p:spPr/>
-        <p:txBody>
-          <a:bodyPr>
-            <a:normAutofit fontScale="85000" lnSpcReduction="10000"/>
-          </a:bodyPr>
-          <a:lstStyle/>
-          <a:p>
-            <a:r>
-              <a:rPr lang="zh-CN" altLang="zh-CN" dirty="0"/>
-              <a:t>遮挡剔除大致可分为两</a:t>
-            </a:r>
-            <a:r>
-              <a:rPr lang="zh-CN" altLang="zh-CN" dirty="0" smtClean="0"/>
-              <a:t>类</a:t>
-            </a:r>
-            <a:endParaRPr lang="en-US" altLang="zh-CN" dirty="0" smtClean="0"/>
-          </a:p>
-          <a:p>
-            <a:r>
-              <a:rPr lang="zh-CN" altLang="zh-CN" dirty="0" smtClean="0"/>
-              <a:t>针对</a:t>
-            </a:r>
-            <a:r>
-              <a:rPr lang="zh-CN" altLang="zh-CN" dirty="0"/>
-              <a:t>视点的遮挡剔除和针对视点单元区域的遮挡</a:t>
-            </a:r>
-            <a:r>
-              <a:rPr lang="zh-CN" altLang="zh-CN" dirty="0" smtClean="0"/>
-              <a:t>剔除</a:t>
-            </a:r>
-            <a:endParaRPr lang="en-US" altLang="zh-CN" dirty="0" smtClean="0"/>
-          </a:p>
-          <a:p>
-            <a:r>
-              <a:rPr lang="zh-CN" altLang="zh-CN" dirty="0" smtClean="0"/>
-              <a:t>前者</a:t>
-            </a:r>
-            <a:r>
-              <a:rPr lang="zh-CN" altLang="zh-CN" dirty="0"/>
-              <a:t>判断两个物体之间相对于一个视点而言的遮挡</a:t>
-            </a:r>
-            <a:r>
-              <a:rPr lang="zh-CN" altLang="zh-CN" dirty="0" smtClean="0"/>
-              <a:t>关系</a:t>
-            </a:r>
-            <a:endParaRPr lang="en-US" altLang="zh-CN" dirty="0" smtClean="0"/>
-          </a:p>
-          <a:p>
-            <a:r>
-              <a:rPr lang="zh-CN" altLang="zh-CN" dirty="0" smtClean="0"/>
-              <a:t>后者</a:t>
-            </a:r>
-            <a:r>
-              <a:rPr lang="zh-CN" altLang="zh-CN" dirty="0"/>
-              <a:t>则判断两者间相对于一个连通区域（即所谓视点单元区域）的遮挡关系，即判断针对某区域的任一视点位置，这两个物体之间的遮挡关系是固定的。</a:t>
-            </a:r>
-          </a:p>
-          <a:p>
-            <a:endParaRPr lang="zh-CN" altLang="en-US" dirty="0"/>
-          </a:p>
-        </p:txBody>
-      </p:sp>
-    </p:spTree>
-    <p:extLst>
-      <p:ext uri="{BB962C8B-B14F-4D97-AF65-F5344CB8AC3E}">
-        <p14:creationId xmlns:p14="http://schemas.microsoft.com/office/powerpoint/2010/main" val="3246864007"/>
-      </p:ext>
-    </p:extLst>
-  </p:cSld>
-  <p:clrMapOvr>
-    <a:masterClrMapping/>
-  </p:clrMapOvr>
+  <p:timing>
+    <p:tnLst>
+      <p:par>
+        <p:cTn id="1" dur="indefinite" restart="never" nodeType="tmRoot"/>
+      </p:par>
+    </p:tnLst>
+  </p:timing>
 </p:sld>
 </file>
 
@@ -11666,10 +13442,20 @@
         </p:nvSpPr>
         <p:spPr/>
         <p:txBody>
-          <a:bodyPr/>
-          <a:lstStyle/>
-          <a:p>
-            <a:endParaRPr lang="zh-CN" altLang="en-US"/>
+          <a:bodyPr>
+            <a:normAutofit/>
+          </a:bodyPr>
+          <a:lstStyle/>
+          <a:p>
+            <a:r>
+              <a:rPr lang="zh-CN" altLang="zh-CN" b="1" dirty="0"/>
+              <a:t>遮挡</a:t>
+            </a:r>
+            <a:r>
+              <a:rPr lang="zh-CN" altLang="zh-CN" b="1" dirty="0" smtClean="0"/>
+              <a:t>剔除</a:t>
+            </a:r>
+            <a:endParaRPr lang="zh-CN" altLang="en-US" dirty="0"/>
           </a:p>
         </p:txBody>
       </p:sp>
@@ -11686,71 +13472,43 @@
         <p:spPr/>
         <p:txBody>
           <a:bodyPr>
-            <a:normAutofit fontScale="77500" lnSpcReduction="20000"/>
+            <a:normAutofit lnSpcReduction="10000"/>
           </a:bodyPr>
           <a:lstStyle/>
           <a:p>
             <a:r>
-              <a:rPr lang="zh-CN" altLang="en-US" dirty="0"/>
-              <a:t>假设场景中有</a:t>
+              <a:rPr lang="zh-CN" altLang="zh-CN" dirty="0" smtClean="0"/>
+              <a:t>遮挡</a:t>
+            </a:r>
+            <a:r>
+              <a:rPr lang="zh-CN" altLang="zh-CN" dirty="0"/>
+              <a:t>剔除</a:t>
             </a:r>
             <a:r>
               <a:rPr lang="en-US" altLang="zh-CN" dirty="0"/>
-              <a:t>n</a:t>
-            </a:r>
-            <a:r>
-              <a:rPr lang="zh-CN" altLang="en-US" dirty="0"/>
-              <a:t>个物体，将其中一个物体与其余</a:t>
+              <a:t>(Occlusion Culling)</a:t>
+            </a:r>
+            <a:r>
+              <a:rPr lang="zh-CN" altLang="zh-CN" dirty="0"/>
+              <a:t>其实分成几何空间和像素空间两类，像素空间里的遮挡剔除如广为使用的深度缓冲技术</a:t>
             </a:r>
             <a:r>
               <a:rPr lang="en-US" altLang="zh-CN" dirty="0"/>
-              <a:t>n-1</a:t>
-            </a:r>
-            <a:r>
-              <a:rPr lang="zh-CN" altLang="en-US" dirty="0"/>
-              <a:t>个物体逐一比较，仅显示它可见表面以达到消隐的目的。最简单的思路可以用算法描述如下：</a:t>
-            </a:r>
-          </a:p>
-          <a:p>
-            <a:r>
-              <a:rPr lang="en-US" altLang="zh-CN" dirty="0"/>
-              <a:t>for(</a:t>
-            </a:r>
-            <a:r>
-              <a:rPr lang="zh-CN" altLang="en-US" dirty="0"/>
-              <a:t>场景中的每一个物体</a:t>
-            </a:r>
-            <a:r>
-              <a:rPr lang="en-US" altLang="zh-CN" dirty="0"/>
+              <a:t>(Z-Buffer</a:t>
+            </a:r>
+            <a:r>
+              <a:rPr lang="en-US" altLang="zh-CN" dirty="0" smtClean="0"/>
               <a:t>)</a:t>
             </a:r>
           </a:p>
           <a:p>
             <a:r>
-              <a:rPr lang="en-US" altLang="zh-CN" dirty="0"/>
-              <a:t>{</a:t>
-            </a:r>
-          </a:p>
-          <a:p>
-            <a:r>
-              <a:rPr lang="en-US" altLang="zh-CN" dirty="0"/>
-              <a:t>    </a:t>
-            </a:r>
-            <a:r>
-              <a:rPr lang="zh-CN" altLang="en-US" dirty="0"/>
-              <a:t>将该物体与场景中的其他物体进行比较，确定其表面的可见部分； </a:t>
-            </a:r>
-          </a:p>
-          <a:p>
-            <a:r>
-              <a:rPr lang="zh-CN" altLang="en-US" dirty="0"/>
-              <a:t>    显示该物体表面的可见部分；</a:t>
-            </a:r>
-          </a:p>
-          <a:p>
-            <a:r>
-              <a:rPr lang="en-US" altLang="zh-CN" dirty="0"/>
-              <a:t>}</a:t>
+              <a:rPr lang="zh-CN" altLang="zh-CN" dirty="0" smtClean="0"/>
+              <a:t>不过</a:t>
+            </a:r>
+            <a:r>
+              <a:rPr lang="zh-CN" altLang="zh-CN" dirty="0"/>
+              <a:t>大部分情况下都是指的是几何空间里的遮挡剔除，即通过检测多个几何体或者几何面片相互之间的遮挡关系，以避免不必要的绘制耗费。</a:t>
             </a:r>
           </a:p>
           <a:p>
@@ -11761,13 +13519,20 @@
     </p:spTree>
     <p:extLst>
       <p:ext uri="{BB962C8B-B14F-4D97-AF65-F5344CB8AC3E}">
-        <p14:creationId xmlns:p14="http://schemas.microsoft.com/office/powerpoint/2010/main" val="3163667318"/>
+        <p14:creationId xmlns:p14="http://schemas.microsoft.com/office/powerpoint/2010/main" val="2219235572"/>
       </p:ext>
     </p:extLst>
   </p:cSld>
   <p:clrMapOvr>
     <a:masterClrMapping/>
   </p:clrMapOvr>
+  <p:timing>
+    <p:tnLst>
+      <p:par>
+        <p:cTn id="1" dur="indefinite" restart="never" nodeType="tmRoot"/>
+      </p:par>
+    </p:tnLst>
+  </p:timing>
 </p:sld>
 </file>
 
@@ -11820,89 +13585,58 @@
         <p:spPr/>
         <p:txBody>
           <a:bodyPr>
-            <a:normAutofit fontScale="55000" lnSpcReduction="20000"/>
+            <a:normAutofit fontScale="85000" lnSpcReduction="10000"/>
           </a:bodyPr>
           <a:lstStyle/>
           <a:p>
             <a:r>
-              <a:rPr lang="zh-CN" altLang="en-US" dirty="0"/>
-              <a:t>该方法的特点是算法精度高，与显示器的分辨率无关。但该算法的算法复杂度为</a:t>
-            </a:r>
-            <a:r>
-              <a:rPr lang="en-US" altLang="zh-CN" dirty="0"/>
-              <a:t>O(n^2)</a:t>
-            </a:r>
-            <a:r>
-              <a:rPr lang="zh-CN" altLang="en-US" dirty="0"/>
-              <a:t>，即场景中每一个物体都要和场景中的其他的物体进行排序比较。可见该算法效率比较低下，不适合实时性要求高的游戏</a:t>
-            </a:r>
-            <a:r>
-              <a:rPr lang="zh-CN" altLang="en-US" dirty="0" smtClean="0"/>
-              <a:t>中</a:t>
+              <a:rPr lang="zh-CN" altLang="zh-CN" dirty="0"/>
+              <a:t>遮挡剔除大致可分为两</a:t>
+            </a:r>
+            <a:r>
+              <a:rPr lang="zh-CN" altLang="zh-CN" dirty="0" smtClean="0"/>
+              <a:t>类</a:t>
             </a:r>
             <a:endParaRPr lang="en-US" altLang="zh-CN" dirty="0" smtClean="0"/>
           </a:p>
           <a:p>
             <a:r>
-              <a:rPr lang="zh-CN" altLang="en-US" dirty="0" smtClean="0"/>
-              <a:t>因此</a:t>
-            </a:r>
-            <a:r>
-              <a:rPr lang="zh-CN" altLang="en-US" dirty="0"/>
-              <a:t>有着各种优化的算法以提升剔除效率。如一种思路就是利用遮挡替代物，即通过形状简单的几何来代替要检测的复杂模型，从而可减少可见性判定的计算</a:t>
-            </a:r>
-            <a:r>
-              <a:rPr lang="zh-CN" altLang="en-US" dirty="0" smtClean="0"/>
-              <a:t>量</a:t>
+              <a:rPr lang="zh-CN" altLang="zh-CN" dirty="0" smtClean="0"/>
+              <a:t>针对</a:t>
+            </a:r>
+            <a:r>
+              <a:rPr lang="zh-CN" altLang="zh-CN" dirty="0"/>
+              <a:t>视点的遮挡剔除和针对视点单元区域的遮挡</a:t>
+            </a:r>
+            <a:r>
+              <a:rPr lang="zh-CN" altLang="zh-CN" dirty="0" smtClean="0"/>
+              <a:t>剔除</a:t>
             </a:r>
             <a:endParaRPr lang="en-US" altLang="zh-CN" dirty="0" smtClean="0"/>
           </a:p>
           <a:p>
             <a:r>
-              <a:rPr lang="zh-CN" altLang="en-US" dirty="0" smtClean="0"/>
-              <a:t>另外</a:t>
-            </a:r>
-            <a:r>
-              <a:rPr lang="zh-CN" altLang="en-US" dirty="0"/>
-              <a:t>一个思路就是目前</a:t>
-            </a:r>
-            <a:r>
-              <a:rPr lang="en-US" altLang="zh-CN" dirty="0"/>
-              <a:t>OpenGL</a:t>
-            </a:r>
-            <a:r>
-              <a:rPr lang="zh-CN" altLang="en-US" dirty="0"/>
-              <a:t>中提供了遮挡查询</a:t>
-            </a:r>
-            <a:r>
-              <a:rPr lang="en-US" altLang="zh-CN" dirty="0"/>
-              <a:t>(Occlusion Query)</a:t>
-            </a:r>
-            <a:r>
-              <a:rPr lang="zh-CN" altLang="en-US" dirty="0"/>
-              <a:t>的函数，通过该函数只是绘制对应物体的紧凑包围盒到屏幕，然后获得各个物体在屏幕上所占像素的多少，通过</a:t>
-            </a:r>
-            <a:r>
-              <a:rPr lang="en-US" altLang="zh-CN" dirty="0"/>
-              <a:t>GPU</a:t>
-            </a:r>
-            <a:r>
-              <a:rPr lang="zh-CN" altLang="en-US" dirty="0"/>
-              <a:t>硬件加速判断各个物体之间的遮挡关系。</a:t>
-            </a:r>
-          </a:p>
-          <a:p>
-            <a:r>
-              <a:rPr lang="zh-CN" altLang="en-US" dirty="0"/>
-              <a:t>另外游戏中通常还会广泛用到</a:t>
-            </a:r>
-            <a:r>
-              <a:rPr lang="en-US" altLang="zh-CN" dirty="0"/>
-              <a:t>Portal</a:t>
-            </a:r>
-            <a:r>
-              <a:rPr lang="zh-CN" altLang="en-US" dirty="0"/>
-              <a:t>技术，即在室内场景中，由于房间之间的自然隔断，当视点在某一个房间内时，很多其他房间是不可见的，而且这种不可见关系可以事先确定，因此在渲染过程中，通过图遍历可以快速排除很多物体的绘制。</a:t>
+              <a:rPr lang="zh-CN" altLang="zh-CN" dirty="0" smtClean="0"/>
+              <a:t>前者</a:t>
+            </a:r>
+            <a:r>
+              <a:rPr lang="zh-CN" altLang="zh-CN" dirty="0"/>
+              <a:t>判断两个物体之间相对于一个视点而言的遮挡</a:t>
+            </a:r>
+            <a:r>
+              <a:rPr lang="zh-CN" altLang="zh-CN" dirty="0" smtClean="0"/>
+              <a:t>关系</a:t>
+            </a:r>
+            <a:endParaRPr lang="en-US" altLang="zh-CN" dirty="0" smtClean="0"/>
+          </a:p>
+          <a:p>
+            <a:r>
+              <a:rPr lang="zh-CN" altLang="zh-CN" dirty="0" smtClean="0"/>
+              <a:t>后者</a:t>
+            </a:r>
+            <a:r>
+              <a:rPr lang="zh-CN" altLang="zh-CN" dirty="0"/>
+              <a:t>则判断两者间相对于一个连通区域（即所谓视点单元区域）的遮挡关系，即判断针对某区域的任一视点位置，这两个物体之间的遮挡关系是固定的。</a:t>
             </a:r>
           </a:p>
           <a:p>
@@ -11913,13 +13647,20 @@
     </p:spTree>
     <p:extLst>
       <p:ext uri="{BB962C8B-B14F-4D97-AF65-F5344CB8AC3E}">
-        <p14:creationId xmlns:p14="http://schemas.microsoft.com/office/powerpoint/2010/main" val="2209762070"/>
+        <p14:creationId xmlns:p14="http://schemas.microsoft.com/office/powerpoint/2010/main" val="3246864007"/>
       </p:ext>
     </p:extLst>
   </p:cSld>
   <p:clrMapOvr>
     <a:masterClrMapping/>
   </p:clrMapOvr>
+  <p:timing>
+    <p:tnLst>
+      <p:par>
+        <p:cTn id="1" dur="indefinite" restart="never" nodeType="tmRoot"/>
+      </p:par>
+    </p:tnLst>
+  </p:timing>
 </p:sld>
 </file>
 
@@ -11952,6 +13693,306 @@
         </p:nvSpPr>
         <p:spPr/>
         <p:txBody>
+          <a:bodyPr/>
+          <a:lstStyle/>
+          <a:p>
+            <a:endParaRPr lang="zh-CN" altLang="en-US"/>
+          </a:p>
+        </p:txBody>
+      </p:sp>
+      <p:sp>
+        <p:nvSpPr>
+          <p:cNvPr id="3" name="内容占位符 2"/>
+          <p:cNvSpPr>
+            <a:spLocks noGrp="1"/>
+          </p:cNvSpPr>
+          <p:nvPr>
+            <p:ph idx="1"/>
+          </p:nvPr>
+        </p:nvSpPr>
+        <p:spPr/>
+        <p:txBody>
+          <a:bodyPr>
+            <a:normAutofit fontScale="77500" lnSpcReduction="20000"/>
+          </a:bodyPr>
+          <a:lstStyle/>
+          <a:p>
+            <a:r>
+              <a:rPr lang="zh-CN" altLang="en-US" dirty="0"/>
+              <a:t>假设场景中有</a:t>
+            </a:r>
+            <a:r>
+              <a:rPr lang="en-US" altLang="zh-CN" dirty="0"/>
+              <a:t>n</a:t>
+            </a:r>
+            <a:r>
+              <a:rPr lang="zh-CN" altLang="en-US" dirty="0"/>
+              <a:t>个物体，将其中一个物体与其余</a:t>
+            </a:r>
+            <a:r>
+              <a:rPr lang="en-US" altLang="zh-CN" dirty="0"/>
+              <a:t>n-1</a:t>
+            </a:r>
+            <a:r>
+              <a:rPr lang="zh-CN" altLang="en-US" dirty="0"/>
+              <a:t>个物体逐一比较，仅显示它可见表面以达到消隐的目的。最简单的思路可以用算法描述如下：</a:t>
+            </a:r>
+          </a:p>
+          <a:p>
+            <a:r>
+              <a:rPr lang="en-US" altLang="zh-CN" dirty="0"/>
+              <a:t>for(</a:t>
+            </a:r>
+            <a:r>
+              <a:rPr lang="zh-CN" altLang="en-US" dirty="0"/>
+              <a:t>场景中的每一个物体</a:t>
+            </a:r>
+            <a:r>
+              <a:rPr lang="en-US" altLang="zh-CN" dirty="0"/>
+              <a:t>)</a:t>
+            </a:r>
+          </a:p>
+          <a:p>
+            <a:r>
+              <a:rPr lang="en-US" altLang="zh-CN" dirty="0"/>
+              <a:t>{</a:t>
+            </a:r>
+          </a:p>
+          <a:p>
+            <a:r>
+              <a:rPr lang="en-US" altLang="zh-CN" dirty="0"/>
+              <a:t>    </a:t>
+            </a:r>
+            <a:r>
+              <a:rPr lang="zh-CN" altLang="en-US" dirty="0"/>
+              <a:t>将该物体与场景中的其他物体进行比较，确定其表面的可见部分； </a:t>
+            </a:r>
+          </a:p>
+          <a:p>
+            <a:r>
+              <a:rPr lang="zh-CN" altLang="en-US" dirty="0"/>
+              <a:t>    显示该物体表面的可见部分；</a:t>
+            </a:r>
+          </a:p>
+          <a:p>
+            <a:r>
+              <a:rPr lang="en-US" altLang="zh-CN" dirty="0"/>
+              <a:t>}</a:t>
+            </a:r>
+          </a:p>
+          <a:p>
+            <a:endParaRPr lang="zh-CN" altLang="en-US" dirty="0"/>
+          </a:p>
+        </p:txBody>
+      </p:sp>
+    </p:spTree>
+    <p:extLst>
+      <p:ext uri="{BB962C8B-B14F-4D97-AF65-F5344CB8AC3E}">
+        <p14:creationId xmlns:p14="http://schemas.microsoft.com/office/powerpoint/2010/main" val="3163667318"/>
+      </p:ext>
+    </p:extLst>
+  </p:cSld>
+  <p:clrMapOvr>
+    <a:masterClrMapping/>
+  </p:clrMapOvr>
+  <p:timing>
+    <p:tnLst>
+      <p:par>
+        <p:cTn id="1" dur="indefinite" restart="never" nodeType="tmRoot"/>
+      </p:par>
+    </p:tnLst>
+  </p:timing>
+</p:sld>
+</file>
+
+<file path=ppt/slides/slide58.xml><?xml version="1.0" encoding="utf-8"?>
+<p:sld xmlns:a="http://schemas.openxmlformats.org/drawingml/2006/main" xmlns:r="http://schemas.openxmlformats.org/officeDocument/2006/relationships" xmlns:p="http://schemas.openxmlformats.org/presentationml/2006/main">
+  <p:cSld>
+    <p:spTree>
+      <p:nvGrpSpPr>
+        <p:cNvPr id="1" name=""/>
+        <p:cNvGrpSpPr/>
+        <p:nvPr/>
+      </p:nvGrpSpPr>
+      <p:grpSpPr>
+        <a:xfrm>
+          <a:off x="0" y="0"/>
+          <a:ext cx="0" cy="0"/>
+          <a:chOff x="0" y="0"/>
+          <a:chExt cx="0" cy="0"/>
+        </a:xfrm>
+      </p:grpSpPr>
+      <p:sp>
+        <p:nvSpPr>
+          <p:cNvPr id="2" name="标题 1"/>
+          <p:cNvSpPr>
+            <a:spLocks noGrp="1"/>
+          </p:cNvSpPr>
+          <p:nvPr>
+            <p:ph type="title"/>
+          </p:nvPr>
+        </p:nvSpPr>
+        <p:spPr/>
+        <p:txBody>
+          <a:bodyPr/>
+          <a:lstStyle/>
+          <a:p>
+            <a:endParaRPr lang="zh-CN" altLang="en-US"/>
+          </a:p>
+        </p:txBody>
+      </p:sp>
+      <p:sp>
+        <p:nvSpPr>
+          <p:cNvPr id="3" name="内容占位符 2"/>
+          <p:cNvSpPr>
+            <a:spLocks noGrp="1"/>
+          </p:cNvSpPr>
+          <p:nvPr>
+            <p:ph idx="1"/>
+          </p:nvPr>
+        </p:nvSpPr>
+        <p:spPr/>
+        <p:txBody>
+          <a:bodyPr>
+            <a:normAutofit fontScale="55000" lnSpcReduction="20000"/>
+          </a:bodyPr>
+          <a:lstStyle/>
+          <a:p>
+            <a:r>
+              <a:rPr lang="zh-CN" altLang="en-US" dirty="0"/>
+              <a:t>该方法的特点是算法精度高，与显示器的分辨率无关。但该算法的算法复杂度为</a:t>
+            </a:r>
+            <a:r>
+              <a:rPr lang="en-US" altLang="zh-CN" dirty="0"/>
+              <a:t>O(n^2)</a:t>
+            </a:r>
+            <a:r>
+              <a:rPr lang="zh-CN" altLang="en-US" dirty="0"/>
+              <a:t>，即场景中每一个物体都要和场景中的其他的物体进行排序比较。可见该算法效率比较低下，不适合实时性要求高的游戏</a:t>
+            </a:r>
+            <a:r>
+              <a:rPr lang="zh-CN" altLang="en-US" dirty="0" smtClean="0"/>
+              <a:t>中</a:t>
+            </a:r>
+            <a:endParaRPr lang="en-US" altLang="zh-CN" dirty="0" smtClean="0"/>
+          </a:p>
+          <a:p>
+            <a:r>
+              <a:rPr lang="zh-CN" altLang="en-US" dirty="0" smtClean="0"/>
+              <a:t>因此</a:t>
+            </a:r>
+            <a:r>
+              <a:rPr lang="zh-CN" altLang="en-US" dirty="0"/>
+              <a:t>有着各种优化的算法以提升剔除效率。如一种思路就是利用遮挡替代物，即通过形状简单的几何来代替要检测的复杂模型，从而可减少可见性判定的计算</a:t>
+            </a:r>
+            <a:r>
+              <a:rPr lang="zh-CN" altLang="en-US" dirty="0" smtClean="0"/>
+              <a:t>量</a:t>
+            </a:r>
+            <a:endParaRPr lang="en-US" altLang="zh-CN" dirty="0" smtClean="0"/>
+          </a:p>
+          <a:p>
+            <a:r>
+              <a:rPr lang="zh-CN" altLang="en-US" dirty="0" smtClean="0"/>
+              <a:t>另外</a:t>
+            </a:r>
+            <a:r>
+              <a:rPr lang="zh-CN" altLang="en-US" dirty="0"/>
+              <a:t>一个思路就是目前</a:t>
+            </a:r>
+            <a:r>
+              <a:rPr lang="en-US" altLang="zh-CN" dirty="0"/>
+              <a:t>OpenGL</a:t>
+            </a:r>
+            <a:r>
+              <a:rPr lang="zh-CN" altLang="en-US" dirty="0"/>
+              <a:t>中提供了遮挡查询</a:t>
+            </a:r>
+            <a:r>
+              <a:rPr lang="en-US" altLang="zh-CN" dirty="0"/>
+              <a:t>(Occlusion Query)</a:t>
+            </a:r>
+            <a:r>
+              <a:rPr lang="zh-CN" altLang="en-US" dirty="0"/>
+              <a:t>的函数，通过该函数只是绘制对应物体的紧凑包围盒到屏幕，然后获得各个物体在屏幕上所占像素的多少，通过</a:t>
+            </a:r>
+            <a:r>
+              <a:rPr lang="en-US" altLang="zh-CN" dirty="0"/>
+              <a:t>GPU</a:t>
+            </a:r>
+            <a:r>
+              <a:rPr lang="zh-CN" altLang="en-US" dirty="0"/>
+              <a:t>硬件加速判断各个物体之间的遮挡关系。</a:t>
+            </a:r>
+          </a:p>
+          <a:p>
+            <a:r>
+              <a:rPr lang="zh-CN" altLang="en-US" dirty="0"/>
+              <a:t>另外游戏中通常还会广泛用到</a:t>
+            </a:r>
+            <a:r>
+              <a:rPr lang="en-US" altLang="zh-CN" dirty="0"/>
+              <a:t>Portal</a:t>
+            </a:r>
+            <a:r>
+              <a:rPr lang="zh-CN" altLang="en-US" dirty="0"/>
+              <a:t>技术，即在室内场景中，由于房间之间的自然隔断，当视点在某一个房间内时，很多其他房间是不可见的，而且这种不可见关系可以事先确定，因此在渲染过程中，通过图遍历可以快速排除很多物体的绘制。</a:t>
+            </a:r>
+          </a:p>
+          <a:p>
+            <a:endParaRPr lang="zh-CN" altLang="en-US" dirty="0"/>
+          </a:p>
+        </p:txBody>
+      </p:sp>
+    </p:spTree>
+    <p:extLst>
+      <p:ext uri="{BB962C8B-B14F-4D97-AF65-F5344CB8AC3E}">
+        <p14:creationId xmlns:p14="http://schemas.microsoft.com/office/powerpoint/2010/main" val="2209762070"/>
+      </p:ext>
+    </p:extLst>
+  </p:cSld>
+  <p:clrMapOvr>
+    <a:masterClrMapping/>
+  </p:clrMapOvr>
+  <p:timing>
+    <p:tnLst>
+      <p:par>
+        <p:cTn id="1" dur="indefinite" restart="never" nodeType="tmRoot"/>
+      </p:par>
+    </p:tnLst>
+  </p:timing>
+</p:sld>
+</file>
+
+<file path=ppt/slides/slide59.xml><?xml version="1.0" encoding="utf-8"?>
+<p:sld xmlns:a="http://schemas.openxmlformats.org/drawingml/2006/main" xmlns:r="http://schemas.openxmlformats.org/officeDocument/2006/relationships" xmlns:p="http://schemas.openxmlformats.org/presentationml/2006/main">
+  <p:cSld>
+    <p:spTree>
+      <p:nvGrpSpPr>
+        <p:cNvPr id="1" name=""/>
+        <p:cNvGrpSpPr/>
+        <p:nvPr/>
+      </p:nvGrpSpPr>
+      <p:grpSpPr>
+        <a:xfrm>
+          <a:off x="0" y="0"/>
+          <a:ext cx="0" cy="0"/>
+          <a:chOff x="0" y="0"/>
+          <a:chExt cx="0" cy="0"/>
+        </a:xfrm>
+      </p:grpSpPr>
+      <p:sp>
+        <p:nvSpPr>
+          <p:cNvPr id="2" name="标题 1"/>
+          <p:cNvSpPr>
+            <a:spLocks noGrp="1"/>
+          </p:cNvSpPr>
+          <p:nvPr>
+            <p:ph type="title"/>
+          </p:nvPr>
+        </p:nvSpPr>
+        <p:spPr/>
+        <p:txBody>
           <a:bodyPr>
             <a:normAutofit/>
           </a:bodyPr>
@@ -12116,10 +14157,136 @@
   <p:clrMapOvr>
     <a:masterClrMapping/>
   </p:clrMapOvr>
+  <p:timing>
+    <p:tnLst>
+      <p:par>
+        <p:cTn id="1" dur="indefinite" restart="never" nodeType="tmRoot"/>
+      </p:par>
+    </p:tnLst>
+  </p:timing>
 </p:sld>
 </file>
 
-<file path=ppt/slides/slide58.xml><?xml version="1.0" encoding="utf-8"?>
+<file path=ppt/slides/slide6.xml><?xml version="1.0" encoding="utf-8"?>
+<p:sld xmlns:a="http://schemas.openxmlformats.org/drawingml/2006/main" xmlns:r="http://schemas.openxmlformats.org/officeDocument/2006/relationships" xmlns:p="http://schemas.openxmlformats.org/presentationml/2006/main">
+  <p:cSld>
+    <p:spTree>
+      <p:nvGrpSpPr>
+        <p:cNvPr id="1" name=""/>
+        <p:cNvGrpSpPr/>
+        <p:nvPr/>
+      </p:nvGrpSpPr>
+      <p:grpSpPr>
+        <a:xfrm>
+          <a:off x="0" y="0"/>
+          <a:ext cx="0" cy="0"/>
+          <a:chOff x="0" y="0"/>
+          <a:chExt cx="0" cy="0"/>
+        </a:xfrm>
+      </p:grpSpPr>
+      <p:sp>
+        <p:nvSpPr>
+          <p:cNvPr id="2" name="标题 1"/>
+          <p:cNvSpPr>
+            <a:spLocks noGrp="1"/>
+          </p:cNvSpPr>
+          <p:nvPr>
+            <p:ph type="title"/>
+          </p:nvPr>
+        </p:nvSpPr>
+        <p:spPr/>
+        <p:txBody>
+          <a:bodyPr/>
+          <a:lstStyle/>
+          <a:p>
+            <a:endParaRPr lang="zh-CN" altLang="en-US"/>
+          </a:p>
+        </p:txBody>
+      </p:sp>
+      <p:sp>
+        <p:nvSpPr>
+          <p:cNvPr id="3" name="内容占位符 2"/>
+          <p:cNvSpPr>
+            <a:spLocks noGrp="1"/>
+          </p:cNvSpPr>
+          <p:nvPr>
+            <p:ph idx="1"/>
+          </p:nvPr>
+        </p:nvSpPr>
+        <p:spPr>
+          <a:xfrm>
+            <a:off x="457200" y="1200150"/>
+            <a:ext cx="8229600" cy="3819871"/>
+          </a:xfrm>
+        </p:spPr>
+        <p:txBody>
+          <a:bodyPr>
+            <a:normAutofit fontScale="55000" lnSpcReduction="20000"/>
+          </a:bodyPr>
+          <a:lstStyle/>
+          <a:p>
+            <a:pPr hangingPunct="0"/>
+            <a:r>
+              <a:rPr lang="zh-CN" altLang="zh-CN" dirty="0"/>
+              <a:t>与计算机图形学中一般的真实感绘制技术不同，渲染效率是游戏引擎的首要考虑因素，游戏引擎会适当降低绘制质量来提高渲染速度。基于这一原则，三维游戏中的图形优化技术大致可以分为三个方面：</a:t>
+            </a:r>
+          </a:p>
+          <a:p>
+            <a:pPr marL="514350" lvl="0" indent="-514350" hangingPunct="0">
+              <a:buFont typeface="+mj-lt"/>
+              <a:buAutoNum type="arabicPeriod"/>
+            </a:pPr>
+            <a:r>
+              <a:rPr lang="zh-CN" altLang="zh-CN" dirty="0"/>
+              <a:t>场景的几何组织与优化。它着重于从几何层面提高绘制效率，即尽可能地减少要绘制的三角形的个数，建立优化的场景表达模型，包括场景多边形网格模型的优化、场景几何组织和绘制状态优化技术、层次细节技术，以及在此基础上的快速可见性判断与消隐技术等。</a:t>
+            </a:r>
+          </a:p>
+          <a:p>
+            <a:pPr marL="514350" lvl="0" indent="-514350" hangingPunct="0">
+              <a:buFont typeface="+mj-lt"/>
+              <a:buAutoNum type="arabicPeriod"/>
+            </a:pPr>
+            <a:r>
+              <a:rPr lang="zh-CN" altLang="zh-CN" dirty="0"/>
+              <a:t>渲染阶段优化。在保证游戏实时绘制速度的前提下，尽可能提高场景的画面真实度，为了达到这一目的，各种高级纹理映射、混合式几何和图像建模与绘制技术、粒子系统、过程式建模和实时光照和阴影技术得到广泛应用。</a:t>
+            </a:r>
+          </a:p>
+          <a:p>
+            <a:pPr marL="514350" lvl="0" indent="-514350" hangingPunct="0">
+              <a:buFont typeface="+mj-lt"/>
+              <a:buAutoNum type="arabicPeriod"/>
+            </a:pPr>
+            <a:r>
+              <a:rPr lang="zh-CN" altLang="zh-CN" dirty="0"/>
+              <a:t>运动的真实感模拟。基于真实物理规律的运动效果模拟，如碰撞检测与碰撞响应、布料变形、流体运动、人体运动等，但这些通常计算量都很大，因此一些过程式或者预设的运动得以应用以避免复杂的计算，如骨骼动画及蒙皮技术等。</a:t>
+            </a:r>
+          </a:p>
+          <a:p>
+            <a:endParaRPr lang="zh-CN" altLang="en-US" dirty="0"/>
+          </a:p>
+        </p:txBody>
+      </p:sp>
+    </p:spTree>
+    <p:extLst>
+      <p:ext uri="{BB962C8B-B14F-4D97-AF65-F5344CB8AC3E}">
+        <p14:creationId xmlns:p14="http://schemas.microsoft.com/office/powerpoint/2010/main" val="919848057"/>
+      </p:ext>
+    </p:extLst>
+  </p:cSld>
+  <p:clrMapOvr>
+    <a:masterClrMapping/>
+  </p:clrMapOvr>
+  <p:timing>
+    <p:tnLst>
+      <p:par>
+        <p:cTn id="1" dur="indefinite" restart="never" nodeType="tmRoot"/>
+      </p:par>
+    </p:tnLst>
+  </p:timing>
+</p:sld>
+</file>
+
+<file path=ppt/slides/slide60.xml><?xml version="1.0" encoding="utf-8"?>
 <p:sld xmlns:a="http://schemas.openxmlformats.org/drawingml/2006/main" xmlns:r="http://schemas.openxmlformats.org/officeDocument/2006/relationships" xmlns:p="http://schemas.openxmlformats.org/presentationml/2006/main">
   <p:cSld>
     <p:spTree>
@@ -12248,390 +14415,13 @@
   <p:clrMapOvr>
     <a:masterClrMapping/>
   </p:clrMapOvr>
-</p:sld>
-</file>
-
-<file path=ppt/slides/slide59.xml><?xml version="1.0" encoding="utf-8"?>
-<p:sld xmlns:a="http://schemas.openxmlformats.org/drawingml/2006/main" xmlns:r="http://schemas.openxmlformats.org/officeDocument/2006/relationships" xmlns:p="http://schemas.openxmlformats.org/presentationml/2006/main">
-  <p:cSld>
-    <p:spTree>
-      <p:nvGrpSpPr>
-        <p:cNvPr id="1" name=""/>
-        <p:cNvGrpSpPr/>
-        <p:nvPr/>
-      </p:nvGrpSpPr>
-      <p:grpSpPr>
-        <a:xfrm>
-          <a:off x="0" y="0"/>
-          <a:ext cx="0" cy="0"/>
-          <a:chOff x="0" y="0"/>
-          <a:chExt cx="0" cy="0"/>
-        </a:xfrm>
-      </p:grpSpPr>
-      <p:sp>
-        <p:nvSpPr>
-          <p:cNvPr id="2" name="标题 1"/>
-          <p:cNvSpPr>
-            <a:spLocks noGrp="1"/>
-          </p:cNvSpPr>
-          <p:nvPr>
-            <p:ph type="title"/>
-          </p:nvPr>
-        </p:nvSpPr>
-        <p:spPr/>
-        <p:txBody>
-          <a:bodyPr/>
-          <a:lstStyle/>
-          <a:p>
-            <a:endParaRPr lang="zh-CN" altLang="en-US"/>
-          </a:p>
-        </p:txBody>
-      </p:sp>
-      <p:sp>
-        <p:nvSpPr>
-          <p:cNvPr id="3" name="内容占位符 2"/>
-          <p:cNvSpPr>
-            <a:spLocks noGrp="1"/>
-          </p:cNvSpPr>
-          <p:nvPr>
-            <p:ph idx="1"/>
-          </p:nvPr>
-        </p:nvSpPr>
-        <p:spPr>
-          <a:xfrm>
-            <a:off x="457200" y="1203598"/>
-            <a:ext cx="8229600" cy="3394472"/>
-          </a:xfrm>
-        </p:spPr>
-        <p:txBody>
-          <a:bodyPr>
-            <a:normAutofit fontScale="92500" lnSpcReduction="20000"/>
-          </a:bodyPr>
-          <a:lstStyle/>
-          <a:p>
-            <a:r>
-              <a:rPr lang="zh-CN" altLang="zh-CN" dirty="0"/>
-              <a:t>通常，</a:t>
-            </a:r>
-            <a:r>
-              <a:rPr lang="en-US" altLang="zh-CN" dirty="0"/>
-              <a:t>LOD</a:t>
-            </a:r>
-            <a:r>
-              <a:rPr lang="zh-CN" altLang="zh-CN" dirty="0"/>
-              <a:t>算法包含</a:t>
-            </a:r>
-            <a:r>
-              <a:rPr lang="en-US" altLang="zh-CN" dirty="0"/>
-              <a:t>3</a:t>
-            </a:r>
-            <a:r>
-              <a:rPr lang="zh-CN" altLang="zh-CN" dirty="0"/>
-              <a:t>个主要部分，分别是生成、选择、以及</a:t>
-            </a:r>
-            <a:r>
-              <a:rPr lang="zh-CN" altLang="zh-CN" dirty="0" smtClean="0"/>
-              <a:t>切换</a:t>
-            </a:r>
-            <a:endParaRPr lang="en-US" altLang="zh-CN" dirty="0" smtClean="0"/>
-          </a:p>
-          <a:p>
-            <a:r>
-              <a:rPr lang="zh-CN" altLang="zh-CN" dirty="0" smtClean="0"/>
-              <a:t>最</a:t>
-            </a:r>
-            <a:r>
-              <a:rPr lang="zh-CN" altLang="zh-CN" dirty="0"/>
-              <a:t>简单的</a:t>
-            </a:r>
-            <a:r>
-              <a:rPr lang="en-US" altLang="zh-CN" dirty="0"/>
-              <a:t>LOD</a:t>
-            </a:r>
-            <a:r>
-              <a:rPr lang="zh-CN" altLang="zh-CN" dirty="0"/>
-              <a:t>算法是静态算法，即在预处理过程中产生一个物体的一系列离散的不同细节层次模型，实时绘制时根据特定的标准选择合适的细节层次模型来表示</a:t>
-            </a:r>
-            <a:r>
-              <a:rPr lang="zh-CN" altLang="zh-CN" dirty="0" smtClean="0"/>
-              <a:t>物体</a:t>
-            </a:r>
-            <a:endParaRPr lang="en-US" altLang="zh-CN" dirty="0" smtClean="0"/>
-          </a:p>
-          <a:p>
-            <a:r>
-              <a:rPr lang="zh-CN" altLang="zh-CN" dirty="0" smtClean="0"/>
-              <a:t>而</a:t>
-            </a:r>
-            <a:r>
-              <a:rPr lang="zh-CN" altLang="zh-CN" dirty="0"/>
-              <a:t>动态</a:t>
-            </a:r>
-            <a:r>
-              <a:rPr lang="en-US" altLang="zh-CN" dirty="0"/>
-              <a:t>LOD</a:t>
-            </a:r>
-            <a:r>
-              <a:rPr lang="zh-CN" altLang="zh-CN" dirty="0"/>
-              <a:t>则需要根据视点位置实时调整几何模型的</a:t>
-            </a:r>
-            <a:r>
-              <a:rPr lang="zh-CN" altLang="zh-CN" dirty="0" smtClean="0"/>
-              <a:t>细节</a:t>
-            </a:r>
-            <a:endParaRPr lang="zh-CN" altLang="zh-CN" dirty="0"/>
-          </a:p>
-          <a:p>
-            <a:endParaRPr lang="zh-CN" altLang="en-US" dirty="0"/>
-          </a:p>
-        </p:txBody>
-      </p:sp>
-    </p:spTree>
-    <p:extLst>
-      <p:ext uri="{BB962C8B-B14F-4D97-AF65-F5344CB8AC3E}">
-        <p14:creationId xmlns:p14="http://schemas.microsoft.com/office/powerpoint/2010/main" val="2769109700"/>
-      </p:ext>
-    </p:extLst>
-  </p:cSld>
-  <p:clrMapOvr>
-    <a:masterClrMapping/>
-  </p:clrMapOvr>
-</p:sld>
-</file>
-
-<file path=ppt/slides/slide6.xml><?xml version="1.0" encoding="utf-8"?>
-<p:sld xmlns:a="http://schemas.openxmlformats.org/drawingml/2006/main" xmlns:r="http://schemas.openxmlformats.org/officeDocument/2006/relationships" xmlns:p="http://schemas.openxmlformats.org/presentationml/2006/main">
-  <p:cSld>
-    <p:spTree>
-      <p:nvGrpSpPr>
-        <p:cNvPr id="1" name=""/>
-        <p:cNvGrpSpPr/>
-        <p:nvPr/>
-      </p:nvGrpSpPr>
-      <p:grpSpPr>
-        <a:xfrm>
-          <a:off x="0" y="0"/>
-          <a:ext cx="0" cy="0"/>
-          <a:chOff x="0" y="0"/>
-          <a:chExt cx="0" cy="0"/>
-        </a:xfrm>
-      </p:grpSpPr>
-      <p:sp>
-        <p:nvSpPr>
-          <p:cNvPr id="2" name="标题 1"/>
-          <p:cNvSpPr>
-            <a:spLocks noGrp="1"/>
-          </p:cNvSpPr>
-          <p:nvPr>
-            <p:ph type="title"/>
-          </p:nvPr>
-        </p:nvSpPr>
-        <p:spPr/>
-        <p:txBody>
-          <a:bodyPr/>
-          <a:lstStyle/>
-          <a:p>
-            <a:endParaRPr lang="zh-CN" altLang="en-US"/>
-          </a:p>
-        </p:txBody>
-      </p:sp>
-      <p:sp>
-        <p:nvSpPr>
-          <p:cNvPr id="3" name="内容占位符 2"/>
-          <p:cNvSpPr>
-            <a:spLocks noGrp="1"/>
-          </p:cNvSpPr>
-          <p:nvPr>
-            <p:ph idx="1"/>
-          </p:nvPr>
-        </p:nvSpPr>
-        <p:spPr>
-          <a:xfrm>
-            <a:off x="457200" y="1200150"/>
-            <a:ext cx="8229600" cy="3819871"/>
-          </a:xfrm>
-        </p:spPr>
-        <p:txBody>
-          <a:bodyPr>
-            <a:normAutofit fontScale="55000" lnSpcReduction="20000"/>
-          </a:bodyPr>
-          <a:lstStyle/>
-          <a:p>
-            <a:pPr hangingPunct="0"/>
-            <a:r>
-              <a:rPr lang="zh-CN" altLang="zh-CN" dirty="0"/>
-              <a:t>与计算机图形学中一般的真实感绘制技术不同，渲染效率是游戏引擎的首要考虑因素，游戏引擎会适当降低绘制质量来提高渲染速度。基于这一原则，三维游戏中的图形优化技术大致可以分为三个方面：</a:t>
-            </a:r>
-          </a:p>
-          <a:p>
-            <a:pPr marL="514350" lvl="0" indent="-514350" hangingPunct="0">
-              <a:buFont typeface="+mj-lt"/>
-              <a:buAutoNum type="arabicPeriod"/>
-            </a:pPr>
-            <a:r>
-              <a:rPr lang="zh-CN" altLang="zh-CN" dirty="0"/>
-              <a:t>场景的几何组织与优化。它着重于从几何层面提高绘制效率，即尽可能地减少要绘制的三角形的个数，建立优化的场景表达模型，包括场景多边形网格模型的优化、场景几何组织和绘制状态优化技术、层次细节技术，以及在此基础上的快速可见性判断与消隐技术等。</a:t>
-            </a:r>
-          </a:p>
-          <a:p>
-            <a:pPr marL="514350" lvl="0" indent="-514350" hangingPunct="0">
-              <a:buFont typeface="+mj-lt"/>
-              <a:buAutoNum type="arabicPeriod"/>
-            </a:pPr>
-            <a:r>
-              <a:rPr lang="zh-CN" altLang="zh-CN" dirty="0"/>
-              <a:t>渲染阶段优化。在保证游戏实时绘制速度的前提下，尽可能提高场景的画面真实度，为了达到这一目的，各种高级纹理映射、混合式几何和图像建模与绘制技术、粒子系统、过程式建模和实时光照和阴影技术得到广泛应用。</a:t>
-            </a:r>
-          </a:p>
-          <a:p>
-            <a:pPr marL="514350" lvl="0" indent="-514350" hangingPunct="0">
-              <a:buFont typeface="+mj-lt"/>
-              <a:buAutoNum type="arabicPeriod"/>
-            </a:pPr>
-            <a:r>
-              <a:rPr lang="zh-CN" altLang="zh-CN" dirty="0"/>
-              <a:t>运动的真实感模拟。基于真实物理规律的运动效果模拟，如碰撞检测与碰撞响应、布料变形、流体运动、人体运动等，但这些通常计算量都很大，因此一些过程式或者预设的运动得以应用以避免复杂的计算，如骨骼动画及蒙皮技术等。</a:t>
-            </a:r>
-          </a:p>
-          <a:p>
-            <a:endParaRPr lang="zh-CN" altLang="en-US" dirty="0"/>
-          </a:p>
-        </p:txBody>
-      </p:sp>
-    </p:spTree>
-    <p:extLst>
-      <p:ext uri="{BB962C8B-B14F-4D97-AF65-F5344CB8AC3E}">
-        <p14:creationId xmlns:p14="http://schemas.microsoft.com/office/powerpoint/2010/main" val="919848057"/>
-      </p:ext>
-    </p:extLst>
-  </p:cSld>
-  <p:clrMapOvr>
-    <a:masterClrMapping/>
-  </p:clrMapOvr>
-</p:sld>
-</file>
-
-<file path=ppt/slides/slide60.xml><?xml version="1.0" encoding="utf-8"?>
-<p:sld xmlns:a="http://schemas.openxmlformats.org/drawingml/2006/main" xmlns:r="http://schemas.openxmlformats.org/officeDocument/2006/relationships" xmlns:p="http://schemas.openxmlformats.org/presentationml/2006/main">
-  <p:cSld>
-    <p:spTree>
-      <p:nvGrpSpPr>
-        <p:cNvPr id="1" name=""/>
-        <p:cNvGrpSpPr/>
-        <p:nvPr/>
-      </p:nvGrpSpPr>
-      <p:grpSpPr>
-        <a:xfrm>
-          <a:off x="0" y="0"/>
-          <a:ext cx="0" cy="0"/>
-          <a:chOff x="0" y="0"/>
-          <a:chExt cx="0" cy="0"/>
-        </a:xfrm>
-      </p:grpSpPr>
-      <p:sp>
-        <p:nvSpPr>
-          <p:cNvPr id="2" name="标题 1"/>
-          <p:cNvSpPr>
-            <a:spLocks noGrp="1"/>
-          </p:cNvSpPr>
-          <p:nvPr>
-            <p:ph type="title"/>
-          </p:nvPr>
-        </p:nvSpPr>
-        <p:spPr/>
-        <p:txBody>
-          <a:bodyPr>
-            <a:normAutofit/>
-          </a:bodyPr>
-          <a:lstStyle/>
-          <a:p>
-            <a:r>
-              <a:rPr lang="zh-CN" altLang="zh-CN" b="1" dirty="0" smtClean="0"/>
-              <a:t>分页技术</a:t>
-            </a:r>
-            <a:endParaRPr lang="zh-CN" altLang="en-US" dirty="0"/>
-          </a:p>
-        </p:txBody>
-      </p:sp>
-      <p:sp>
-        <p:nvSpPr>
-          <p:cNvPr id="3" name="内容占位符 2"/>
-          <p:cNvSpPr>
-            <a:spLocks noGrp="1"/>
-          </p:cNvSpPr>
-          <p:nvPr>
-            <p:ph idx="1"/>
-          </p:nvPr>
-        </p:nvSpPr>
-        <p:spPr/>
-        <p:txBody>
-          <a:bodyPr>
-            <a:normAutofit fontScale="77500" lnSpcReduction="20000"/>
-          </a:bodyPr>
-          <a:lstStyle/>
-          <a:p>
-            <a:r>
-              <a:rPr lang="zh-CN" altLang="zh-CN" dirty="0" smtClean="0"/>
-              <a:t>在</a:t>
-            </a:r>
-            <a:r>
-              <a:rPr lang="zh-CN" altLang="zh-CN" dirty="0"/>
-              <a:t>系统运行的过程中，由于系统内存的容量有限，在某个给定的时间，为了加载新的资源，我们必须及时从系统中卸载掉那些不必要的资源，其中最典型的应用就是大地形的</a:t>
-            </a:r>
-            <a:r>
-              <a:rPr lang="zh-CN" altLang="zh-CN" dirty="0" smtClean="0"/>
-              <a:t>渲染</a:t>
-            </a:r>
-            <a:endParaRPr lang="en-US" altLang="zh-CN" dirty="0" smtClean="0"/>
-          </a:p>
-          <a:p>
-            <a:r>
-              <a:rPr lang="zh-CN" altLang="zh-CN" dirty="0" smtClean="0"/>
-              <a:t>因为</a:t>
-            </a:r>
-            <a:r>
-              <a:rPr lang="zh-CN" altLang="zh-CN" dirty="0"/>
-              <a:t>要随时跟踪所有的资源信息，以便确定哪些资源是需要马上卸载的，哪些资源是需要加载的，所以系统管理的负担很重且很</a:t>
-            </a:r>
-            <a:r>
-              <a:rPr lang="zh-CN" altLang="zh-CN" dirty="0" smtClean="0"/>
-              <a:t>复杂</a:t>
-            </a:r>
-            <a:endParaRPr lang="en-US" altLang="zh-CN" dirty="0" smtClean="0"/>
-          </a:p>
-          <a:p>
-            <a:r>
-              <a:rPr lang="zh-CN" altLang="zh-CN" dirty="0" smtClean="0"/>
-              <a:t>尤其</a:t>
-            </a:r>
-            <a:r>
-              <a:rPr lang="zh-CN" altLang="zh-CN" dirty="0"/>
-              <a:t>是如果有多个用户需要在同一时间访问同一块资源时，那么情况又会变得更加复杂。这种针对当前加载数据的管理过程通常被称为分页</a:t>
-            </a:r>
-            <a:r>
-              <a:rPr lang="en-US" altLang="zh-CN" dirty="0"/>
-              <a:t>(Page)</a:t>
-            </a:r>
-            <a:r>
-              <a:rPr lang="zh-CN" altLang="zh-CN" dirty="0"/>
-              <a:t>管理。</a:t>
-            </a:r>
-          </a:p>
-          <a:p>
-            <a:endParaRPr lang="zh-CN" altLang="en-US" dirty="0"/>
-          </a:p>
-        </p:txBody>
-      </p:sp>
-    </p:spTree>
-    <p:extLst>
-      <p:ext uri="{BB962C8B-B14F-4D97-AF65-F5344CB8AC3E}">
-        <p14:creationId xmlns:p14="http://schemas.microsoft.com/office/powerpoint/2010/main" val="2108954501"/>
-      </p:ext>
-    </p:extLst>
-  </p:cSld>
-  <p:clrMapOvr>
-    <a:masterClrMapping/>
-  </p:clrMapOvr>
+  <p:timing>
+    <p:tnLst>
+      <p:par>
+        <p:cTn id="1" dur="indefinite" restart="never" nodeType="tmRoot"/>
+      </p:par>
+    </p:tnLst>
+  </p:timing>
 </p:sld>
 </file>
 
@@ -12681,65 +14471,89 @@
             <p:ph idx="1"/>
           </p:nvPr>
         </p:nvSpPr>
-        <p:spPr/>
+        <p:spPr>
+          <a:xfrm>
+            <a:off x="457200" y="1203598"/>
+            <a:ext cx="8229600" cy="3394472"/>
+          </a:xfrm>
+        </p:spPr>
         <p:txBody>
           <a:bodyPr>
-            <a:normAutofit fontScale="92500"/>
+            <a:normAutofit fontScale="92500" lnSpcReduction="20000"/>
           </a:bodyPr>
           <a:lstStyle/>
           <a:p>
-            <a:pPr marL="514350" lvl="0" indent="-514350">
-              <a:buFont typeface="+mj-lt"/>
-              <a:buAutoNum type="arabicPeriod"/>
-            </a:pPr>
+            <a:r>
+              <a:rPr lang="zh-CN" altLang="zh-CN" dirty="0"/>
+              <a:t>通常，</a:t>
+            </a:r>
+            <a:r>
+              <a:rPr lang="en-US" altLang="zh-CN" dirty="0"/>
+              <a:t>LOD</a:t>
+            </a:r>
+            <a:r>
+              <a:rPr lang="zh-CN" altLang="zh-CN" dirty="0"/>
+              <a:t>算法包含</a:t>
+            </a:r>
+            <a:r>
+              <a:rPr lang="en-US" altLang="zh-CN" dirty="0"/>
+              <a:t>3</a:t>
+            </a:r>
+            <a:r>
+              <a:rPr lang="zh-CN" altLang="zh-CN" dirty="0"/>
+              <a:t>个主要部分，分别是生成、选择、以及</a:t>
+            </a:r>
             <a:r>
               <a:rPr lang="zh-CN" altLang="zh-CN" dirty="0" smtClean="0"/>
-              <a:t>定义</a:t>
-            </a:r>
-            <a:r>
-              <a:rPr lang="zh-CN" altLang="zh-CN" dirty="0"/>
-              <a:t>要加载或卸载的信息。</a:t>
-            </a:r>
-          </a:p>
-          <a:p>
-            <a:pPr marL="514350" lvl="0" indent="-514350">
-              <a:buFont typeface="+mj-lt"/>
-              <a:buAutoNum type="arabicPeriod"/>
-            </a:pPr>
-            <a:r>
-              <a:rPr lang="zh-CN" altLang="zh-CN" dirty="0"/>
-              <a:t>定义每个信息块的大小。</a:t>
-            </a:r>
-          </a:p>
-          <a:p>
-            <a:pPr marL="514350" lvl="0" indent="-514350">
-              <a:buFont typeface="+mj-lt"/>
-              <a:buAutoNum type="arabicPeriod"/>
-            </a:pPr>
-            <a:r>
-              <a:rPr lang="zh-CN" altLang="zh-CN" dirty="0"/>
-              <a:t>将搜索空间分割成小的信息块。</a:t>
-            </a:r>
-          </a:p>
-          <a:p>
-            <a:pPr marL="514350" lvl="0" indent="-514350">
-              <a:buFont typeface="+mj-lt"/>
-              <a:buAutoNum type="arabicPeriod"/>
-            </a:pPr>
-            <a:r>
-              <a:rPr lang="zh-CN" altLang="zh-CN" dirty="0"/>
-              <a:t>定义必要的数据结构，来管理所有的信息块。</a:t>
-            </a:r>
-          </a:p>
-          <a:p>
-            <a:pPr marL="514350" lvl="0" indent="-514350">
-              <a:buFont typeface="+mj-lt"/>
-              <a:buAutoNum type="arabicPeriod"/>
-            </a:pPr>
-            <a:r>
-              <a:rPr lang="zh-CN" altLang="zh-CN" dirty="0"/>
-              <a:t>每次需要的时候，检查要加载或卸载的信息，查遍搜索空间中的所有信息块。</a:t>
-            </a:r>
+              <a:t>切换</a:t>
+            </a:r>
+            <a:endParaRPr lang="en-US" altLang="zh-CN" dirty="0" smtClean="0"/>
+          </a:p>
+          <a:p>
+            <a:r>
+              <a:rPr lang="zh-CN" altLang="zh-CN" dirty="0" smtClean="0"/>
+              <a:t>最</a:t>
+            </a:r>
+            <a:r>
+              <a:rPr lang="zh-CN" altLang="zh-CN" dirty="0"/>
+              <a:t>简单的</a:t>
+            </a:r>
+            <a:r>
+              <a:rPr lang="en-US" altLang="zh-CN" dirty="0"/>
+              <a:t>LOD</a:t>
+            </a:r>
+            <a:r>
+              <a:rPr lang="zh-CN" altLang="zh-CN" dirty="0"/>
+              <a:t>算法是静态算法，即在预处理过程中产生一个物体的一系列离散的不同细节层次模型，实时绘制时根据特定的标准选择合适的细节层次模型来表示</a:t>
+            </a:r>
+            <a:r>
+              <a:rPr lang="zh-CN" altLang="zh-CN" dirty="0" smtClean="0"/>
+              <a:t>物体</a:t>
+            </a:r>
+            <a:endParaRPr lang="en-US" altLang="zh-CN" dirty="0" smtClean="0"/>
+          </a:p>
+          <a:p>
+            <a:r>
+              <a:rPr lang="zh-CN" altLang="zh-CN" dirty="0" smtClean="0"/>
+              <a:t>而</a:t>
+            </a:r>
+            <a:r>
+              <a:rPr lang="zh-CN" altLang="zh-CN" dirty="0"/>
+              <a:t>动态</a:t>
+            </a:r>
+            <a:r>
+              <a:rPr lang="en-US" altLang="zh-CN" dirty="0"/>
+              <a:t>LOD</a:t>
+            </a:r>
+            <a:r>
+              <a:rPr lang="zh-CN" altLang="zh-CN" dirty="0"/>
+              <a:t>则需要根据视点位置实时调整几何模型的</a:t>
+            </a:r>
+            <a:r>
+              <a:rPr lang="zh-CN" altLang="zh-CN" dirty="0" smtClean="0"/>
+              <a:t>细节</a:t>
+            </a:r>
+            <a:endParaRPr lang="zh-CN" altLang="zh-CN" dirty="0"/>
           </a:p>
           <a:p>
             <a:endParaRPr lang="zh-CN" altLang="en-US" dirty="0"/>
@@ -12749,13 +14563,20 @@
     </p:spTree>
     <p:extLst>
       <p:ext uri="{BB962C8B-B14F-4D97-AF65-F5344CB8AC3E}">
-        <p14:creationId xmlns:p14="http://schemas.microsoft.com/office/powerpoint/2010/main" val="3433576678"/>
+        <p14:creationId xmlns:p14="http://schemas.microsoft.com/office/powerpoint/2010/main" val="2769109700"/>
       </p:ext>
     </p:extLst>
   </p:cSld>
   <p:clrMapOvr>
     <a:masterClrMapping/>
   </p:clrMapOvr>
+  <p:timing>
+    <p:tnLst>
+      <p:par>
+        <p:cTn id="1" dur="indefinite" restart="never" nodeType="tmRoot"/>
+      </p:par>
+    </p:tnLst>
+  </p:timing>
 </p:sld>
 </file>
 
@@ -12788,10 +14609,16 @@
         </p:nvSpPr>
         <p:spPr/>
         <p:txBody>
-          <a:bodyPr/>
-          <a:lstStyle/>
-          <a:p>
-            <a:endParaRPr lang="zh-CN" altLang="en-US"/>
+          <a:bodyPr>
+            <a:normAutofit/>
+          </a:bodyPr>
+          <a:lstStyle/>
+          <a:p>
+            <a:r>
+              <a:rPr lang="zh-CN" altLang="zh-CN" b="1" dirty="0" smtClean="0"/>
+              <a:t>分页技术</a:t>
+            </a:r>
+            <a:endParaRPr lang="zh-CN" altLang="en-US" dirty="0"/>
           </a:p>
         </p:txBody>
       </p:sp>
@@ -12813,53 +14640,50 @@
           <a:lstStyle/>
           <a:p>
             <a:r>
-              <a:rPr lang="zh-CN" altLang="zh-CN" dirty="0"/>
-              <a:t>然而上面这个解决方案需要很多时间来进行搜索空间的分割，而且为了维护如此复杂的一个数据结构，每个信息块中又有太多的信息，因此这个解决方案需要耗费很多</a:t>
-            </a:r>
-            <a:r>
               <a:rPr lang="zh-CN" altLang="zh-CN" dirty="0" smtClean="0"/>
-              <a:t>资源</a:t>
+              <a:t>在</a:t>
+            </a:r>
+            <a:r>
+              <a:rPr lang="zh-CN" altLang="zh-CN" dirty="0"/>
+              <a:t>系统运行的过程中，由于系统内存的容量有限，在某个给定的时间，为了加载新的资源，我们必须及时从系统中卸载掉那些不必要的资源，其中最典型的应用就是大地形的</a:t>
+            </a:r>
+            <a:r>
+              <a:rPr lang="zh-CN" altLang="zh-CN" dirty="0" smtClean="0"/>
+              <a:t>渲染</a:t>
             </a:r>
             <a:endParaRPr lang="en-US" altLang="zh-CN" dirty="0" smtClean="0"/>
           </a:p>
           <a:p>
             <a:r>
               <a:rPr lang="zh-CN" altLang="zh-CN" dirty="0" smtClean="0"/>
-              <a:t>检查所</a:t>
-            </a:r>
-            <a:r>
-              <a:rPr lang="zh-CN" altLang="zh-CN" dirty="0"/>
-              <a:t>有信息块的工作也是代价高昂的，而且这个方法只能加载或卸载那些在设计时定义的信息</a:t>
+              <a:t>因为</a:t>
+            </a:r>
+            <a:r>
+              <a:rPr lang="zh-CN" altLang="zh-CN" dirty="0"/>
+              <a:t>要随时跟踪所有的资源信息，以便确定哪些资源是需要马上卸载的，哪些资源是需要加载的，所以系统管理的负担很重且很</a:t>
             </a:r>
             <a:r>
               <a:rPr lang="zh-CN" altLang="zh-CN" dirty="0" smtClean="0"/>
-              <a:t>类型</a:t>
+              <a:t>复杂</a:t>
             </a:r>
             <a:endParaRPr lang="en-US" altLang="zh-CN" dirty="0" smtClean="0"/>
           </a:p>
           <a:p>
             <a:r>
               <a:rPr lang="zh-CN" altLang="zh-CN" dirty="0" smtClean="0"/>
-              <a:t>如果</a:t>
-            </a:r>
-            <a:r>
-              <a:rPr lang="zh-CN" altLang="zh-CN" dirty="0"/>
-              <a:t>需要处理其他类型的信息，可能就要重新设计</a:t>
-            </a:r>
-            <a:r>
-              <a:rPr lang="zh-CN" altLang="zh-CN" dirty="0" smtClean="0"/>
-              <a:t>了</a:t>
-            </a:r>
-            <a:endParaRPr lang="en-US" altLang="zh-CN" dirty="0" smtClean="0"/>
-          </a:p>
-          <a:p>
-            <a:r>
-              <a:rPr lang="zh-CN" altLang="zh-CN" dirty="0" smtClean="0"/>
-              <a:t>最后</a:t>
-            </a:r>
-            <a:r>
-              <a:rPr lang="zh-CN" altLang="zh-CN" dirty="0"/>
-              <a:t>，一旦搜索的空间变大了，所有上述问题都会呈指数级的数量增长。</a:t>
+              <a:t>尤其</a:t>
+            </a:r>
+            <a:r>
+              <a:rPr lang="zh-CN" altLang="zh-CN" dirty="0"/>
+              <a:t>是如果有多个用户需要在同一时间访问同一块资源时，那么情况又会变得更加复杂。这种针对当前加载数据的管理过程通常被称为分页</a:t>
+            </a:r>
+            <a:r>
+              <a:rPr lang="en-US" altLang="zh-CN" dirty="0"/>
+              <a:t>(Page)</a:t>
+            </a:r>
+            <a:r>
+              <a:rPr lang="zh-CN" altLang="zh-CN" dirty="0"/>
+              <a:t>管理。</a:t>
             </a:r>
           </a:p>
           <a:p>
@@ -12870,13 +14694,20 @@
     </p:spTree>
     <p:extLst>
       <p:ext uri="{BB962C8B-B14F-4D97-AF65-F5344CB8AC3E}">
-        <p14:creationId xmlns:p14="http://schemas.microsoft.com/office/powerpoint/2010/main" val="350691554"/>
+        <p14:creationId xmlns:p14="http://schemas.microsoft.com/office/powerpoint/2010/main" val="2108954501"/>
       </p:ext>
     </p:extLst>
   </p:cSld>
   <p:clrMapOvr>
     <a:masterClrMapping/>
   </p:clrMapOvr>
+  <p:timing>
+    <p:tnLst>
+      <p:par>
+        <p:cTn id="1" dur="indefinite" restart="never" nodeType="tmRoot"/>
+      </p:par>
+    </p:tnLst>
+  </p:timing>
 </p:sld>
 </file>
 
@@ -12929,23 +14760,21 @@
         <p:spPr/>
         <p:txBody>
           <a:bodyPr>
-            <a:normAutofit fontScale="77500" lnSpcReduction="20000"/>
+            <a:normAutofit fontScale="92500"/>
           </a:bodyPr>
           <a:lstStyle/>
-          <a:p>
-            <a:r>
-              <a:rPr lang="zh-CN" altLang="zh-CN" dirty="0"/>
-              <a:t>分页技术类似于操作系统中的分页式管理。好的分页技术应该具有以下功能：</a:t>
-            </a:r>
-          </a:p>
           <a:p>
             <a:pPr marL="514350" lvl="0" indent="-514350">
               <a:buFont typeface="+mj-lt"/>
               <a:buAutoNum type="arabicPeriod"/>
             </a:pPr>
             <a:r>
-              <a:rPr lang="zh-CN" altLang="zh-CN" dirty="0"/>
-              <a:t>对设计人员和用户几乎是完全透明的；</a:t>
+              <a:rPr lang="zh-CN" altLang="zh-CN" dirty="0" smtClean="0"/>
+              <a:t>定义</a:t>
+            </a:r>
+            <a:r>
+              <a:rPr lang="zh-CN" altLang="zh-CN" dirty="0"/>
+              <a:t>要加载或卸载的信息。</a:t>
             </a:r>
           </a:p>
           <a:p>
@@ -12955,7 +14784,7 @@
             </a:pPr>
             <a:r>
               <a:rPr lang="zh-CN" altLang="zh-CN" dirty="0"/>
-              <a:t>与搜索空间的大小无关（或者说，独立于搜索空间的大小）；</a:t>
+              <a:t>定义每个信息块的大小。</a:t>
             </a:r>
           </a:p>
           <a:p>
@@ -12965,7 +14794,7 @@
             </a:pPr>
             <a:r>
               <a:rPr lang="zh-CN" altLang="zh-CN" dirty="0"/>
-              <a:t>没有预处理、空间分割，也没有复杂的数据结构；</a:t>
+              <a:t>将搜索空间分割成小的信息块。</a:t>
             </a:r>
           </a:p>
           <a:p>
@@ -12975,7 +14804,7 @@
             </a:pPr>
             <a:r>
               <a:rPr lang="zh-CN" altLang="zh-CN" dirty="0"/>
-              <a:t>内存里只放置必要的数据；</a:t>
+              <a:t>定义必要的数据结构，来管理所有的信息块。</a:t>
             </a:r>
           </a:p>
           <a:p>
@@ -12985,17 +14814,7 @@
             </a:pPr>
             <a:r>
               <a:rPr lang="zh-CN" altLang="zh-CN" dirty="0"/>
-              <a:t>多用户透明（对设计人员和用户都是如此）；</a:t>
-            </a:r>
-          </a:p>
-          <a:p>
-            <a:pPr marL="514350" lvl="0" indent="-514350">
-              <a:buFont typeface="+mj-lt"/>
-              <a:buAutoNum type="arabicPeriod"/>
-            </a:pPr>
-            <a:r>
-              <a:rPr lang="zh-CN" altLang="zh-CN" dirty="0"/>
-              <a:t>与信息类型无关。</a:t>
+              <a:t>每次需要的时候，检查要加载或卸载的信息，查遍搜索空间中的所有信息块。</a:t>
             </a:r>
           </a:p>
           <a:p>
@@ -13006,13 +14825,20 @@
     </p:spTree>
     <p:extLst>
       <p:ext uri="{BB962C8B-B14F-4D97-AF65-F5344CB8AC3E}">
-        <p14:creationId xmlns:p14="http://schemas.microsoft.com/office/powerpoint/2010/main" val="750081993"/>
+        <p14:creationId xmlns:p14="http://schemas.microsoft.com/office/powerpoint/2010/main" val="3433576678"/>
       </p:ext>
     </p:extLst>
   </p:cSld>
   <p:clrMapOvr>
     <a:masterClrMapping/>
   </p:clrMapOvr>
+  <p:timing>
+    <p:tnLst>
+      <p:par>
+        <p:cTn id="1" dur="indefinite" restart="never" nodeType="tmRoot"/>
+      </p:par>
+    </p:tnLst>
+  </p:timing>
 </p:sld>
 </file>
 
@@ -13035,6 +14861,277 @@
       </p:grpSpPr>
       <p:sp>
         <p:nvSpPr>
+          <p:cNvPr id="2" name="标题 1"/>
+          <p:cNvSpPr>
+            <a:spLocks noGrp="1"/>
+          </p:cNvSpPr>
+          <p:nvPr>
+            <p:ph type="title"/>
+          </p:nvPr>
+        </p:nvSpPr>
+        <p:spPr/>
+        <p:txBody>
+          <a:bodyPr/>
+          <a:lstStyle/>
+          <a:p>
+            <a:endParaRPr lang="zh-CN" altLang="en-US"/>
+          </a:p>
+        </p:txBody>
+      </p:sp>
+      <p:sp>
+        <p:nvSpPr>
+          <p:cNvPr id="3" name="内容占位符 2"/>
+          <p:cNvSpPr>
+            <a:spLocks noGrp="1"/>
+          </p:cNvSpPr>
+          <p:nvPr>
+            <p:ph idx="1"/>
+          </p:nvPr>
+        </p:nvSpPr>
+        <p:spPr/>
+        <p:txBody>
+          <a:bodyPr>
+            <a:normAutofit fontScale="77500" lnSpcReduction="20000"/>
+          </a:bodyPr>
+          <a:lstStyle/>
+          <a:p>
+            <a:r>
+              <a:rPr lang="zh-CN" altLang="zh-CN" dirty="0"/>
+              <a:t>然而上面这个解决方案需要很多时间来进行搜索空间的分割，而且为了维护如此复杂的一个数据结构，每个信息块中又有太多的信息，因此这个解决方案需要耗费很多</a:t>
+            </a:r>
+            <a:r>
+              <a:rPr lang="zh-CN" altLang="zh-CN" dirty="0" smtClean="0"/>
+              <a:t>资源</a:t>
+            </a:r>
+            <a:endParaRPr lang="en-US" altLang="zh-CN" dirty="0" smtClean="0"/>
+          </a:p>
+          <a:p>
+            <a:r>
+              <a:rPr lang="zh-CN" altLang="zh-CN" dirty="0" smtClean="0"/>
+              <a:t>检查所</a:t>
+            </a:r>
+            <a:r>
+              <a:rPr lang="zh-CN" altLang="zh-CN" dirty="0"/>
+              <a:t>有信息块的工作也是代价高昂的，而且这个方法只能加载或卸载那些在设计时定义的信息</a:t>
+            </a:r>
+            <a:r>
+              <a:rPr lang="zh-CN" altLang="zh-CN" dirty="0" smtClean="0"/>
+              <a:t>类型</a:t>
+            </a:r>
+            <a:endParaRPr lang="en-US" altLang="zh-CN" dirty="0" smtClean="0"/>
+          </a:p>
+          <a:p>
+            <a:r>
+              <a:rPr lang="zh-CN" altLang="zh-CN" dirty="0" smtClean="0"/>
+              <a:t>如果</a:t>
+            </a:r>
+            <a:r>
+              <a:rPr lang="zh-CN" altLang="zh-CN" dirty="0"/>
+              <a:t>需要处理其他类型的信息，可能就要重新设计</a:t>
+            </a:r>
+            <a:r>
+              <a:rPr lang="zh-CN" altLang="zh-CN" dirty="0" smtClean="0"/>
+              <a:t>了</a:t>
+            </a:r>
+            <a:endParaRPr lang="en-US" altLang="zh-CN" dirty="0" smtClean="0"/>
+          </a:p>
+          <a:p>
+            <a:r>
+              <a:rPr lang="zh-CN" altLang="zh-CN" dirty="0" smtClean="0"/>
+              <a:t>最后</a:t>
+            </a:r>
+            <a:r>
+              <a:rPr lang="zh-CN" altLang="zh-CN" dirty="0"/>
+              <a:t>，一旦搜索的空间变大了，所有上述问题都会呈指数级的数量增长。</a:t>
+            </a:r>
+          </a:p>
+          <a:p>
+            <a:endParaRPr lang="zh-CN" altLang="en-US" dirty="0"/>
+          </a:p>
+        </p:txBody>
+      </p:sp>
+    </p:spTree>
+    <p:extLst>
+      <p:ext uri="{BB962C8B-B14F-4D97-AF65-F5344CB8AC3E}">
+        <p14:creationId xmlns:p14="http://schemas.microsoft.com/office/powerpoint/2010/main" val="350691554"/>
+      </p:ext>
+    </p:extLst>
+  </p:cSld>
+  <p:clrMapOvr>
+    <a:masterClrMapping/>
+  </p:clrMapOvr>
+  <p:timing>
+    <p:tnLst>
+      <p:par>
+        <p:cTn id="1" dur="indefinite" restart="never" nodeType="tmRoot"/>
+      </p:par>
+    </p:tnLst>
+  </p:timing>
+</p:sld>
+</file>
+
+<file path=ppt/slides/slide65.xml><?xml version="1.0" encoding="utf-8"?>
+<p:sld xmlns:a="http://schemas.openxmlformats.org/drawingml/2006/main" xmlns:r="http://schemas.openxmlformats.org/officeDocument/2006/relationships" xmlns:p="http://schemas.openxmlformats.org/presentationml/2006/main">
+  <p:cSld>
+    <p:spTree>
+      <p:nvGrpSpPr>
+        <p:cNvPr id="1" name=""/>
+        <p:cNvGrpSpPr/>
+        <p:nvPr/>
+      </p:nvGrpSpPr>
+      <p:grpSpPr>
+        <a:xfrm>
+          <a:off x="0" y="0"/>
+          <a:ext cx="0" cy="0"/>
+          <a:chOff x="0" y="0"/>
+          <a:chExt cx="0" cy="0"/>
+        </a:xfrm>
+      </p:grpSpPr>
+      <p:sp>
+        <p:nvSpPr>
+          <p:cNvPr id="2" name="标题 1"/>
+          <p:cNvSpPr>
+            <a:spLocks noGrp="1"/>
+          </p:cNvSpPr>
+          <p:nvPr>
+            <p:ph type="title"/>
+          </p:nvPr>
+        </p:nvSpPr>
+        <p:spPr/>
+        <p:txBody>
+          <a:bodyPr/>
+          <a:lstStyle/>
+          <a:p>
+            <a:endParaRPr lang="zh-CN" altLang="en-US"/>
+          </a:p>
+        </p:txBody>
+      </p:sp>
+      <p:sp>
+        <p:nvSpPr>
+          <p:cNvPr id="3" name="内容占位符 2"/>
+          <p:cNvSpPr>
+            <a:spLocks noGrp="1"/>
+          </p:cNvSpPr>
+          <p:nvPr>
+            <p:ph idx="1"/>
+          </p:nvPr>
+        </p:nvSpPr>
+        <p:spPr/>
+        <p:txBody>
+          <a:bodyPr>
+            <a:normAutofit fontScale="77500" lnSpcReduction="20000"/>
+          </a:bodyPr>
+          <a:lstStyle/>
+          <a:p>
+            <a:r>
+              <a:rPr lang="zh-CN" altLang="zh-CN" dirty="0"/>
+              <a:t>分页技术类似于操作系统中的分页式管理。好的分页技术应该具有以下功能：</a:t>
+            </a:r>
+          </a:p>
+          <a:p>
+            <a:pPr marL="514350" lvl="0" indent="-514350">
+              <a:buFont typeface="+mj-lt"/>
+              <a:buAutoNum type="arabicPeriod"/>
+            </a:pPr>
+            <a:r>
+              <a:rPr lang="zh-CN" altLang="zh-CN" dirty="0"/>
+              <a:t>对设计人员和用户几乎是完全透明的；</a:t>
+            </a:r>
+          </a:p>
+          <a:p>
+            <a:pPr marL="514350" lvl="0" indent="-514350">
+              <a:buFont typeface="+mj-lt"/>
+              <a:buAutoNum type="arabicPeriod"/>
+            </a:pPr>
+            <a:r>
+              <a:rPr lang="zh-CN" altLang="zh-CN" dirty="0"/>
+              <a:t>与搜索空间的大小无关（或者说，独立于搜索空间的大小）；</a:t>
+            </a:r>
+          </a:p>
+          <a:p>
+            <a:pPr marL="514350" lvl="0" indent="-514350">
+              <a:buFont typeface="+mj-lt"/>
+              <a:buAutoNum type="arabicPeriod"/>
+            </a:pPr>
+            <a:r>
+              <a:rPr lang="zh-CN" altLang="zh-CN" dirty="0"/>
+              <a:t>没有预处理、空间分割，也没有复杂的数据结构；</a:t>
+            </a:r>
+          </a:p>
+          <a:p>
+            <a:pPr marL="514350" lvl="0" indent="-514350">
+              <a:buFont typeface="+mj-lt"/>
+              <a:buAutoNum type="arabicPeriod"/>
+            </a:pPr>
+            <a:r>
+              <a:rPr lang="zh-CN" altLang="zh-CN" dirty="0"/>
+              <a:t>内存里只放置必要的数据；</a:t>
+            </a:r>
+          </a:p>
+          <a:p>
+            <a:pPr marL="514350" lvl="0" indent="-514350">
+              <a:buFont typeface="+mj-lt"/>
+              <a:buAutoNum type="arabicPeriod"/>
+            </a:pPr>
+            <a:r>
+              <a:rPr lang="zh-CN" altLang="zh-CN" dirty="0"/>
+              <a:t>多用户透明（对设计人员和用户都是如此）；</a:t>
+            </a:r>
+          </a:p>
+          <a:p>
+            <a:pPr marL="514350" lvl="0" indent="-514350">
+              <a:buFont typeface="+mj-lt"/>
+              <a:buAutoNum type="arabicPeriod"/>
+            </a:pPr>
+            <a:r>
+              <a:rPr lang="zh-CN" altLang="zh-CN" dirty="0"/>
+              <a:t>与信息类型无关。</a:t>
+            </a:r>
+          </a:p>
+          <a:p>
+            <a:endParaRPr lang="zh-CN" altLang="en-US" dirty="0"/>
+          </a:p>
+        </p:txBody>
+      </p:sp>
+    </p:spTree>
+    <p:extLst>
+      <p:ext uri="{BB962C8B-B14F-4D97-AF65-F5344CB8AC3E}">
+        <p14:creationId xmlns:p14="http://schemas.microsoft.com/office/powerpoint/2010/main" val="750081993"/>
+      </p:ext>
+    </p:extLst>
+  </p:cSld>
+  <p:clrMapOvr>
+    <a:masterClrMapping/>
+  </p:clrMapOvr>
+  <p:timing>
+    <p:tnLst>
+      <p:par>
+        <p:cTn id="1" dur="indefinite" restart="never" nodeType="tmRoot"/>
+      </p:par>
+    </p:tnLst>
+  </p:timing>
+</p:sld>
+</file>
+
+<file path=ppt/slides/slide66.xml><?xml version="1.0" encoding="utf-8"?>
+<p:sld xmlns:a="http://schemas.openxmlformats.org/drawingml/2006/main" xmlns:r="http://schemas.openxmlformats.org/officeDocument/2006/relationships" xmlns:p="http://schemas.openxmlformats.org/presentationml/2006/main">
+  <p:cSld>
+    <p:spTree>
+      <p:nvGrpSpPr>
+        <p:cNvPr id="1" name=""/>
+        <p:cNvGrpSpPr/>
+        <p:nvPr/>
+      </p:nvGrpSpPr>
+      <p:grpSpPr>
+        <a:xfrm>
+          <a:off x="0" y="0"/>
+          <a:ext cx="0" cy="0"/>
+          <a:chOff x="0" y="0"/>
+          <a:chExt cx="0" cy="0"/>
+        </a:xfrm>
+      </p:grpSpPr>
+      <p:sp>
+        <p:nvSpPr>
           <p:cNvPr id="4" name="标题 3"/>
           <p:cNvSpPr>
             <a:spLocks noGrp="1"/>
@@ -13085,6 +15182,571 @@
   <p:clrMapOvr>
     <a:masterClrMapping/>
   </p:clrMapOvr>
+  <p:timing>
+    <p:tnLst>
+      <p:par>
+        <p:cTn id="1" dur="indefinite" restart="never" nodeType="tmRoot"/>
+      </p:par>
+    </p:tnLst>
+  </p:timing>
+</p:sld>
+</file>
+
+<file path=ppt/slides/slide67.xml><?xml version="1.0" encoding="utf-8"?>
+<p:sld xmlns:a="http://schemas.openxmlformats.org/drawingml/2006/main" xmlns:r="http://schemas.openxmlformats.org/officeDocument/2006/relationships" xmlns:p="http://schemas.openxmlformats.org/presentationml/2006/main">
+  <p:cSld>
+    <p:spTree>
+      <p:nvGrpSpPr>
+        <p:cNvPr id="1" name=""/>
+        <p:cNvGrpSpPr/>
+        <p:nvPr/>
+      </p:nvGrpSpPr>
+      <p:grpSpPr>
+        <a:xfrm>
+          <a:off x="0" y="0"/>
+          <a:ext cx="0" cy="0"/>
+          <a:chOff x="0" y="0"/>
+          <a:chExt cx="0" cy="0"/>
+        </a:xfrm>
+      </p:grpSpPr>
+      <p:sp>
+        <p:nvSpPr>
+          <p:cNvPr id="5" name="TextBox 4"/>
+          <p:cNvSpPr txBox="1"/>
+          <p:nvPr>
+            <p:custDataLst>
+              <p:tags r:id="rId2"/>
+            </p:custDataLst>
+          </p:nvPr>
+        </p:nvSpPr>
+        <p:spPr>
+          <a:xfrm>
+            <a:off x="914400" y="635000"/>
+            <a:ext cx="7315200" cy="1607344"/>
+          </a:xfrm>
+          <a:prstGeom prst="rect">
+            <a:avLst/>
+          </a:prstGeom>
+          <a:noFill/>
+        </p:spPr>
+        <p:txBody>
+          <a:bodyPr vert="horz" wrap="square" rtlCol="0" anchor="ctr" anchorCtr="0">
+            <a:noAutofit/>
+          </a:bodyPr>
+          <a:lstStyle/>
+          <a:p>
+            <a:r>
+              <a:rPr lang="zh-CN" altLang="en-US" sz="2600" dirty="0" smtClean="0">
+                <a:solidFill>
+                  <a:srgbClr val="000000"/>
+                </a:solidFill>
+                <a:latin typeface="Microsoft Yahei"/>
+                <a:ea typeface="Microsoft Yahei"/>
+                <a:sym typeface="Microsoft Yahei"/>
+              </a:rPr>
+              <a:t>请详细写出自己在课下练习过程中遇到的问题。</a:t>
+            </a:r>
+            <a:endParaRPr lang="zh-CN" altLang="en-US" sz="2600" dirty="0">
+              <a:solidFill>
+                <a:srgbClr val="000000"/>
+              </a:solidFill>
+              <a:latin typeface="Microsoft Yahei"/>
+              <a:ea typeface="Microsoft Yahei"/>
+              <a:sym typeface="Microsoft Yahei"/>
+            </a:endParaRPr>
+          </a:p>
+        </p:txBody>
+      </p:sp>
+      <p:sp>
+        <p:nvSpPr>
+          <p:cNvPr id="6" name="圆角矩形 5"/>
+          <p:cNvSpPr/>
+          <p:nvPr>
+            <p:custDataLst>
+              <p:tags r:id="rId3"/>
+            </p:custDataLst>
+          </p:nvPr>
+        </p:nvSpPr>
+        <p:spPr>
+          <a:xfrm>
+            <a:off x="6686550" y="4661297"/>
+            <a:ext cx="1157288" cy="308610"/>
+          </a:xfrm>
+          <a:prstGeom prst="roundRect">
+            <a:avLst/>
+          </a:prstGeom>
+          <a:solidFill>
+            <a:srgbClr val="808080"/>
+          </a:solidFill>
+          <a:ln w="38100" cmpd="sng">
+            <a:solidFill>
+              <a:srgbClr val="000000"/>
+            </a:solidFill>
+            <a:prstDash val="solid"/>
+          </a:ln>
+        </p:spPr>
+        <p:style>
+          <a:lnRef idx="2">
+            <a:schemeClr val="accent1">
+              <a:shade val="50000"/>
+            </a:schemeClr>
+          </a:lnRef>
+          <a:fillRef idx="1">
+            <a:schemeClr val="accent1"/>
+          </a:fillRef>
+          <a:effectRef idx="0">
+            <a:schemeClr val="accent1"/>
+          </a:effectRef>
+          <a:fontRef idx="minor">
+            <a:schemeClr val="lt1"/>
+          </a:fontRef>
+        </p:style>
+        <p:txBody>
+          <a:bodyPr rtlCol="0" anchor="ctr" anchorCtr="1"/>
+          <a:lstStyle/>
+          <a:p>
+            <a:pPr algn="ctr"/>
+            <a:r>
+              <a:rPr lang="zh-CN" altLang="en-US" sz="1600" smtClean="0">
+                <a:solidFill>
+                  <a:srgbClr val="FFFFFF"/>
+                </a:solidFill>
+                <a:latin typeface="Microsoft Yahei"/>
+                <a:ea typeface="Microsoft Yahei"/>
+                <a:sym typeface="Microsoft Yahei"/>
+              </a:rPr>
+              <a:t>作答</a:t>
+            </a:r>
+            <a:endParaRPr lang="zh-CN" altLang="en-US" sz="1600">
+              <a:solidFill>
+                <a:srgbClr val="FFFFFF"/>
+              </a:solidFill>
+              <a:latin typeface="Microsoft Yahei"/>
+              <a:ea typeface="Microsoft Yahei"/>
+              <a:sym typeface="Microsoft Yahei"/>
+            </a:endParaRPr>
+          </a:p>
+        </p:txBody>
+      </p:sp>
+      <p:sp>
+        <p:nvSpPr>
+          <p:cNvPr id="12" name="矩形 11"/>
+          <p:cNvSpPr/>
+          <p:nvPr>
+            <p:custDataLst>
+              <p:tags r:id="rId4"/>
+            </p:custDataLst>
+          </p:nvPr>
+        </p:nvSpPr>
+        <p:spPr>
+          <a:xfrm>
+            <a:off x="0" y="4295537"/>
+            <a:ext cx="9144000" cy="365760"/>
+          </a:xfrm>
+          <a:prstGeom prst="rect">
+            <a:avLst/>
+          </a:prstGeom>
+          <a:solidFill>
+            <a:srgbClr val="FBFAEF"/>
+          </a:solidFill>
+          <a:ln w="25400" cap="flat" cmpd="sng" algn="ctr">
+            <a:noFill/>
+            <a:prstDash val="solid"/>
+          </a:ln>
+          <a:effectLst/>
+          <a:extLst>
+            <a:ext uri="{91240B29-F687-4F45-9708-019B960494DF}">
+              <a14:hiddenLine xmlns:a14="http://schemas.microsoft.com/office/drawing/2010/main" w="25400" cap="flat" cmpd="sng" algn="ctr">
+                <a:solidFill>
+                  <a:schemeClr val="accent1">
+                    <a:shade val="50000"/>
+                  </a:schemeClr>
+                </a:solidFill>
+                <a:prstDash val="solid"/>
+              </a14:hiddenLine>
+            </a:ext>
+          </a:extLst>
+        </p:spPr>
+        <p:style>
+          <a:lnRef idx="2">
+            <a:schemeClr val="accent1">
+              <a:shade val="50000"/>
+            </a:schemeClr>
+          </a:lnRef>
+          <a:fillRef idx="1">
+            <a:schemeClr val="accent1"/>
+          </a:fillRef>
+          <a:effectRef idx="0">
+            <a:schemeClr val="accent1"/>
+          </a:effectRef>
+          <a:fontRef idx="minor">
+            <a:schemeClr val="lt1"/>
+          </a:fontRef>
+        </p:style>
+        <p:txBody>
+          <a:bodyPr wrap="none" rtlCol="0" anchor="ctr" anchorCtr="1"/>
+          <a:lstStyle/>
+          <a:p>
+            <a:r>
+              <a:rPr lang="zh-CN" altLang="en-US" sz="1200" smtClean="0">
+                <a:solidFill>
+                  <a:srgbClr val="F84F41"/>
+                </a:solidFill>
+                <a:latin typeface="Microsoft Yahei"/>
+                <a:ea typeface="Microsoft Yahei"/>
+                <a:sym typeface="Microsoft Yahei"/>
+              </a:rPr>
+              <a:t>正常使用主观题需</a:t>
+            </a:r>
+            <a:r>
+              <a:rPr lang="en-US" altLang="zh-CN" sz="1200" smtClean="0">
+                <a:solidFill>
+                  <a:srgbClr val="F84F41"/>
+                </a:solidFill>
+                <a:latin typeface="Microsoft Yahei"/>
+                <a:ea typeface="Microsoft Yahei"/>
+                <a:sym typeface="Microsoft Yahei"/>
+              </a:rPr>
+              <a:t>2.0</a:t>
+            </a:r>
+            <a:r>
+              <a:rPr lang="zh-CN" altLang="en-US" sz="1200" smtClean="0">
+                <a:solidFill>
+                  <a:srgbClr val="F84F41"/>
+                </a:solidFill>
+                <a:latin typeface="Microsoft Yahei"/>
+                <a:ea typeface="Microsoft Yahei"/>
+                <a:sym typeface="Microsoft Yahei"/>
+              </a:rPr>
+              <a:t>以上版本雨课堂</a:t>
+            </a:r>
+            <a:endParaRPr lang="zh-CN" altLang="en-US" sz="1200">
+              <a:solidFill>
+                <a:srgbClr val="F84F41"/>
+              </a:solidFill>
+              <a:latin typeface="Microsoft Yahei"/>
+              <a:ea typeface="Microsoft Yahei"/>
+              <a:sym typeface="Microsoft Yahei"/>
+            </a:endParaRPr>
+          </a:p>
+        </p:txBody>
+      </p:sp>
+      <p:grpSp>
+        <p:nvGrpSpPr>
+          <p:cNvPr id="11" name="组合 10"/>
+          <p:cNvGrpSpPr/>
+          <p:nvPr>
+            <p:custDataLst>
+              <p:tags r:id="rId5"/>
+            </p:custDataLst>
+          </p:nvPr>
+        </p:nvGrpSpPr>
+        <p:grpSpPr>
+          <a:xfrm>
+            <a:off x="0" y="0"/>
+            <a:ext cx="9144000" cy="635000"/>
+            <a:chOff x="0" y="0"/>
+            <a:chExt cx="9144000" cy="635000"/>
+          </a:xfrm>
+        </p:grpSpPr>
+        <p:sp>
+          <p:nvSpPr>
+            <p:cNvPr id="7" name="TitleBackground"/>
+            <p:cNvSpPr/>
+            <p:nvPr>
+              <p:custDataLst>
+                <p:tags r:id="rId7"/>
+              </p:custDataLst>
+            </p:nvPr>
+          </p:nvSpPr>
+          <p:spPr>
+            <a:xfrm>
+              <a:off x="0" y="0"/>
+              <a:ext cx="9144000" cy="635000"/>
+            </a:xfrm>
+            <a:prstGeom prst="rect">
+              <a:avLst/>
+            </a:prstGeom>
+            <a:solidFill>
+              <a:srgbClr val="F6F7F8"/>
+            </a:solidFill>
+            <a:ln w="25400" cap="flat" cmpd="sng" algn="ctr">
+              <a:noFill/>
+              <a:prstDash val="solid"/>
+            </a:ln>
+            <a:effectLst/>
+            <a:extLst>
+              <a:ext uri="{91240B29-F687-4F45-9708-019B960494DF}">
+                <a14:hiddenLine xmlns:a14="http://schemas.microsoft.com/office/drawing/2010/main" w="25400" cap="flat" cmpd="sng" algn="ctr">
+                  <a:solidFill>
+                    <a:schemeClr val="accent1">
+                      <a:shade val="50000"/>
+                    </a:schemeClr>
+                  </a:solidFill>
+                  <a:prstDash val="solid"/>
+                </a14:hiddenLine>
+              </a:ext>
+            </a:extLst>
+          </p:spPr>
+          <p:style>
+            <a:lnRef idx="2">
+              <a:schemeClr val="accent1">
+                <a:shade val="50000"/>
+              </a:schemeClr>
+            </a:lnRef>
+            <a:fillRef idx="1">
+              <a:schemeClr val="accent1"/>
+            </a:fillRef>
+            <a:effectRef idx="0">
+              <a:schemeClr val="accent1"/>
+            </a:effectRef>
+            <a:fontRef idx="minor">
+              <a:schemeClr val="lt1"/>
+            </a:fontRef>
+          </p:style>
+          <p:txBody>
+            <a:bodyPr rtlCol="0" anchor="ctr"/>
+            <a:lstStyle/>
+            <a:p>
+              <a:pPr algn="ctr"/>
+              <a:endParaRPr lang="zh-CN" altLang="en-US"/>
+            </a:p>
+          </p:txBody>
+        </p:sp>
+        <p:sp>
+          <p:nvSpPr>
+            <p:cNvPr id="8" name="ColorBlock"/>
+            <p:cNvSpPr/>
+            <p:nvPr>
+              <p:custDataLst>
+                <p:tags r:id="rId8"/>
+              </p:custDataLst>
+            </p:nvPr>
+          </p:nvSpPr>
+          <p:spPr>
+            <a:xfrm>
+              <a:off x="0" y="0"/>
+              <a:ext cx="190500" cy="635000"/>
+            </a:xfrm>
+            <a:prstGeom prst="rect">
+              <a:avLst/>
+            </a:prstGeom>
+            <a:solidFill>
+              <a:srgbClr val="639EF4"/>
+            </a:solidFill>
+            <a:ln w="25400" cap="flat" cmpd="sng" algn="ctr">
+              <a:noFill/>
+              <a:prstDash val="solid"/>
+            </a:ln>
+            <a:effectLst/>
+            <a:extLst>
+              <a:ext uri="{91240B29-F687-4F45-9708-019B960494DF}">
+                <a14:hiddenLine xmlns:a14="http://schemas.microsoft.com/office/drawing/2010/main" w="25400" cap="flat" cmpd="sng" algn="ctr">
+                  <a:solidFill>
+                    <a:schemeClr val="accent1">
+                      <a:shade val="50000"/>
+                    </a:schemeClr>
+                  </a:solidFill>
+                  <a:prstDash val="solid"/>
+                </a14:hiddenLine>
+              </a:ext>
+            </a:extLst>
+          </p:spPr>
+          <p:style>
+            <a:lnRef idx="2">
+              <a:schemeClr val="accent1">
+                <a:shade val="50000"/>
+              </a:schemeClr>
+            </a:lnRef>
+            <a:fillRef idx="1">
+              <a:schemeClr val="accent1"/>
+            </a:fillRef>
+            <a:effectRef idx="0">
+              <a:schemeClr val="accent1"/>
+            </a:effectRef>
+            <a:fontRef idx="minor">
+              <a:schemeClr val="lt1"/>
+            </a:fontRef>
+          </p:style>
+          <p:txBody>
+            <a:bodyPr rtlCol="0" anchor="ctr"/>
+            <a:lstStyle/>
+            <a:p>
+              <a:pPr algn="ctr"/>
+              <a:endParaRPr lang="zh-CN" altLang="en-US"/>
+            </a:p>
+          </p:txBody>
+        </p:sp>
+        <p:sp>
+          <p:nvSpPr>
+            <p:cNvPr id="9" name="TypeText"/>
+            <p:cNvSpPr txBox="1"/>
+            <p:nvPr>
+              <p:custDataLst>
+                <p:tags r:id="rId9"/>
+              </p:custDataLst>
+            </p:nvPr>
+          </p:nvSpPr>
+          <p:spPr>
+            <a:xfrm>
+              <a:off x="254000" y="0"/>
+              <a:ext cx="1905000" cy="635000"/>
+            </a:xfrm>
+            <a:prstGeom prst="rect">
+              <a:avLst/>
+            </a:prstGeom>
+            <a:noFill/>
+          </p:spPr>
+          <p:txBody>
+            <a:bodyPr vert="horz" wrap="none" rtlCol="0" anchor="ctr" anchorCtr="0">
+              <a:noAutofit/>
+            </a:bodyPr>
+            <a:lstStyle/>
+            <a:p>
+              <a:r>
+                <a:rPr lang="zh-CN" altLang="en-US" sz="2600" smtClean="0">
+                  <a:solidFill>
+                    <a:srgbClr val="000000"/>
+                  </a:solidFill>
+                  <a:latin typeface="Microsoft Yahei"/>
+                  <a:ea typeface="Microsoft Yahei"/>
+                  <a:sym typeface="Microsoft Yahei"/>
+                </a:rPr>
+                <a:t>主观题</a:t>
+              </a:r>
+              <a:endParaRPr lang="zh-CN" altLang="en-US" sz="2600">
+                <a:solidFill>
+                  <a:srgbClr val="000000"/>
+                </a:solidFill>
+                <a:latin typeface="Microsoft Yahei"/>
+                <a:ea typeface="Microsoft Yahei"/>
+                <a:sym typeface="Microsoft Yahei"/>
+              </a:endParaRPr>
+            </a:p>
+          </p:txBody>
+        </p:sp>
+        <p:sp>
+          <p:nvSpPr>
+            <p:cNvPr id="10" name="TipText"/>
+            <p:cNvSpPr txBox="1"/>
+            <p:nvPr>
+              <p:custDataLst>
+                <p:tags r:id="rId10"/>
+              </p:custDataLst>
+            </p:nvPr>
+          </p:nvSpPr>
+          <p:spPr>
+            <a:xfrm>
+              <a:off x="1525905" y="109220"/>
+              <a:ext cx="2286000" cy="508000"/>
+            </a:xfrm>
+            <a:prstGeom prst="rect">
+              <a:avLst/>
+            </a:prstGeom>
+            <a:noFill/>
+          </p:spPr>
+          <p:txBody>
+            <a:bodyPr vert="horz" wrap="none" rtlCol="0" anchor="ctr" anchorCtr="0">
+              <a:noAutofit/>
+            </a:bodyPr>
+            <a:lstStyle/>
+            <a:p>
+              <a:r>
+                <a:rPr lang="en-US" altLang="zh-CN" sz="2000" smtClean="0">
+                  <a:solidFill>
+                    <a:srgbClr val="808080"/>
+                  </a:solidFill>
+                  <a:latin typeface="Microsoft Yahei"/>
+                  <a:ea typeface="Microsoft Yahei"/>
+                  <a:sym typeface="Microsoft Yahei"/>
+                </a:rPr>
+                <a:t>1</a:t>
+              </a:r>
+              <a:r>
+                <a:rPr lang="zh-CN" altLang="en-US" sz="2000" smtClean="0">
+                  <a:solidFill>
+                    <a:srgbClr val="808080"/>
+                  </a:solidFill>
+                  <a:latin typeface="Microsoft Yahei"/>
+                  <a:ea typeface="Microsoft Yahei"/>
+                  <a:sym typeface="Microsoft Yahei"/>
+                </a:rPr>
+                <a:t>分</a:t>
+              </a:r>
+              <a:endParaRPr lang="zh-CN" altLang="en-US" sz="2000">
+                <a:solidFill>
+                  <a:srgbClr val="808080"/>
+                </a:solidFill>
+                <a:latin typeface="Microsoft Yahei"/>
+                <a:ea typeface="Microsoft Yahei"/>
+                <a:sym typeface="Microsoft Yahei"/>
+              </a:endParaRPr>
+            </a:p>
+          </p:txBody>
+        </p:sp>
+      </p:grpSp>
+      <p:pic>
+        <p:nvPicPr>
+          <p:cNvPr id="4" name="图片 3"/>
+          <p:cNvPicPr>
+            <a:picLocks/>
+          </p:cNvPicPr>
+          <p:nvPr>
+            <p:custDataLst>
+              <p:tags r:id="rId6"/>
+            </p:custDataLst>
+          </p:nvPr>
+        </p:nvPicPr>
+        <p:blipFill>
+          <a:blip r:embed="rId12">
+            <a:extLst>
+              <a:ext uri="{28A0092B-C50C-407E-A947-70E740481C1C}">
+                <a14:useLocalDpi xmlns:a14="http://schemas.microsoft.com/office/drawing/2010/main" val="0"/>
+              </a:ext>
+            </a:extLst>
+          </a:blip>
+          <a:stretch>
+            <a:fillRect/>
+          </a:stretch>
+        </p:blipFill>
+        <p:spPr>
+          <a:xfrm>
+            <a:off x="7594600" y="63500"/>
+            <a:ext cx="1422400" cy="508000"/>
+          </a:xfrm>
+          <a:prstGeom prst="rect">
+            <a:avLst/>
+          </a:prstGeom>
+        </p:spPr>
+      </p:pic>
+    </p:spTree>
+    <p:custDataLst>
+      <p:tags r:id="rId1"/>
+    </p:custDataLst>
+    <p:extLst>
+      <p:ext uri="{BB962C8B-B14F-4D97-AF65-F5344CB8AC3E}">
+        <p14:creationId xmlns:p14="http://schemas.microsoft.com/office/powerpoint/2010/main" val="3268772888"/>
+      </p:ext>
+    </p:extLst>
+  </p:cSld>
+  <p:clrMapOvr>
+    <a:masterClrMapping/>
+  </p:clrMapOvr>
+  <mc:AlternateContent xmlns:mc="http://schemas.openxmlformats.org/markup-compatibility/2006">
+    <mc:Choice xmlns:p14="http://schemas.microsoft.com/office/powerpoint/2010/main" Requires="p14">
+      <p:transition spd="slow" p14:dur="999"/>
+    </mc:Choice>
+    <mc:Fallback>
+      <p:transition spd="slow"/>
+    </mc:Fallback>
+  </mc:AlternateContent>
+  <p:timing>
+    <p:tnLst>
+      <p:par>
+        <p:cTn id="1" dur="indefinite" restart="never" nodeType="tmRoot"/>
+      </p:par>
+    </p:tnLst>
+  </p:timing>
 </p:sld>
 </file>
 
@@ -13199,6 +15861,13 @@
   <p:clrMapOvr>
     <a:masterClrMapping/>
   </p:clrMapOvr>
+  <p:timing>
+    <p:tnLst>
+      <p:par>
+        <p:cTn id="1" dur="indefinite" restart="never" nodeType="tmRoot"/>
+      </p:par>
+    </p:tnLst>
+  </p:timing>
 </p:sld>
 </file>
 
@@ -13292,6 +15961,13 @@
   <p:clrMapOvr>
     <a:masterClrMapping/>
   </p:clrMapOvr>
+  <p:timing>
+    <p:tnLst>
+      <p:par>
+        <p:cTn id="1" dur="indefinite" restart="never" nodeType="tmRoot"/>
+      </p:par>
+    </p:tnLst>
+  </p:timing>
 </p:sld>
 </file>
 
@@ -13378,7 +16054,285 @@
   <p:clrMapOvr>
     <a:masterClrMapping/>
   </p:clrMapOvr>
+  <p:timing>
+    <p:tnLst>
+      <p:par>
+        <p:cTn id="1" dur="indefinite" restart="never" nodeType="tmRoot"/>
+      </p:par>
+    </p:tnLst>
+  </p:timing>
 </p:sld>
+</file>
+
+<file path=ppt/tags/tag1.xml><?xml version="1.0" encoding="utf-8"?>
+<p:tagLst xmlns:a="http://schemas.openxmlformats.org/drawingml/2006/main" xmlns:r="http://schemas.openxmlformats.org/officeDocument/2006/relationships" xmlns:p="http://schemas.openxmlformats.org/presentationml/2006/main">
+  <p:tag name="PROBLEMSCORE" val="1.0"/>
+  <p:tag name="RAINPROBLEMTYPE" val="MultipleChoiceMA"/>
+  <p:tag name="RAINPROBLEM" val="MultipleChoiceMA"/>
+  <p:tag name="PROBLEMSCORE_HALF" val="0.0"/>
+</p:tagLst>
+</file>
+
+<file path=ppt/tags/tag10.xml><?xml version="1.0" encoding="utf-8"?>
+<p:tagLst xmlns:a="http://schemas.openxmlformats.org/drawingml/2006/main" xmlns:r="http://schemas.openxmlformats.org/officeDocument/2006/relationships" xmlns:p="http://schemas.openxmlformats.org/presentationml/2006/main">
+  <p:tag name="RAINPROBLEM" val="ProblemBullet"/>
+  <p:tag name="RAINPROBLEMTYPE" val="MultipleChoiceMA"/>
+  <p:tag name="RAINBULLET" val="Correct"/>
+</p:tagLst>
+</file>
+
+<file path=ppt/tags/tag11.xml><?xml version="1.0" encoding="utf-8"?>
+<p:tagLst xmlns:a="http://schemas.openxmlformats.org/drawingml/2006/main" xmlns:r="http://schemas.openxmlformats.org/officeDocument/2006/relationships" xmlns:p="http://schemas.openxmlformats.org/presentationml/2006/main">
+  <p:tag name="RAINPROBLEM" val="ProblemSubmit"/>
+  <p:tag name="RAINPROBLEMTYPE" val="MultipleChoiceMA"/>
+</p:tagLst>
+</file>
+
+<file path=ppt/tags/tag12.xml><?xml version="1.0" encoding="utf-8"?>
+<p:tagLst xmlns:a="http://schemas.openxmlformats.org/drawingml/2006/main" xmlns:r="http://schemas.openxmlformats.org/officeDocument/2006/relationships" xmlns:p="http://schemas.openxmlformats.org/presentationml/2006/main">
+  <p:tag name="RAINPROBLEMTYPE" val="ProblemTypeMarker"/>
+</p:tagLst>
+</file>
+
+<file path=ppt/tags/tag13.xml><?xml version="1.0" encoding="utf-8"?>
+<p:tagLst xmlns:a="http://schemas.openxmlformats.org/drawingml/2006/main" xmlns:r="http://schemas.openxmlformats.org/officeDocument/2006/relationships" xmlns:p="http://schemas.openxmlformats.org/presentationml/2006/main">
+  <p:tag name="RAINPROBLEM" val="ProblemSetting"/>
+  <p:tag name="RAINPROBLEMTYPE" val="MultipleChoiceMA"/>
+</p:tagLst>
+</file>
+
+<file path=ppt/tags/tag14.xml><?xml version="1.0" encoding="utf-8"?>
+<p:tagLst xmlns:a="http://schemas.openxmlformats.org/drawingml/2006/main" xmlns:r="http://schemas.openxmlformats.org/officeDocument/2006/relationships" xmlns:p="http://schemas.openxmlformats.org/presentationml/2006/main">
+  <p:tag name="RAINPROBLEMTYPE" val="ProblemTypeMarker"/>
+</p:tagLst>
+</file>
+
+<file path=ppt/tags/tag15.xml><?xml version="1.0" encoding="utf-8"?>
+<p:tagLst xmlns:a="http://schemas.openxmlformats.org/drawingml/2006/main" xmlns:r="http://schemas.openxmlformats.org/officeDocument/2006/relationships" xmlns:p="http://schemas.openxmlformats.org/presentationml/2006/main">
+  <p:tag name="RAINPROBLEMTYPE" val="ProblemTypeMarker"/>
+</p:tagLst>
+</file>
+
+<file path=ppt/tags/tag16.xml><?xml version="1.0" encoding="utf-8"?>
+<p:tagLst xmlns:a="http://schemas.openxmlformats.org/drawingml/2006/main" xmlns:r="http://schemas.openxmlformats.org/officeDocument/2006/relationships" xmlns:p="http://schemas.openxmlformats.org/presentationml/2006/main">
+  <p:tag name="RAINPROBLEMTYPE" val="ProblemTypeMarker"/>
+</p:tagLst>
+</file>
+
+<file path=ppt/tags/tag17.xml><?xml version="1.0" encoding="utf-8"?>
+<p:tagLst xmlns:a="http://schemas.openxmlformats.org/drawingml/2006/main" xmlns:r="http://schemas.openxmlformats.org/officeDocument/2006/relationships" xmlns:p="http://schemas.openxmlformats.org/presentationml/2006/main">
+  <p:tag name="RAINPROBLEMTYPE" val="ProblemTypeMarker"/>
+</p:tagLst>
+</file>
+
+<file path=ppt/tags/tag18.xml><?xml version="1.0" encoding="utf-8"?>
+<p:tagLst xmlns:a="http://schemas.openxmlformats.org/drawingml/2006/main" xmlns:r="http://schemas.openxmlformats.org/officeDocument/2006/relationships" xmlns:p="http://schemas.openxmlformats.org/presentationml/2006/main">
+  <p:tag name="RAINPROBLEM" val="MultipleChoiceMA"/>
+  <p:tag name="PROBLEMSCORE" val="1.0"/>
+  <p:tag name="PROBLEMSCORE_HALF" val="0.0"/>
+</p:tagLst>
+</file>
+
+<file path=ppt/tags/tag19.xml><?xml version="1.0" encoding="utf-8"?>
+<p:tagLst xmlns:a="http://schemas.openxmlformats.org/drawingml/2006/main" xmlns:r="http://schemas.openxmlformats.org/officeDocument/2006/relationships" xmlns:p="http://schemas.openxmlformats.org/presentationml/2006/main">
+  <p:tag name="RAINPROBLEM" val="ProblemBody"/>
+</p:tagLst>
+</file>
+
+<file path=ppt/tags/tag2.xml><?xml version="1.0" encoding="utf-8"?>
+<p:tagLst xmlns:a="http://schemas.openxmlformats.org/drawingml/2006/main" xmlns:r="http://schemas.openxmlformats.org/officeDocument/2006/relationships" xmlns:p="http://schemas.openxmlformats.org/presentationml/2006/main">
+  <p:tag name="RAINPROBLEM" val="ProblemBody"/>
+</p:tagLst>
+</file>
+
+<file path=ppt/tags/tag20.xml><?xml version="1.0" encoding="utf-8"?>
+<p:tagLst xmlns:a="http://schemas.openxmlformats.org/drawingml/2006/main" xmlns:r="http://schemas.openxmlformats.org/officeDocument/2006/relationships" xmlns:p="http://schemas.openxmlformats.org/presentationml/2006/main">
+  <p:tag name="RAINPROBLEM" val="ProblemItem"/>
+</p:tagLst>
+</file>
+
+<file path=ppt/tags/tag21.xml><?xml version="1.0" encoding="utf-8"?>
+<p:tagLst xmlns:a="http://schemas.openxmlformats.org/drawingml/2006/main" xmlns:r="http://schemas.openxmlformats.org/officeDocument/2006/relationships" xmlns:p="http://schemas.openxmlformats.org/presentationml/2006/main">
+  <p:tag name="RAINPROBLEM" val="ProblemItem"/>
+</p:tagLst>
+</file>
+
+<file path=ppt/tags/tag22.xml><?xml version="1.0" encoding="utf-8"?>
+<p:tagLst xmlns:a="http://schemas.openxmlformats.org/drawingml/2006/main" xmlns:r="http://schemas.openxmlformats.org/officeDocument/2006/relationships" xmlns:p="http://schemas.openxmlformats.org/presentationml/2006/main">
+  <p:tag name="RAINPROBLEM" val="ProblemItem"/>
+</p:tagLst>
+</file>
+
+<file path=ppt/tags/tag23.xml><?xml version="1.0" encoding="utf-8"?>
+<p:tagLst xmlns:a="http://schemas.openxmlformats.org/drawingml/2006/main" xmlns:r="http://schemas.openxmlformats.org/officeDocument/2006/relationships" xmlns:p="http://schemas.openxmlformats.org/presentationml/2006/main">
+  <p:tag name="RAINPROBLEM" val="ProblemBullet"/>
+  <p:tag name="RAINPROBLEMTYPE" val="MultipleChoiceMA"/>
+  <p:tag name="RAINBULLET" val="Correct"/>
+</p:tagLst>
+</file>
+
+<file path=ppt/tags/tag24.xml><?xml version="1.0" encoding="utf-8"?>
+<p:tagLst xmlns:a="http://schemas.openxmlformats.org/drawingml/2006/main" xmlns:r="http://schemas.openxmlformats.org/officeDocument/2006/relationships" xmlns:p="http://schemas.openxmlformats.org/presentationml/2006/main">
+  <p:tag name="RAINPROBLEM" val="ProblemBullet"/>
+  <p:tag name="RAINPROBLEMTYPE" val="MultipleChoiceMA"/>
+  <p:tag name="RAINBULLET" val="Correct"/>
+</p:tagLst>
+</file>
+
+<file path=ppt/tags/tag25.xml><?xml version="1.0" encoding="utf-8"?>
+<p:tagLst xmlns:a="http://schemas.openxmlformats.org/drawingml/2006/main" xmlns:r="http://schemas.openxmlformats.org/officeDocument/2006/relationships" xmlns:p="http://schemas.openxmlformats.org/presentationml/2006/main">
+  <p:tag name="RAINPROBLEM" val="ProblemSubmit"/>
+  <p:tag name="RAINPROBLEMTYPE" val="MultipleChoiceMA"/>
+</p:tagLst>
+</file>
+
+<file path=ppt/tags/tag26.xml><?xml version="1.0" encoding="utf-8"?>
+<p:tagLst xmlns:a="http://schemas.openxmlformats.org/drawingml/2006/main" xmlns:r="http://schemas.openxmlformats.org/officeDocument/2006/relationships" xmlns:p="http://schemas.openxmlformats.org/presentationml/2006/main">
+  <p:tag name="RAINPROBLEMTYPE" val="ProblemTypeMarker"/>
+</p:tagLst>
+</file>
+
+<file path=ppt/tags/tag27.xml><?xml version="1.0" encoding="utf-8"?>
+<p:tagLst xmlns:a="http://schemas.openxmlformats.org/drawingml/2006/main" xmlns:r="http://schemas.openxmlformats.org/officeDocument/2006/relationships" xmlns:p="http://schemas.openxmlformats.org/presentationml/2006/main">
+  <p:tag name="RAINPROBLEM" val="ProblemSetting"/>
+  <p:tag name="RAINPROBLEMTYPE" val="MultipleChoiceMA"/>
+</p:tagLst>
+</file>
+
+<file path=ppt/tags/tag28.xml><?xml version="1.0" encoding="utf-8"?>
+<p:tagLst xmlns:a="http://schemas.openxmlformats.org/drawingml/2006/main" xmlns:r="http://schemas.openxmlformats.org/officeDocument/2006/relationships" xmlns:p="http://schemas.openxmlformats.org/presentationml/2006/main">
+  <p:tag name="RAINPROBLEMTYPE" val="ProblemTypeMarker"/>
+</p:tagLst>
+</file>
+
+<file path=ppt/tags/tag29.xml><?xml version="1.0" encoding="utf-8"?>
+<p:tagLst xmlns:a="http://schemas.openxmlformats.org/drawingml/2006/main" xmlns:r="http://schemas.openxmlformats.org/officeDocument/2006/relationships" xmlns:p="http://schemas.openxmlformats.org/presentationml/2006/main">
+  <p:tag name="RAINPROBLEMTYPE" val="ProblemTypeMarker"/>
+</p:tagLst>
+</file>
+
+<file path=ppt/tags/tag3.xml><?xml version="1.0" encoding="utf-8"?>
+<p:tagLst xmlns:a="http://schemas.openxmlformats.org/drawingml/2006/main" xmlns:r="http://schemas.openxmlformats.org/officeDocument/2006/relationships" xmlns:p="http://schemas.openxmlformats.org/presentationml/2006/main">
+  <p:tag name="RAINPROBLEM" val="ProblemItem"/>
+</p:tagLst>
+</file>
+
+<file path=ppt/tags/tag30.xml><?xml version="1.0" encoding="utf-8"?>
+<p:tagLst xmlns:a="http://schemas.openxmlformats.org/drawingml/2006/main" xmlns:r="http://schemas.openxmlformats.org/officeDocument/2006/relationships" xmlns:p="http://schemas.openxmlformats.org/presentationml/2006/main">
+  <p:tag name="RAINPROBLEMTYPE" val="ProblemTypeMarker"/>
+</p:tagLst>
+</file>
+
+<file path=ppt/tags/tag31.xml><?xml version="1.0" encoding="utf-8"?>
+<p:tagLst xmlns:a="http://schemas.openxmlformats.org/drawingml/2006/main" xmlns:r="http://schemas.openxmlformats.org/officeDocument/2006/relationships" xmlns:p="http://schemas.openxmlformats.org/presentationml/2006/main">
+  <p:tag name="RAINPROBLEMTYPE" val="ProblemTypeMarker"/>
+</p:tagLst>
+</file>
+
+<file path=ppt/tags/tag32.xml><?xml version="1.0" encoding="utf-8"?>
+<p:tagLst xmlns:a="http://schemas.openxmlformats.org/drawingml/2006/main" xmlns:r="http://schemas.openxmlformats.org/officeDocument/2006/relationships" xmlns:p="http://schemas.openxmlformats.org/presentationml/2006/main">
+  <p:tag name="RAINPROBLEM" val="ShortAnswer"/>
+  <p:tag name="PROBLEMSCORE" val="1.0"/>
+  <p:tag name="PROBLEMVOICEALLOWED" val="False"/>
+</p:tagLst>
+</file>
+
+<file path=ppt/tags/tag33.xml><?xml version="1.0" encoding="utf-8"?>
+<p:tagLst xmlns:a="http://schemas.openxmlformats.org/drawingml/2006/main" xmlns:r="http://schemas.openxmlformats.org/officeDocument/2006/relationships" xmlns:p="http://schemas.openxmlformats.org/presentationml/2006/main">
+  <p:tag name="RAINPROBLEM" val="ProblemBody"/>
+</p:tagLst>
+</file>
+
+<file path=ppt/tags/tag34.xml><?xml version="1.0" encoding="utf-8"?>
+<p:tagLst xmlns:a="http://schemas.openxmlformats.org/drawingml/2006/main" xmlns:r="http://schemas.openxmlformats.org/officeDocument/2006/relationships" xmlns:p="http://schemas.openxmlformats.org/presentationml/2006/main">
+  <p:tag name="RAINPROBLEM" val="ProblemSubmit"/>
+  <p:tag name="RAINPROBLEMTYPE" val="ShortAnswer"/>
+</p:tagLst>
+</file>
+
+<file path=ppt/tags/tag35.xml><?xml version="1.0" encoding="utf-8"?>
+<p:tagLst xmlns:a="http://schemas.openxmlformats.org/drawingml/2006/main" xmlns:r="http://schemas.openxmlformats.org/officeDocument/2006/relationships" xmlns:p="http://schemas.openxmlformats.org/presentationml/2006/main">
+  <p:tag name="PRODUCTVERSIONTIP" val="PRODUCTVERSIONTIP"/>
+</p:tagLst>
+</file>
+
+<file path=ppt/tags/tag36.xml><?xml version="1.0" encoding="utf-8"?>
+<p:tagLst xmlns:a="http://schemas.openxmlformats.org/drawingml/2006/main" xmlns:r="http://schemas.openxmlformats.org/officeDocument/2006/relationships" xmlns:p="http://schemas.openxmlformats.org/presentationml/2006/main">
+  <p:tag name="RAINPROBLEMTYPE" val="ProblemTypeMarker"/>
+</p:tagLst>
+</file>
+
+<file path=ppt/tags/tag37.xml><?xml version="1.0" encoding="utf-8"?>
+<p:tagLst xmlns:a="http://schemas.openxmlformats.org/drawingml/2006/main" xmlns:r="http://schemas.openxmlformats.org/officeDocument/2006/relationships" xmlns:p="http://schemas.openxmlformats.org/presentationml/2006/main">
+  <p:tag name="RAINPROBLEM" val="ProblemSetting"/>
+  <p:tag name="RAINPROBLEMTYPE" val="ShortAnswer"/>
+</p:tagLst>
+</file>
+
+<file path=ppt/tags/tag38.xml><?xml version="1.0" encoding="utf-8"?>
+<p:tagLst xmlns:a="http://schemas.openxmlformats.org/drawingml/2006/main" xmlns:r="http://schemas.openxmlformats.org/officeDocument/2006/relationships" xmlns:p="http://schemas.openxmlformats.org/presentationml/2006/main">
+  <p:tag name="RAINPROBLEMTYPE" val="ProblemTypeMarker"/>
+</p:tagLst>
+</file>
+
+<file path=ppt/tags/tag39.xml><?xml version="1.0" encoding="utf-8"?>
+<p:tagLst xmlns:a="http://schemas.openxmlformats.org/drawingml/2006/main" xmlns:r="http://schemas.openxmlformats.org/officeDocument/2006/relationships" xmlns:p="http://schemas.openxmlformats.org/presentationml/2006/main">
+  <p:tag name="RAINPROBLEMTYPE" val="ProblemTypeMarker"/>
+</p:tagLst>
+</file>
+
+<file path=ppt/tags/tag4.xml><?xml version="1.0" encoding="utf-8"?>
+<p:tagLst xmlns:a="http://schemas.openxmlformats.org/drawingml/2006/main" xmlns:r="http://schemas.openxmlformats.org/officeDocument/2006/relationships" xmlns:p="http://schemas.openxmlformats.org/presentationml/2006/main">
+  <p:tag name="RAINPROBLEM" val="ProblemItem"/>
+</p:tagLst>
+</file>
+
+<file path=ppt/tags/tag40.xml><?xml version="1.0" encoding="utf-8"?>
+<p:tagLst xmlns:a="http://schemas.openxmlformats.org/drawingml/2006/main" xmlns:r="http://schemas.openxmlformats.org/officeDocument/2006/relationships" xmlns:p="http://schemas.openxmlformats.org/presentationml/2006/main">
+  <p:tag name="RAINPROBLEMTYPE" val="ProblemTypeMarker"/>
+</p:tagLst>
+</file>
+
+<file path=ppt/tags/tag41.xml><?xml version="1.0" encoding="utf-8"?>
+<p:tagLst xmlns:a="http://schemas.openxmlformats.org/drawingml/2006/main" xmlns:r="http://schemas.openxmlformats.org/officeDocument/2006/relationships" xmlns:p="http://schemas.openxmlformats.org/presentationml/2006/main">
+  <p:tag name="RAINPROBLEMTYPE" val="ProblemTypeMarker"/>
+</p:tagLst>
+</file>
+
+<file path=ppt/tags/tag5.xml><?xml version="1.0" encoding="utf-8"?>
+<p:tagLst xmlns:a="http://schemas.openxmlformats.org/drawingml/2006/main" xmlns:r="http://schemas.openxmlformats.org/officeDocument/2006/relationships" xmlns:p="http://schemas.openxmlformats.org/presentationml/2006/main">
+  <p:tag name="RAINPROBLEM" val="ProblemItem"/>
+</p:tagLst>
+</file>
+
+<file path=ppt/tags/tag6.xml><?xml version="1.0" encoding="utf-8"?>
+<p:tagLst xmlns:a="http://schemas.openxmlformats.org/drawingml/2006/main" xmlns:r="http://schemas.openxmlformats.org/officeDocument/2006/relationships" xmlns:p="http://schemas.openxmlformats.org/presentationml/2006/main">
+  <p:tag name="RAINPROBLEM" val="ProblemItem"/>
+</p:tagLst>
+</file>
+
+<file path=ppt/tags/tag7.xml><?xml version="1.0" encoding="utf-8"?>
+<p:tagLst xmlns:a="http://schemas.openxmlformats.org/drawingml/2006/main" xmlns:r="http://schemas.openxmlformats.org/officeDocument/2006/relationships" xmlns:p="http://schemas.openxmlformats.org/presentationml/2006/main">
+  <p:tag name="RAINPROBLEM" val="ProblemBullet"/>
+  <p:tag name="RAINPROBLEMTYPE" val="MultipleChoiceMA"/>
+  <p:tag name="RAINBULLET" val="Correct"/>
+</p:tagLst>
+</file>
+
+<file path=ppt/tags/tag8.xml><?xml version="1.0" encoding="utf-8"?>
+<p:tagLst xmlns:a="http://schemas.openxmlformats.org/drawingml/2006/main" xmlns:r="http://schemas.openxmlformats.org/officeDocument/2006/relationships" xmlns:p="http://schemas.openxmlformats.org/presentationml/2006/main">
+  <p:tag name="RAINPROBLEM" val="ProblemBullet"/>
+  <p:tag name="RAINPROBLEMTYPE" val="MultipleChoiceMA"/>
+  <p:tag name="RAINBULLET" val="Correct"/>
+</p:tagLst>
+</file>
+
+<file path=ppt/tags/tag9.xml><?xml version="1.0" encoding="utf-8"?>
+<p:tagLst xmlns:a="http://schemas.openxmlformats.org/drawingml/2006/main" xmlns:r="http://schemas.openxmlformats.org/officeDocument/2006/relationships" xmlns:p="http://schemas.openxmlformats.org/presentationml/2006/main">
+  <p:tag name="RAINPROBLEM" val="ProblemBullet"/>
+  <p:tag name="RAINPROBLEMTYPE" val="MultipleChoiceMA"/>
+  <p:tag name="RAINBULLET" val="Correct"/>
+</p:tagLst>
 </file>
 
 <file path=ppt/theme/theme1.xml><?xml version="1.0" encoding="utf-8"?>
